--- a/Webbutveckling 1/Kursmaterial/Lektioner/Lektion 1 - HTML.pptx
+++ b/Webbutveckling 1/Kursmaterial/Lektioner/Lektion 1 - HTML.pptx
@@ -128,6 +128,11 @@
       </a:defRPr>
     </a:lvl9pPr>
   </p:defaultTextStyle>
+  <p:extLst>
+    <p:ext uri="{EFAFB233-063F-42B5-8137-9DF3F51BA10A}">
+      <p15:sldGuideLst xmlns:p15="http://schemas.microsoft.com/office/powerpoint/2012/main"/>
+    </p:ext>
+  </p:extLst>
 </p:presentation>
 </file>
 
@@ -10063,7 +10068,7 @@
           <a:p>
             <a:fld id="{3538505D-DE64-0343-B550-3A766DCB2643}" type="datetimeFigureOut">
               <a:rPr lang="sv-SE" smtClean="0"/>
-              <a:t>2021-01-07</a:t>
+              <a:t>2021-01-08</a:t>
             </a:fld>
             <a:endParaRPr lang="sv-SE"/>
           </a:p>
@@ -10263,7 +10268,7 @@
           <a:p>
             <a:fld id="{3538505D-DE64-0343-B550-3A766DCB2643}" type="datetimeFigureOut">
               <a:rPr lang="sv-SE" smtClean="0"/>
-              <a:t>2021-01-07</a:t>
+              <a:t>2021-01-08</a:t>
             </a:fld>
             <a:endParaRPr lang="sv-SE"/>
           </a:p>
@@ -10473,7 +10478,7 @@
           <a:p>
             <a:fld id="{3538505D-DE64-0343-B550-3A766DCB2643}" type="datetimeFigureOut">
               <a:rPr lang="sv-SE" smtClean="0"/>
-              <a:t>2021-01-07</a:t>
+              <a:t>2021-01-08</a:t>
             </a:fld>
             <a:endParaRPr lang="sv-SE"/>
           </a:p>
@@ -10673,7 +10678,7 @@
           <a:p>
             <a:fld id="{3538505D-DE64-0343-B550-3A766DCB2643}" type="datetimeFigureOut">
               <a:rPr lang="sv-SE" smtClean="0"/>
-              <a:t>2021-01-07</a:t>
+              <a:t>2021-01-08</a:t>
             </a:fld>
             <a:endParaRPr lang="sv-SE"/>
           </a:p>
@@ -10949,7 +10954,7 @@
           <a:p>
             <a:fld id="{3538505D-DE64-0343-B550-3A766DCB2643}" type="datetimeFigureOut">
               <a:rPr lang="sv-SE" smtClean="0"/>
-              <a:t>2021-01-07</a:t>
+              <a:t>2021-01-08</a:t>
             </a:fld>
             <a:endParaRPr lang="sv-SE"/>
           </a:p>
@@ -11217,7 +11222,7 @@
           <a:p>
             <a:fld id="{3538505D-DE64-0343-B550-3A766DCB2643}" type="datetimeFigureOut">
               <a:rPr lang="sv-SE" smtClean="0"/>
-              <a:t>2021-01-07</a:t>
+              <a:t>2021-01-08</a:t>
             </a:fld>
             <a:endParaRPr lang="sv-SE"/>
           </a:p>
@@ -11632,7 +11637,7 @@
           <a:p>
             <a:fld id="{3538505D-DE64-0343-B550-3A766DCB2643}" type="datetimeFigureOut">
               <a:rPr lang="sv-SE" smtClean="0"/>
-              <a:t>2021-01-07</a:t>
+              <a:t>2021-01-08</a:t>
             </a:fld>
             <a:endParaRPr lang="sv-SE"/>
           </a:p>
@@ -11774,7 +11779,7 @@
           <a:p>
             <a:fld id="{3538505D-DE64-0343-B550-3A766DCB2643}" type="datetimeFigureOut">
               <a:rPr lang="sv-SE" smtClean="0"/>
-              <a:t>2021-01-07</a:t>
+              <a:t>2021-01-08</a:t>
             </a:fld>
             <a:endParaRPr lang="sv-SE"/>
           </a:p>
@@ -11887,7 +11892,7 @@
           <a:p>
             <a:fld id="{3538505D-DE64-0343-B550-3A766DCB2643}" type="datetimeFigureOut">
               <a:rPr lang="sv-SE" smtClean="0"/>
-              <a:t>2021-01-07</a:t>
+              <a:t>2021-01-08</a:t>
             </a:fld>
             <a:endParaRPr lang="sv-SE"/>
           </a:p>
@@ -12200,7 +12205,7 @@
           <a:p>
             <a:fld id="{3538505D-DE64-0343-B550-3A766DCB2643}" type="datetimeFigureOut">
               <a:rPr lang="sv-SE" smtClean="0"/>
-              <a:t>2021-01-07</a:t>
+              <a:t>2021-01-08</a:t>
             </a:fld>
             <a:endParaRPr lang="sv-SE"/>
           </a:p>
@@ -12489,7 +12494,7 @@
           <a:p>
             <a:fld id="{3538505D-DE64-0343-B550-3A766DCB2643}" type="datetimeFigureOut">
               <a:rPr lang="sv-SE" smtClean="0"/>
-              <a:t>2021-01-07</a:t>
+              <a:t>2021-01-08</a:t>
             </a:fld>
             <a:endParaRPr lang="sv-SE"/>
           </a:p>
@@ -12732,7 +12737,7 @@
           <a:p>
             <a:fld id="{3538505D-DE64-0343-B550-3A766DCB2643}" type="datetimeFigureOut">
               <a:rPr lang="sv-SE" smtClean="0"/>
-              <a:t>2021-01-07</a:t>
+              <a:t>2021-01-08</a:t>
             </a:fld>
             <a:endParaRPr lang="sv-SE"/>
           </a:p>
@@ -14029,12 +14034,12 @@
           <a:chExt cx="0" cy="0"/>
         </a:xfrm>
       </p:grpSpPr>
-      <p:sp>
+      <p:sp useBgFill="1">
         <p:nvSpPr>
-          <p:cNvPr id="16" name="Rectangle 9">
+          <p:cNvPr id="24" name="Rectangle 23">
             <a:extLst>
               <a:ext uri="{FF2B5EF4-FFF2-40B4-BE49-F238E27FC236}">
-                <a16:creationId xmlns:a16="http://schemas.microsoft.com/office/drawing/2014/main" id="{AFA67CD3-AB4E-4A7A-BEB8-53C445D8C44E}"/>
+                <a16:creationId xmlns:a16="http://schemas.microsoft.com/office/drawing/2014/main" id="{B712E947-0734-45F9-9C4F-41114EC3A33E}"/>
               </a:ext>
               <a:ext uri="{C183D7F6-B498-43B3-948B-1728B52AA6E4}">
                 <adec:decorative xmlns:adec="http://schemas.microsoft.com/office/drawing/2017/decorative" val="1"/>
@@ -14054,41 +14059,31 @@
         </p:nvSpPr>
         <p:spPr>
           <a:xfrm>
-            <a:off x="1" y="3726"/>
-            <a:ext cx="5614875" cy="6858000"/>
+            <a:off x="14285" y="0"/>
+            <a:ext cx="12192000" cy="6858000"/>
           </a:xfrm>
           <a:prstGeom prst="rect">
             <a:avLst/>
           </a:prstGeom>
-          <a:gradFill>
-            <a:gsLst>
-              <a:gs pos="0">
-                <a:schemeClr val="accent1">
-                  <a:lumMod val="100000"/>
-                  <a:alpha val="82000"/>
-                </a:schemeClr>
-              </a:gs>
-              <a:gs pos="25000">
-                <a:schemeClr val="accent1">
-                  <a:alpha val="60000"/>
-                </a:schemeClr>
-              </a:gs>
-              <a:gs pos="94000">
-                <a:schemeClr val="bg2">
-                  <a:lumMod val="75000"/>
-                </a:schemeClr>
-              </a:gs>
-              <a:gs pos="100000">
-                <a:schemeClr val="bg2">
-                  <a:lumMod val="75000"/>
-                </a:schemeClr>
-              </a:gs>
-            </a:gsLst>
-            <a:lin ang="4200000" scaled="0"/>
-          </a:gradFill>
-          <a:ln>
+          <a:ln w="12700" cap="flat" cmpd="sng" algn="ctr">
             <a:noFill/>
+            <a:prstDash val="solid"/>
+            <a:miter lim="800000"/>
           </a:ln>
+          <a:effectLst/>
+          <a:extLst>
+            <a:ext uri="{91240B29-F687-4F45-9708-019B960494DF}">
+              <a14:hiddenLine xmlns:a14="http://schemas.microsoft.com/office/drawing/2010/main" w="12700" cap="flat" cmpd="sng" algn="ctr">
+                <a:solidFill>
+                  <a:schemeClr val="accent1">
+                    <a:shade val="50000"/>
+                  </a:schemeClr>
+                </a:solidFill>
+                <a:prstDash val="solid"/>
+                <a:miter lim="800000"/>
+              </a14:hiddenLine>
+            </a:ext>
+          </a:extLst>
         </p:spPr>
         <p:style>
           <a:lnRef idx="2">
@@ -14115,21 +14110,21 @@
           </a:p>
         </p:txBody>
       </p:sp>
-      <p:pic>
-        <p:nvPicPr>
-          <p:cNvPr id="17" name="Picture 11">
+      <p:grpSp>
+        <p:nvGrpSpPr>
+          <p:cNvPr id="26" name="Group 25">
             <a:extLst>
               <a:ext uri="{FF2B5EF4-FFF2-40B4-BE49-F238E27FC236}">
-                <a16:creationId xmlns:a16="http://schemas.microsoft.com/office/drawing/2014/main" id="{07CF545F-9C2E-4446-97CD-AD92990C2B68}"/>
+                <a16:creationId xmlns:a16="http://schemas.microsoft.com/office/drawing/2014/main" id="{12B3290A-D3BF-4B87-B55B-FD9A98B49727}"/>
               </a:ext>
               <a:ext uri="{C183D7F6-B498-43B3-948B-1728B52AA6E4}">
                 <adec:decorative xmlns:adec="http://schemas.microsoft.com/office/drawing/2017/decorative" val="1"/>
               </a:ext>
             </a:extLst>
           </p:cNvPr>
-          <p:cNvPicPr>
-            <a:picLocks noGrp="1" noRot="1" noChangeAspect="1" noMove="1" noResize="1" noEditPoints="1" noAdjustHandles="1" noChangeArrowheads="1" noChangeShapeType="1" noCrop="1"/>
-          </p:cNvPicPr>
+          <p:cNvGrpSpPr>
+            <a:grpSpLocks noGrp="1" noUngrp="1" noRot="1" noChangeAspect="1" noMove="1" noResize="1"/>
+          </p:cNvGrpSpPr>
           <p:nvPr>
             <p:extLst>
               <p:ext uri="{386F3935-93C4-4BCD-93E2-E3B085C9AB24}">
@@ -14137,29 +14132,236 @@
               </p:ext>
             </p:extLst>
           </p:nvPr>
-        </p:nvPicPr>
-        <p:blipFill>
-          <a:blip r:embed="rId2">
-            <a:extLst>
-              <a:ext uri="{28A0092B-C50C-407E-A947-70E740481C1C}">
-                <a14:useLocalDpi xmlns:a14="http://schemas.microsoft.com/office/drawing/2010/main" val="0"/>
-              </a:ext>
-            </a:extLst>
-          </a:blip>
-          <a:stretch>
-            <a:fillRect/>
-          </a:stretch>
-        </p:blipFill>
-        <p:spPr>
+        </p:nvGrpSpPr>
+        <p:grpSpPr>
           <a:xfrm>
             <a:off x="0" y="0"/>
-            <a:ext cx="12192000" cy="6858000"/>
+            <a:ext cx="12199030" cy="1576446"/>
+            <a:chOff x="0" y="0"/>
+            <a:chExt cx="12192002" cy="1576446"/>
           </a:xfrm>
-          <a:prstGeom prst="rect">
-            <a:avLst/>
-          </a:prstGeom>
-        </p:spPr>
-      </p:pic>
+        </p:grpSpPr>
+        <p:sp>
+          <p:nvSpPr>
+            <p:cNvPr id="27" name="Rectangle 26">
+              <a:extLst>
+                <a:ext uri="{FF2B5EF4-FFF2-40B4-BE49-F238E27FC236}">
+                  <a16:creationId xmlns:a16="http://schemas.microsoft.com/office/drawing/2014/main" id="{033A715A-0686-440A-8F40-441B42A6605C}"/>
+                </a:ext>
+                <a:ext uri="{C183D7F6-B498-43B3-948B-1728B52AA6E4}">
+                  <adec:decorative xmlns:adec="http://schemas.microsoft.com/office/drawing/2017/decorative" val="1"/>
+                </a:ext>
+              </a:extLst>
+            </p:cNvPr>
+            <p:cNvSpPr/>
+            <p:nvPr>
+              <p:extLst>
+                <p:ext uri="{386F3935-93C4-4BCD-93E2-E3B085C9AB24}">
+                  <p16:designElem xmlns:p16="http://schemas.microsoft.com/office/powerpoint/2015/main" val="1"/>
+                </p:ext>
+              </p:extLst>
+            </p:nvPr>
+          </p:nvSpPr>
+          <p:spPr>
+            <a:xfrm rot="10800000" flipH="1">
+              <a:off x="2" y="0"/>
+              <a:ext cx="12191998" cy="1575955"/>
+            </a:xfrm>
+            <a:prstGeom prst="rect">
+              <a:avLst/>
+            </a:prstGeom>
+            <a:gradFill>
+              <a:gsLst>
+                <a:gs pos="0">
+                  <a:srgbClr val="000000">
+                    <a:alpha val="96000"/>
+                  </a:srgbClr>
+                </a:gs>
+                <a:gs pos="100000">
+                  <a:schemeClr val="accent1">
+                    <a:lumMod val="75000"/>
+                  </a:schemeClr>
+                </a:gs>
+              </a:gsLst>
+              <a:lin ang="8400000" scaled="0"/>
+            </a:gradFill>
+            <a:ln>
+              <a:noFill/>
+            </a:ln>
+          </p:spPr>
+          <p:style>
+            <a:lnRef idx="2">
+              <a:schemeClr val="accent1">
+                <a:shade val="50000"/>
+              </a:schemeClr>
+            </a:lnRef>
+            <a:fillRef idx="1">
+              <a:schemeClr val="accent1"/>
+            </a:fillRef>
+            <a:effectRef idx="0">
+              <a:schemeClr val="accent1"/>
+            </a:effectRef>
+            <a:fontRef idx="minor">
+              <a:schemeClr val="lt1"/>
+            </a:fontRef>
+          </p:style>
+          <p:txBody>
+            <a:bodyPr rtlCol="0" anchor="ctr"/>
+            <a:lstStyle/>
+            <a:p>
+              <a:pPr algn="ctr"/>
+              <a:endParaRPr lang="en-US"/>
+            </a:p>
+          </p:txBody>
+        </p:sp>
+        <p:sp>
+          <p:nvSpPr>
+            <p:cNvPr id="28" name="Rectangle 27">
+              <a:extLst>
+                <a:ext uri="{FF2B5EF4-FFF2-40B4-BE49-F238E27FC236}">
+                  <a16:creationId xmlns:a16="http://schemas.microsoft.com/office/drawing/2014/main" id="{4761657F-19F2-425B-B7E9-0118CD13C334}"/>
+                </a:ext>
+                <a:ext uri="{C183D7F6-B498-43B3-948B-1728B52AA6E4}">
+                  <adec:decorative xmlns:adec="http://schemas.microsoft.com/office/drawing/2017/decorative" val="1"/>
+                </a:ext>
+              </a:extLst>
+            </p:cNvPr>
+            <p:cNvSpPr/>
+            <p:nvPr>
+              <p:extLst>
+                <p:ext uri="{386F3935-93C4-4BCD-93E2-E3B085C9AB24}">
+                  <p16:designElem xmlns:p16="http://schemas.microsoft.com/office/powerpoint/2015/main" val="1"/>
+                </p:ext>
+              </p:extLst>
+            </p:nvPr>
+          </p:nvSpPr>
+          <p:spPr>
+            <a:xfrm rot="16200000">
+              <a:off x="5307778" y="-5307778"/>
+              <a:ext cx="1576446" cy="12192002"/>
+            </a:xfrm>
+            <a:prstGeom prst="rect">
+              <a:avLst/>
+            </a:prstGeom>
+            <a:gradFill>
+              <a:gsLst>
+                <a:gs pos="45000">
+                  <a:schemeClr val="accent1">
+                    <a:alpha val="0"/>
+                  </a:schemeClr>
+                </a:gs>
+                <a:gs pos="99000">
+                  <a:srgbClr val="000000">
+                    <a:alpha val="74000"/>
+                  </a:srgbClr>
+                </a:gs>
+              </a:gsLst>
+              <a:lin ang="11400000" scaled="0"/>
+            </a:gradFill>
+            <a:ln>
+              <a:noFill/>
+            </a:ln>
+          </p:spPr>
+          <p:style>
+            <a:lnRef idx="2">
+              <a:schemeClr val="accent1">
+                <a:shade val="50000"/>
+              </a:schemeClr>
+            </a:lnRef>
+            <a:fillRef idx="1">
+              <a:schemeClr val="accent1"/>
+            </a:fillRef>
+            <a:effectRef idx="0">
+              <a:schemeClr val="accent1"/>
+            </a:effectRef>
+            <a:fontRef idx="minor">
+              <a:schemeClr val="lt1"/>
+            </a:fontRef>
+          </p:style>
+          <p:txBody>
+            <a:bodyPr rtlCol="0" anchor="ctr"/>
+            <a:lstStyle/>
+            <a:p>
+              <a:pPr algn="ctr"/>
+              <a:endParaRPr lang="en-US" dirty="0"/>
+            </a:p>
+          </p:txBody>
+        </p:sp>
+        <p:sp>
+          <p:nvSpPr>
+            <p:cNvPr id="29" name="Rectangle 28">
+              <a:extLst>
+                <a:ext uri="{FF2B5EF4-FFF2-40B4-BE49-F238E27FC236}">
+                  <a16:creationId xmlns:a16="http://schemas.microsoft.com/office/drawing/2014/main" id="{E27B6634-79D3-4EDD-A77A-1065D6F3A4F2}"/>
+                </a:ext>
+                <a:ext uri="{C183D7F6-B498-43B3-948B-1728B52AA6E4}">
+                  <adec:decorative xmlns:adec="http://schemas.microsoft.com/office/drawing/2017/decorative" val="1"/>
+                </a:ext>
+              </a:extLst>
+            </p:cNvPr>
+            <p:cNvSpPr/>
+            <p:nvPr>
+              <p:extLst>
+                <p:ext uri="{386F3935-93C4-4BCD-93E2-E3B085C9AB24}">
+                  <p16:designElem xmlns:p16="http://schemas.microsoft.com/office/powerpoint/2015/main" val="1"/>
+                </p:ext>
+              </p:extLst>
+            </p:nvPr>
+          </p:nvSpPr>
+          <p:spPr>
+            <a:xfrm>
+              <a:off x="3825434" y="0"/>
+              <a:ext cx="4303422" cy="1575461"/>
+            </a:xfrm>
+            <a:prstGeom prst="rect">
+              <a:avLst/>
+            </a:prstGeom>
+            <a:gradFill>
+              <a:gsLst>
+                <a:gs pos="0">
+                  <a:schemeClr val="accent1">
+                    <a:alpha val="17000"/>
+                  </a:schemeClr>
+                </a:gs>
+                <a:gs pos="74000">
+                  <a:schemeClr val="accent1">
+                    <a:lumMod val="50000"/>
+                    <a:alpha val="0"/>
+                  </a:schemeClr>
+                </a:gs>
+              </a:gsLst>
+              <a:lin ang="14400000" scaled="0"/>
+            </a:gradFill>
+            <a:ln>
+              <a:noFill/>
+            </a:ln>
+          </p:spPr>
+          <p:style>
+            <a:lnRef idx="2">
+              <a:schemeClr val="accent1">
+                <a:shade val="50000"/>
+              </a:schemeClr>
+            </a:lnRef>
+            <a:fillRef idx="1">
+              <a:schemeClr val="accent1"/>
+            </a:fillRef>
+            <a:effectRef idx="0">
+              <a:schemeClr val="accent1"/>
+            </a:effectRef>
+            <a:fontRef idx="minor">
+              <a:schemeClr val="lt1"/>
+            </a:fontRef>
+          </p:style>
+          <p:txBody>
+            <a:bodyPr rtlCol="0" anchor="ctr"/>
+            <a:lstStyle/>
+            <a:p>
+              <a:pPr algn="ctr"/>
+              <a:endParaRPr lang="en-US"/>
+            </a:p>
+          </p:txBody>
+        </p:sp>
+      </p:grpSp>
       <p:sp>
         <p:nvSpPr>
           <p:cNvPr id="2" name="Title 1">
@@ -14178,198 +14380,24 @@
         </p:nvSpPr>
         <p:spPr>
           <a:xfrm>
-            <a:off x="6094105" y="802955"/>
-            <a:ext cx="4977976" cy="1454051"/>
+            <a:off x="1371598" y="319314"/>
+            <a:ext cx="9477377" cy="1030515"/>
           </a:xfrm>
         </p:spPr>
         <p:txBody>
-          <a:bodyPr>
+          <a:bodyPr anchor="ctr">
             <a:normAutofit/>
           </a:bodyPr>
           <a:lstStyle/>
           <a:p>
             <a:r>
-              <a:rPr lang="sv-SE">
+              <a:rPr lang="sv-SE" sz="4000">
                 <a:solidFill>
-                  <a:srgbClr val="000000"/>
+                  <a:srgbClr val="FFFFFF"/>
                 </a:solidFill>
               </a:rPr>
               <a:t>HTML</a:t>
             </a:r>
-          </a:p>
-        </p:txBody>
-      </p:sp>
-      <p:sp>
-        <p:nvSpPr>
-          <p:cNvPr id="18" name="Freeform 62">
-            <a:extLst>
-              <a:ext uri="{FF2B5EF4-FFF2-40B4-BE49-F238E27FC236}">
-                <a16:creationId xmlns:a16="http://schemas.microsoft.com/office/drawing/2014/main" id="{339C8D78-A644-462F-B674-F440635E5353}"/>
-              </a:ext>
-              <a:ext uri="{C183D7F6-B498-43B3-948B-1728B52AA6E4}">
-                <adec:decorative xmlns:adec="http://schemas.microsoft.com/office/drawing/2017/decorative" val="1"/>
-              </a:ext>
-            </a:extLst>
-          </p:cNvPr>
-          <p:cNvSpPr>
-            <a:spLocks noGrp="1" noRot="1" noChangeAspect="1" noMove="1" noResize="1" noEditPoints="1" noAdjustHandles="1" noChangeArrowheads="1" noChangeShapeType="1" noTextEdit="1"/>
-          </p:cNvSpPr>
-          <p:nvPr>
-            <p:extLst>
-              <p:ext uri="{386F3935-93C4-4BCD-93E2-E3B085C9AB24}">
-                <p16:designElem xmlns:p16="http://schemas.microsoft.com/office/powerpoint/2015/main" val="1"/>
-              </p:ext>
-            </p:extLst>
-          </p:nvPr>
-        </p:nvSpPr>
-        <p:spPr>
-          <a:xfrm>
-            <a:off x="0" y="738619"/>
-            <a:ext cx="5000438" cy="5400962"/>
-          </a:xfrm>
-          <a:custGeom>
-            <a:avLst/>
-            <a:gdLst>
-              <a:gd name="connsiteX0" fmla="*/ 2299956 w 5000438"/>
-              <a:gd name="connsiteY0" fmla="*/ 0 h 5400962"/>
-              <a:gd name="connsiteX1" fmla="*/ 5000438 w 5000438"/>
-              <a:gd name="connsiteY1" fmla="*/ 2700481 h 5400962"/>
-              <a:gd name="connsiteX2" fmla="*/ 2299956 w 5000438"/>
-              <a:gd name="connsiteY2" fmla="*/ 5400962 h 5400962"/>
-              <a:gd name="connsiteX3" fmla="*/ 60675 w 5000438"/>
-              <a:gd name="connsiteY3" fmla="*/ 4210346 h 5400962"/>
-              <a:gd name="connsiteX4" fmla="*/ 0 w 5000438"/>
-              <a:gd name="connsiteY4" fmla="*/ 4110472 h 5400962"/>
-              <a:gd name="connsiteX5" fmla="*/ 0 w 5000438"/>
-              <a:gd name="connsiteY5" fmla="*/ 1290491 h 5400962"/>
-              <a:gd name="connsiteX6" fmla="*/ 60675 w 5000438"/>
-              <a:gd name="connsiteY6" fmla="*/ 1190617 h 5400962"/>
-              <a:gd name="connsiteX7" fmla="*/ 2299956 w 5000438"/>
-              <a:gd name="connsiteY7" fmla="*/ 0 h 5400962"/>
-            </a:gdLst>
-            <a:ahLst/>
-            <a:cxnLst>
-              <a:cxn ang="0">
-                <a:pos x="connsiteX0" y="connsiteY0"/>
-              </a:cxn>
-              <a:cxn ang="0">
-                <a:pos x="connsiteX1" y="connsiteY1"/>
-              </a:cxn>
-              <a:cxn ang="0">
-                <a:pos x="connsiteX2" y="connsiteY2"/>
-              </a:cxn>
-              <a:cxn ang="0">
-                <a:pos x="connsiteX3" y="connsiteY3"/>
-              </a:cxn>
-              <a:cxn ang="0">
-                <a:pos x="connsiteX4" y="connsiteY4"/>
-              </a:cxn>
-              <a:cxn ang="0">
-                <a:pos x="connsiteX5" y="connsiteY5"/>
-              </a:cxn>
-              <a:cxn ang="0">
-                <a:pos x="connsiteX6" y="connsiteY6"/>
-              </a:cxn>
-              <a:cxn ang="0">
-                <a:pos x="connsiteX7" y="connsiteY7"/>
-              </a:cxn>
-            </a:cxnLst>
-            <a:rect l="l" t="t" r="r" b="b"/>
-            <a:pathLst>
-              <a:path w="5000438" h="5400962">
-                <a:moveTo>
-                  <a:pt x="2299956" y="0"/>
-                </a:moveTo>
-                <a:cubicBezTo>
-                  <a:pt x="3791390" y="0"/>
-                  <a:pt x="5000438" y="1209047"/>
-                  <a:pt x="5000438" y="2700481"/>
-                </a:cubicBezTo>
-                <a:cubicBezTo>
-                  <a:pt x="5000438" y="4191915"/>
-                  <a:pt x="3791390" y="5400962"/>
-                  <a:pt x="2299956" y="5400962"/>
-                </a:cubicBezTo>
-                <a:cubicBezTo>
-                  <a:pt x="1367810" y="5400962"/>
-                  <a:pt x="545971" y="4928678"/>
-                  <a:pt x="60675" y="4210346"/>
-                </a:cubicBezTo>
-                <a:lnTo>
-                  <a:pt x="0" y="4110472"/>
-                </a:lnTo>
-                <a:lnTo>
-                  <a:pt x="0" y="1290491"/>
-                </a:lnTo>
-                <a:lnTo>
-                  <a:pt x="60675" y="1190617"/>
-                </a:lnTo>
-                <a:cubicBezTo>
-                  <a:pt x="545971" y="472284"/>
-                  <a:pt x="1367810" y="0"/>
-                  <a:pt x="2299956" y="0"/>
-                </a:cubicBezTo>
-                <a:close/>
-              </a:path>
-            </a:pathLst>
-          </a:custGeom>
-          <a:solidFill>
-            <a:srgbClr val="FFFFFF"/>
-          </a:solidFill>
-          <a:ln>
-            <a:gradFill>
-              <a:gsLst>
-                <a:gs pos="0">
-                  <a:schemeClr val="accent1">
-                    <a:lumMod val="40000"/>
-                    <a:lumOff val="60000"/>
-                  </a:schemeClr>
-                </a:gs>
-                <a:gs pos="23000">
-                  <a:schemeClr val="accent1">
-                    <a:lumMod val="45000"/>
-                    <a:lumOff val="55000"/>
-                  </a:schemeClr>
-                </a:gs>
-                <a:gs pos="83000">
-                  <a:schemeClr val="bg2">
-                    <a:lumMod val="85000"/>
-                  </a:schemeClr>
-                </a:gs>
-                <a:gs pos="100000">
-                  <a:schemeClr val="bg2">
-                    <a:lumMod val="85000"/>
-                  </a:schemeClr>
-                </a:gs>
-              </a:gsLst>
-              <a:lin ang="5400000" scaled="1"/>
-            </a:gradFill>
-          </a:ln>
-        </p:spPr>
-        <p:style>
-          <a:lnRef idx="2">
-            <a:schemeClr val="accent1">
-              <a:shade val="50000"/>
-            </a:schemeClr>
-          </a:lnRef>
-          <a:fillRef idx="1">
-            <a:schemeClr val="accent1"/>
-          </a:fillRef>
-          <a:effectRef idx="0">
-            <a:schemeClr val="accent1"/>
-          </a:effectRef>
-          <a:fontRef idx="minor">
-            <a:schemeClr val="lt1"/>
-          </a:fontRef>
-        </p:style>
-        <p:txBody>
-          <a:bodyPr wrap="square" rtlCol="0" anchor="ctr">
-            <a:noAutofit/>
-          </a:bodyPr>
-          <a:lstStyle/>
-          <a:p>
-            <a:pPr algn="ctr"/>
-            <a:endParaRPr lang="en-US"/>
           </a:p>
         </p:txBody>
       </p:sp>
@@ -14388,13 +14416,13 @@
           <p:nvPr/>
         </p:nvPicPr>
         <p:blipFill>
-          <a:blip r:embed="rId3">
+          <a:blip r:embed="rId2">
             <a:extLst>
               <a:ext uri="{28A0092B-C50C-407E-A947-70E740481C1C}">
                 <a14:useLocalDpi xmlns:a14="http://schemas.microsoft.com/office/drawing/2010/main" val="0"/>
               </a:ext>
               <a:ext uri="{96DAC541-7B7A-43D3-8B79-37D633B846F1}">
-                <asvg:svgBlip xmlns:asvg="http://schemas.microsoft.com/office/drawing/2016/SVG/main" r:embed="rId4"/>
+                <asvg:svgBlip xmlns:asvg="http://schemas.microsoft.com/office/drawing/2016/SVG/main" r:embed="rId3"/>
               </a:ext>
             </a:extLst>
           </a:blip>
@@ -14404,12 +14432,40 @@
         </p:blipFill>
         <p:spPr>
           <a:xfrm>
-            <a:off x="450254" y="1629089"/>
-            <a:ext cx="3620021" cy="3620021"/>
+            <a:off x="3319484" y="2050595"/>
+            <a:ext cx="2617365" cy="2617365"/>
           </a:xfrm>
           <a:prstGeom prst="rect">
             <a:avLst/>
           </a:prstGeom>
+        </p:spPr>
+      </p:pic>
+      <p:pic>
+        <p:nvPicPr>
+          <p:cNvPr id="8" name="Google Shape;72;p17">
+            <a:extLst>
+              <a:ext uri="{FF2B5EF4-FFF2-40B4-BE49-F238E27FC236}">
+                <a16:creationId xmlns:a16="http://schemas.microsoft.com/office/drawing/2014/main" id="{D96BFBCD-2F81-8B4E-8AB1-C85EBBF2B902}"/>
+              </a:ext>
+            </a:extLst>
+          </p:cNvPr>
+          <p:cNvPicPr preferRelativeResize="0"/>
+          <p:nvPr/>
+        </p:nvPicPr>
+        <p:blipFill rotWithShape="1">
+          <a:blip r:embed="rId4"/>
+          <a:srcRect r="67199"/>
+          <a:stretch/>
+        </p:blipFill>
+        <p:spPr>
+          <a:xfrm>
+            <a:off x="6267671" y="2074130"/>
+            <a:ext cx="1907826" cy="2617365"/>
+          </a:xfrm>
+          <a:prstGeom prst="rect">
+            <a:avLst/>
+          </a:prstGeom>
+          <a:noFill/>
         </p:spPr>
       </p:pic>
       <p:sp>
@@ -14430,12 +14486,12 @@
         </p:nvSpPr>
         <p:spPr>
           <a:xfrm>
-            <a:off x="6090574" y="2421682"/>
-            <a:ext cx="4977578" cy="3639289"/>
+            <a:off x="1371598" y="5070346"/>
+            <a:ext cx="9496427" cy="1385266"/>
           </a:xfrm>
         </p:spPr>
         <p:txBody>
-          <a:bodyPr anchor="ctr">
+          <a:bodyPr>
             <a:normAutofit/>
           </a:bodyPr>
           <a:lstStyle/>
@@ -14444,11 +14500,7 @@
               <a:buNone/>
             </a:pPr>
             <a:r>
-              <a:rPr lang="sv-SE" sz="2000">
-                <a:solidFill>
-                  <a:srgbClr val="000000"/>
-                </a:solidFill>
-              </a:rPr>
+              <a:rPr lang="sv-SE" sz="2000"/>
               <a:t>Hyper Text Markup Language…?</a:t>
             </a:r>
           </a:p>

--- a/Webbutveckling 1/Kursmaterial/Lektioner/Lektion 1 - HTML.pptx
+++ b/Webbutveckling 1/Kursmaterial/Lektioner/Lektion 1 - HTML.pptx
@@ -30,6 +30,7 @@
     <p:sldId id="278" r:id="rId24"/>
     <p:sldId id="280" r:id="rId25"/>
     <p:sldId id="279" r:id="rId26"/>
+    <p:sldId id="281" r:id="rId27"/>
   </p:sldIdLst>
   <p:sldSz cx="12192000" cy="6858000"/>
   <p:notesSz cx="6858000" cy="9144000"/>
@@ -4351,6 +4352,788 @@
 </dgm:colorsDef>
 </file>
 
+<file path=ppt/diagrams/colors3.xml><?xml version="1.0" encoding="utf-8"?>
+<dgm:colorsDef xmlns:dgm="http://schemas.openxmlformats.org/drawingml/2006/diagram" xmlns:a="http://schemas.openxmlformats.org/drawingml/2006/main" uniqueId="urn:microsoft.com/office/officeart/2005/8/colors/colorful5">
+  <dgm:title val=""/>
+  <dgm:desc val=""/>
+  <dgm:catLst>
+    <dgm:cat type="colorful" pri="10500"/>
+  </dgm:catLst>
+  <dgm:styleLbl name="node0">
+    <dgm:fillClrLst meth="repeat">
+      <a:schemeClr val="accent4"/>
+    </dgm:fillClrLst>
+    <dgm:linClrLst meth="repeat">
+      <a:schemeClr val="lt1"/>
+    </dgm:linClrLst>
+    <dgm:effectClrLst/>
+    <dgm:txLinClrLst/>
+    <dgm:txFillClrLst/>
+    <dgm:txEffectClrLst/>
+  </dgm:styleLbl>
+  <dgm:styleLbl name="node1">
+    <dgm:fillClrLst>
+      <a:schemeClr val="accent5"/>
+      <a:schemeClr val="accent6"/>
+    </dgm:fillClrLst>
+    <dgm:linClrLst meth="repeat">
+      <a:schemeClr val="lt1"/>
+    </dgm:linClrLst>
+    <dgm:effectClrLst/>
+    <dgm:txLinClrLst/>
+    <dgm:txFillClrLst/>
+    <dgm:txEffectClrLst/>
+  </dgm:styleLbl>
+  <dgm:styleLbl name="alignNode1">
+    <dgm:fillClrLst>
+      <a:schemeClr val="accent5"/>
+      <a:schemeClr val="accent6"/>
+    </dgm:fillClrLst>
+    <dgm:linClrLst>
+      <a:schemeClr val="accent5"/>
+      <a:schemeClr val="accent6"/>
+    </dgm:linClrLst>
+    <dgm:effectClrLst/>
+    <dgm:txLinClrLst/>
+    <dgm:txFillClrLst/>
+    <dgm:txEffectClrLst/>
+  </dgm:styleLbl>
+  <dgm:styleLbl name="lnNode1">
+    <dgm:fillClrLst>
+      <a:schemeClr val="accent5"/>
+      <a:schemeClr val="accent6"/>
+    </dgm:fillClrLst>
+    <dgm:linClrLst meth="repeat">
+      <a:schemeClr val="lt1"/>
+    </dgm:linClrLst>
+    <dgm:effectClrLst/>
+    <dgm:txLinClrLst/>
+    <dgm:txFillClrLst/>
+    <dgm:txEffectClrLst/>
+  </dgm:styleLbl>
+  <dgm:styleLbl name="vennNode1">
+    <dgm:fillClrLst>
+      <a:schemeClr val="accent5">
+        <a:alpha val="50000"/>
+      </a:schemeClr>
+      <a:schemeClr val="accent6">
+        <a:alpha val="50000"/>
+      </a:schemeClr>
+    </dgm:fillClrLst>
+    <dgm:linClrLst meth="repeat">
+      <a:schemeClr val="lt1"/>
+    </dgm:linClrLst>
+    <dgm:effectClrLst/>
+    <dgm:txLinClrLst/>
+    <dgm:txFillClrLst/>
+    <dgm:txEffectClrLst/>
+  </dgm:styleLbl>
+  <dgm:styleLbl name="node2">
+    <dgm:fillClrLst>
+      <a:schemeClr val="accent6"/>
+    </dgm:fillClrLst>
+    <dgm:linClrLst meth="repeat">
+      <a:schemeClr val="lt1"/>
+    </dgm:linClrLst>
+    <dgm:effectClrLst/>
+    <dgm:txLinClrLst/>
+    <dgm:txFillClrLst/>
+    <dgm:txEffectClrLst/>
+  </dgm:styleLbl>
+  <dgm:styleLbl name="node3">
+    <dgm:fillClrLst>
+      <a:schemeClr val="accent1"/>
+    </dgm:fillClrLst>
+    <dgm:linClrLst meth="repeat">
+      <a:schemeClr val="lt1"/>
+    </dgm:linClrLst>
+    <dgm:effectClrLst/>
+    <dgm:txLinClrLst/>
+    <dgm:txFillClrLst/>
+    <dgm:txEffectClrLst/>
+  </dgm:styleLbl>
+  <dgm:styleLbl name="node4">
+    <dgm:fillClrLst>
+      <a:schemeClr val="accent2"/>
+    </dgm:fillClrLst>
+    <dgm:linClrLst meth="repeat">
+      <a:schemeClr val="lt1"/>
+    </dgm:linClrLst>
+    <dgm:effectClrLst/>
+    <dgm:txLinClrLst/>
+    <dgm:txFillClrLst/>
+    <dgm:txEffectClrLst/>
+  </dgm:styleLbl>
+  <dgm:styleLbl name="fgImgPlace1">
+    <dgm:fillClrLst>
+      <a:schemeClr val="accent5">
+        <a:tint val="50000"/>
+      </a:schemeClr>
+      <a:schemeClr val="accent6">
+        <a:tint val="50000"/>
+      </a:schemeClr>
+    </dgm:fillClrLst>
+    <dgm:linClrLst meth="repeat">
+      <a:schemeClr val="lt1"/>
+    </dgm:linClrLst>
+    <dgm:effectClrLst/>
+    <dgm:txLinClrLst/>
+    <dgm:txFillClrLst meth="repeat">
+      <a:schemeClr val="lt1"/>
+    </dgm:txFillClrLst>
+    <dgm:txEffectClrLst/>
+  </dgm:styleLbl>
+  <dgm:styleLbl name="alignImgPlace1">
+    <dgm:fillClrLst>
+      <a:schemeClr val="accent5">
+        <a:tint val="50000"/>
+      </a:schemeClr>
+      <a:schemeClr val="accent6">
+        <a:tint val="20000"/>
+      </a:schemeClr>
+    </dgm:fillClrLst>
+    <dgm:linClrLst meth="repeat">
+      <a:schemeClr val="lt1"/>
+    </dgm:linClrLst>
+    <dgm:effectClrLst/>
+    <dgm:txLinClrLst/>
+    <dgm:txFillClrLst meth="repeat">
+      <a:schemeClr val="lt1"/>
+    </dgm:txFillClrLst>
+    <dgm:txEffectClrLst/>
+  </dgm:styleLbl>
+  <dgm:styleLbl name="bgImgPlace1">
+    <dgm:fillClrLst>
+      <a:schemeClr val="accent5">
+        <a:tint val="50000"/>
+      </a:schemeClr>
+      <a:schemeClr val="accent6">
+        <a:tint val="20000"/>
+      </a:schemeClr>
+    </dgm:fillClrLst>
+    <dgm:linClrLst meth="repeat">
+      <a:schemeClr val="lt1"/>
+    </dgm:linClrLst>
+    <dgm:effectClrLst/>
+    <dgm:txLinClrLst/>
+    <dgm:txFillClrLst meth="repeat">
+      <a:schemeClr val="lt1"/>
+    </dgm:txFillClrLst>
+    <dgm:txEffectClrLst/>
+  </dgm:styleLbl>
+  <dgm:styleLbl name="sibTrans2D1">
+    <dgm:fillClrLst>
+      <a:schemeClr val="accent5"/>
+      <a:schemeClr val="accent6"/>
+    </dgm:fillClrLst>
+    <dgm:linClrLst meth="repeat">
+      <a:schemeClr val="lt1"/>
+    </dgm:linClrLst>
+    <dgm:effectClrLst/>
+    <dgm:txLinClrLst/>
+    <dgm:txFillClrLst/>
+    <dgm:txEffectClrLst/>
+  </dgm:styleLbl>
+  <dgm:styleLbl name="fgSibTrans2D1">
+    <dgm:fillClrLst>
+      <a:schemeClr val="accent5"/>
+      <a:schemeClr val="accent6"/>
+    </dgm:fillClrLst>
+    <dgm:linClrLst meth="repeat">
+      <a:schemeClr val="lt1"/>
+    </dgm:linClrLst>
+    <dgm:effectClrLst/>
+    <dgm:txLinClrLst/>
+    <dgm:txFillClrLst meth="repeat">
+      <a:schemeClr val="lt1"/>
+    </dgm:txFillClrLst>
+    <dgm:txEffectClrLst/>
+  </dgm:styleLbl>
+  <dgm:styleLbl name="bgSibTrans2D1">
+    <dgm:fillClrLst>
+      <a:schemeClr val="accent5"/>
+      <a:schemeClr val="accent6"/>
+    </dgm:fillClrLst>
+    <dgm:linClrLst meth="repeat">
+      <a:schemeClr val="lt1"/>
+    </dgm:linClrLst>
+    <dgm:effectClrLst/>
+    <dgm:txLinClrLst/>
+    <dgm:txFillClrLst meth="repeat">
+      <a:schemeClr val="lt1"/>
+    </dgm:txFillClrLst>
+    <dgm:txEffectClrLst/>
+  </dgm:styleLbl>
+  <dgm:styleLbl name="sibTrans1D1">
+    <dgm:fillClrLst/>
+    <dgm:linClrLst>
+      <a:schemeClr val="accent5"/>
+      <a:schemeClr val="accent6"/>
+    </dgm:linClrLst>
+    <dgm:effectClrLst/>
+    <dgm:txLinClrLst/>
+    <dgm:txFillClrLst meth="repeat">
+      <a:schemeClr val="tx1"/>
+    </dgm:txFillClrLst>
+    <dgm:txEffectClrLst/>
+  </dgm:styleLbl>
+  <dgm:styleLbl name="callout">
+    <dgm:fillClrLst meth="repeat">
+      <a:schemeClr val="accent5"/>
+    </dgm:fillClrLst>
+    <dgm:linClrLst meth="repeat">
+      <a:schemeClr val="accent5">
+        <a:tint val="50000"/>
+      </a:schemeClr>
+    </dgm:linClrLst>
+    <dgm:effectClrLst/>
+    <dgm:txLinClrLst/>
+    <dgm:txFillClrLst meth="repeat">
+      <a:schemeClr val="tx1"/>
+    </dgm:txFillClrLst>
+    <dgm:txEffectClrLst/>
+  </dgm:styleLbl>
+  <dgm:styleLbl name="asst0">
+    <dgm:fillClrLst meth="repeat">
+      <a:schemeClr val="accent5"/>
+    </dgm:fillClrLst>
+    <dgm:linClrLst meth="repeat">
+      <a:schemeClr val="lt1">
+        <a:shade val="80000"/>
+      </a:schemeClr>
+    </dgm:linClrLst>
+    <dgm:effectClrLst/>
+    <dgm:txLinClrLst/>
+    <dgm:txFillClrLst/>
+    <dgm:txEffectClrLst/>
+  </dgm:styleLbl>
+  <dgm:styleLbl name="asst1">
+    <dgm:fillClrLst meth="repeat">
+      <a:schemeClr val="accent6"/>
+    </dgm:fillClrLst>
+    <dgm:linClrLst meth="repeat">
+      <a:schemeClr val="lt1">
+        <a:shade val="80000"/>
+      </a:schemeClr>
+    </dgm:linClrLst>
+    <dgm:effectClrLst/>
+    <dgm:txLinClrLst/>
+    <dgm:txFillClrLst/>
+    <dgm:txEffectClrLst/>
+  </dgm:styleLbl>
+  <dgm:styleLbl name="asst2">
+    <dgm:fillClrLst>
+      <a:schemeClr val="accent1"/>
+    </dgm:fillClrLst>
+    <dgm:linClrLst meth="repeat">
+      <a:schemeClr val="lt1"/>
+    </dgm:linClrLst>
+    <dgm:effectClrLst/>
+    <dgm:txLinClrLst/>
+    <dgm:txFillClrLst/>
+    <dgm:txEffectClrLst/>
+  </dgm:styleLbl>
+  <dgm:styleLbl name="asst3">
+    <dgm:fillClrLst>
+      <a:schemeClr val="accent2"/>
+    </dgm:fillClrLst>
+    <dgm:linClrLst meth="repeat">
+      <a:schemeClr val="lt1"/>
+    </dgm:linClrLst>
+    <dgm:effectClrLst/>
+    <dgm:txLinClrLst/>
+    <dgm:txFillClrLst/>
+    <dgm:txEffectClrLst/>
+  </dgm:styleLbl>
+  <dgm:styleLbl name="asst4">
+    <dgm:fillClrLst>
+      <a:schemeClr val="accent3"/>
+    </dgm:fillClrLst>
+    <dgm:linClrLst meth="repeat">
+      <a:schemeClr val="lt1"/>
+    </dgm:linClrLst>
+    <dgm:effectClrLst/>
+    <dgm:txLinClrLst/>
+    <dgm:txFillClrLst/>
+    <dgm:txEffectClrLst/>
+  </dgm:styleLbl>
+  <dgm:styleLbl name="parChTrans2D1">
+    <dgm:fillClrLst meth="repeat">
+      <a:schemeClr val="accent5"/>
+    </dgm:fillClrLst>
+    <dgm:linClrLst meth="repeat">
+      <a:schemeClr val="lt1"/>
+    </dgm:linClrLst>
+    <dgm:effectClrLst/>
+    <dgm:txLinClrLst/>
+    <dgm:txFillClrLst meth="repeat">
+      <a:schemeClr val="lt1"/>
+    </dgm:txFillClrLst>
+    <dgm:txEffectClrLst/>
+  </dgm:styleLbl>
+  <dgm:styleLbl name="parChTrans2D2">
+    <dgm:fillClrLst meth="repeat">
+      <a:schemeClr val="accent6"/>
+    </dgm:fillClrLst>
+    <dgm:linClrLst meth="repeat">
+      <a:schemeClr val="lt1"/>
+    </dgm:linClrLst>
+    <dgm:effectClrLst/>
+    <dgm:txLinClrLst/>
+    <dgm:txFillClrLst/>
+    <dgm:txEffectClrLst/>
+  </dgm:styleLbl>
+  <dgm:styleLbl name="parChTrans2D3">
+    <dgm:fillClrLst meth="repeat">
+      <a:schemeClr val="accent6"/>
+    </dgm:fillClrLst>
+    <dgm:linClrLst meth="repeat">
+      <a:schemeClr val="lt1"/>
+    </dgm:linClrLst>
+    <dgm:effectClrLst/>
+    <dgm:txLinClrLst/>
+    <dgm:txFillClrLst/>
+    <dgm:txEffectClrLst/>
+  </dgm:styleLbl>
+  <dgm:styleLbl name="parChTrans2D4">
+    <dgm:fillClrLst meth="repeat">
+      <a:schemeClr val="accent1"/>
+    </dgm:fillClrLst>
+    <dgm:linClrLst meth="repeat">
+      <a:schemeClr val="lt1"/>
+    </dgm:linClrLst>
+    <dgm:effectClrLst/>
+    <dgm:txLinClrLst/>
+    <dgm:txFillClrLst meth="repeat">
+      <a:schemeClr val="lt1"/>
+    </dgm:txFillClrLst>
+    <dgm:txEffectClrLst/>
+  </dgm:styleLbl>
+  <dgm:styleLbl name="parChTrans1D1">
+    <dgm:fillClrLst meth="repeat">
+      <a:schemeClr val="accent5"/>
+    </dgm:fillClrLst>
+    <dgm:linClrLst meth="repeat">
+      <a:schemeClr val="accent5"/>
+    </dgm:linClrLst>
+    <dgm:effectClrLst/>
+    <dgm:txLinClrLst/>
+    <dgm:txFillClrLst meth="repeat">
+      <a:schemeClr val="tx1"/>
+    </dgm:txFillClrLst>
+    <dgm:txEffectClrLst/>
+  </dgm:styleLbl>
+  <dgm:styleLbl name="parChTrans1D2">
+    <dgm:fillClrLst meth="repeat">
+      <a:schemeClr val="accent6">
+        <a:tint val="90000"/>
+      </a:schemeClr>
+    </dgm:fillClrLst>
+    <dgm:linClrLst meth="repeat">
+      <a:schemeClr val="accent6"/>
+    </dgm:linClrLst>
+    <dgm:effectClrLst/>
+    <dgm:txLinClrLst/>
+    <dgm:txFillClrLst meth="repeat">
+      <a:schemeClr val="tx1"/>
+    </dgm:txFillClrLst>
+    <dgm:txEffectClrLst/>
+  </dgm:styleLbl>
+  <dgm:styleLbl name="parChTrans1D3">
+    <dgm:fillClrLst meth="repeat">
+      <a:schemeClr val="accent6">
+        <a:tint val="70000"/>
+      </a:schemeClr>
+    </dgm:fillClrLst>
+    <dgm:linClrLst meth="repeat">
+      <a:schemeClr val="accent1"/>
+    </dgm:linClrLst>
+    <dgm:effectClrLst/>
+    <dgm:txLinClrLst/>
+    <dgm:txFillClrLst meth="repeat">
+      <a:schemeClr val="tx1"/>
+    </dgm:txFillClrLst>
+    <dgm:txEffectClrLst/>
+  </dgm:styleLbl>
+  <dgm:styleLbl name="parChTrans1D4">
+    <dgm:fillClrLst meth="repeat">
+      <a:schemeClr val="accent6">
+        <a:tint val="50000"/>
+      </a:schemeClr>
+    </dgm:fillClrLst>
+    <dgm:linClrLst meth="repeat">
+      <a:schemeClr val="accent2"/>
+    </dgm:linClrLst>
+    <dgm:effectClrLst/>
+    <dgm:txLinClrLst/>
+    <dgm:txFillClrLst meth="repeat">
+      <a:schemeClr val="tx1"/>
+    </dgm:txFillClrLst>
+    <dgm:txEffectClrLst/>
+  </dgm:styleLbl>
+  <dgm:styleLbl name="fgAcc1">
+    <dgm:fillClrLst meth="repeat">
+      <a:schemeClr val="lt1">
+        <a:alpha val="90000"/>
+      </a:schemeClr>
+    </dgm:fillClrLst>
+    <dgm:linClrLst>
+      <a:schemeClr val="accent5"/>
+      <a:schemeClr val="accent6"/>
+    </dgm:linClrLst>
+    <dgm:effectClrLst/>
+    <dgm:txLinClrLst/>
+    <dgm:txFillClrLst meth="repeat">
+      <a:schemeClr val="dk1"/>
+    </dgm:txFillClrLst>
+    <dgm:txEffectClrLst/>
+  </dgm:styleLbl>
+  <dgm:styleLbl name="conFgAcc1">
+    <dgm:fillClrLst meth="repeat">
+      <a:schemeClr val="lt1">
+        <a:alpha val="90000"/>
+      </a:schemeClr>
+    </dgm:fillClrLst>
+    <dgm:linClrLst>
+      <a:schemeClr val="accent5"/>
+      <a:schemeClr val="accent6"/>
+    </dgm:linClrLst>
+    <dgm:effectClrLst/>
+    <dgm:txLinClrLst/>
+    <dgm:txFillClrLst meth="repeat">
+      <a:schemeClr val="dk1"/>
+    </dgm:txFillClrLst>
+    <dgm:txEffectClrLst/>
+  </dgm:styleLbl>
+  <dgm:styleLbl name="alignAcc1">
+    <dgm:fillClrLst meth="repeat">
+      <a:schemeClr val="lt1">
+        <a:alpha val="90000"/>
+      </a:schemeClr>
+    </dgm:fillClrLst>
+    <dgm:linClrLst>
+      <a:schemeClr val="accent5"/>
+      <a:schemeClr val="accent6"/>
+    </dgm:linClrLst>
+    <dgm:effectClrLst/>
+    <dgm:txLinClrLst/>
+    <dgm:txFillClrLst meth="repeat">
+      <a:schemeClr val="dk1"/>
+    </dgm:txFillClrLst>
+    <dgm:txEffectClrLst/>
+  </dgm:styleLbl>
+  <dgm:styleLbl name="trAlignAcc1">
+    <dgm:fillClrLst meth="repeat">
+      <a:schemeClr val="lt1">
+        <a:alpha val="40000"/>
+      </a:schemeClr>
+    </dgm:fillClrLst>
+    <dgm:linClrLst meth="repeat">
+      <a:schemeClr val="accent5"/>
+    </dgm:linClrLst>
+    <dgm:effectClrLst/>
+    <dgm:txLinClrLst/>
+    <dgm:txFillClrLst meth="repeat">
+      <a:schemeClr val="dk1"/>
+    </dgm:txFillClrLst>
+    <dgm:txEffectClrLst/>
+  </dgm:styleLbl>
+  <dgm:styleLbl name="bgAcc1">
+    <dgm:fillClrLst meth="repeat">
+      <a:schemeClr val="lt1">
+        <a:alpha val="90000"/>
+      </a:schemeClr>
+    </dgm:fillClrLst>
+    <dgm:linClrLst>
+      <a:schemeClr val="accent5"/>
+      <a:schemeClr val="accent6"/>
+    </dgm:linClrLst>
+    <dgm:effectClrLst/>
+    <dgm:txLinClrLst/>
+    <dgm:txFillClrLst meth="repeat">
+      <a:schemeClr val="dk1"/>
+    </dgm:txFillClrLst>
+    <dgm:txEffectClrLst/>
+  </dgm:styleLbl>
+  <dgm:styleLbl name="solidFgAcc1">
+    <dgm:fillClrLst meth="repeat">
+      <a:schemeClr val="lt1"/>
+    </dgm:fillClrLst>
+    <dgm:linClrLst>
+      <a:schemeClr val="accent5"/>
+      <a:schemeClr val="accent6"/>
+    </dgm:linClrLst>
+    <dgm:effectClrLst/>
+    <dgm:txLinClrLst/>
+    <dgm:txFillClrLst meth="repeat">
+      <a:schemeClr val="dk1"/>
+    </dgm:txFillClrLst>
+    <dgm:txEffectClrLst/>
+  </dgm:styleLbl>
+  <dgm:styleLbl name="solidAlignAcc1">
+    <dgm:fillClrLst meth="repeat">
+      <a:schemeClr val="lt1"/>
+    </dgm:fillClrLst>
+    <dgm:linClrLst>
+      <a:schemeClr val="accent5"/>
+      <a:schemeClr val="accent6"/>
+    </dgm:linClrLst>
+    <dgm:effectClrLst/>
+    <dgm:txLinClrLst/>
+    <dgm:txFillClrLst meth="repeat">
+      <a:schemeClr val="dk1"/>
+    </dgm:txFillClrLst>
+    <dgm:txEffectClrLst/>
+  </dgm:styleLbl>
+  <dgm:styleLbl name="solidBgAcc1">
+    <dgm:fillClrLst meth="repeat">
+      <a:schemeClr val="lt1"/>
+    </dgm:fillClrLst>
+    <dgm:linClrLst>
+      <a:schemeClr val="accent5"/>
+      <a:schemeClr val="accent6"/>
+    </dgm:linClrLst>
+    <dgm:effectClrLst/>
+    <dgm:txLinClrLst/>
+    <dgm:txFillClrLst meth="repeat">
+      <a:schemeClr val="dk1"/>
+    </dgm:txFillClrLst>
+    <dgm:txEffectClrLst/>
+  </dgm:styleLbl>
+  <dgm:styleLbl name="fgAccFollowNode1">
+    <dgm:fillClrLst>
+      <a:schemeClr val="accent5">
+        <a:tint val="40000"/>
+        <a:alpha val="90000"/>
+      </a:schemeClr>
+      <a:schemeClr val="accent6">
+        <a:tint val="40000"/>
+        <a:alpha val="90000"/>
+      </a:schemeClr>
+    </dgm:fillClrLst>
+    <dgm:linClrLst>
+      <a:schemeClr val="accent5">
+        <a:tint val="40000"/>
+        <a:alpha val="90000"/>
+      </a:schemeClr>
+      <a:schemeClr val="accent5">
+        <a:tint val="40000"/>
+        <a:alpha val="90000"/>
+      </a:schemeClr>
+    </dgm:linClrLst>
+    <dgm:effectClrLst/>
+    <dgm:txLinClrLst/>
+    <dgm:txFillClrLst meth="repeat">
+      <a:schemeClr val="dk1"/>
+    </dgm:txFillClrLst>
+    <dgm:txEffectClrLst/>
+  </dgm:styleLbl>
+  <dgm:styleLbl name="alignAccFollowNode1">
+    <dgm:fillClrLst>
+      <a:schemeClr val="accent5">
+        <a:tint val="40000"/>
+        <a:alpha val="90000"/>
+      </a:schemeClr>
+      <a:schemeClr val="accent6">
+        <a:tint val="40000"/>
+        <a:alpha val="90000"/>
+      </a:schemeClr>
+    </dgm:fillClrLst>
+    <dgm:linClrLst>
+      <a:schemeClr val="accent5">
+        <a:tint val="40000"/>
+        <a:alpha val="90000"/>
+      </a:schemeClr>
+      <a:schemeClr val="accent6">
+        <a:tint val="40000"/>
+        <a:alpha val="90000"/>
+      </a:schemeClr>
+    </dgm:linClrLst>
+    <dgm:effectClrLst/>
+    <dgm:txLinClrLst/>
+    <dgm:txFillClrLst meth="repeat">
+      <a:schemeClr val="dk1"/>
+    </dgm:txFillClrLst>
+    <dgm:txEffectClrLst/>
+  </dgm:styleLbl>
+  <dgm:styleLbl name="bgAccFollowNode1">
+    <dgm:fillClrLst>
+      <a:schemeClr val="accent5">
+        <a:tint val="40000"/>
+        <a:alpha val="90000"/>
+      </a:schemeClr>
+      <a:schemeClr val="accent6">
+        <a:tint val="40000"/>
+        <a:alpha val="90000"/>
+      </a:schemeClr>
+    </dgm:fillClrLst>
+    <dgm:linClrLst>
+      <a:schemeClr val="accent5">
+        <a:tint val="40000"/>
+        <a:alpha val="90000"/>
+      </a:schemeClr>
+      <a:schemeClr val="accent6">
+        <a:tint val="40000"/>
+        <a:alpha val="90000"/>
+      </a:schemeClr>
+    </dgm:linClrLst>
+    <dgm:effectClrLst/>
+    <dgm:txLinClrLst/>
+    <dgm:txFillClrLst meth="repeat">
+      <a:schemeClr val="dk1"/>
+    </dgm:txFillClrLst>
+    <dgm:txEffectClrLst/>
+  </dgm:styleLbl>
+  <dgm:styleLbl name="fgAcc0">
+    <dgm:fillClrLst meth="repeat">
+      <a:schemeClr val="lt1">
+        <a:alpha val="90000"/>
+      </a:schemeClr>
+    </dgm:fillClrLst>
+    <dgm:linClrLst>
+      <a:schemeClr val="accent4"/>
+    </dgm:linClrLst>
+    <dgm:effectClrLst/>
+    <dgm:txLinClrLst/>
+    <dgm:txFillClrLst meth="repeat">
+      <a:schemeClr val="dk1"/>
+    </dgm:txFillClrLst>
+    <dgm:txEffectClrLst/>
+  </dgm:styleLbl>
+  <dgm:styleLbl name="fgAcc2">
+    <dgm:fillClrLst meth="repeat">
+      <a:schemeClr val="lt1">
+        <a:alpha val="90000"/>
+      </a:schemeClr>
+    </dgm:fillClrLst>
+    <dgm:linClrLst>
+      <a:schemeClr val="accent6"/>
+    </dgm:linClrLst>
+    <dgm:effectClrLst/>
+    <dgm:txLinClrLst/>
+    <dgm:txFillClrLst meth="repeat">
+      <a:schemeClr val="dk1"/>
+    </dgm:txFillClrLst>
+    <dgm:txEffectClrLst/>
+  </dgm:styleLbl>
+  <dgm:styleLbl name="fgAcc3">
+    <dgm:fillClrLst meth="repeat">
+      <a:schemeClr val="lt1">
+        <a:alpha val="90000"/>
+      </a:schemeClr>
+    </dgm:fillClrLst>
+    <dgm:linClrLst>
+      <a:schemeClr val="accent1"/>
+    </dgm:linClrLst>
+    <dgm:effectClrLst/>
+    <dgm:txLinClrLst/>
+    <dgm:txFillClrLst meth="repeat">
+      <a:schemeClr val="dk1"/>
+    </dgm:txFillClrLst>
+    <dgm:txEffectClrLst/>
+  </dgm:styleLbl>
+  <dgm:styleLbl name="fgAcc4">
+    <dgm:fillClrLst meth="repeat">
+      <a:schemeClr val="lt1">
+        <a:alpha val="90000"/>
+      </a:schemeClr>
+    </dgm:fillClrLst>
+    <dgm:linClrLst>
+      <a:schemeClr val="accent2"/>
+    </dgm:linClrLst>
+    <dgm:effectClrLst/>
+    <dgm:txLinClrLst/>
+    <dgm:txFillClrLst meth="repeat">
+      <a:schemeClr val="dk1"/>
+    </dgm:txFillClrLst>
+    <dgm:txEffectClrLst/>
+  </dgm:styleLbl>
+  <dgm:styleLbl name="bgShp">
+    <dgm:fillClrLst meth="repeat">
+      <a:schemeClr val="accent5">
+        <a:tint val="40000"/>
+      </a:schemeClr>
+    </dgm:fillClrLst>
+    <dgm:linClrLst meth="repeat">
+      <a:schemeClr val="dk1"/>
+    </dgm:linClrLst>
+    <dgm:effectClrLst/>
+    <dgm:txLinClrLst/>
+    <dgm:txFillClrLst meth="repeat">
+      <a:schemeClr val="dk1"/>
+    </dgm:txFillClrLst>
+    <dgm:txEffectClrLst/>
+  </dgm:styleLbl>
+  <dgm:styleLbl name="dkBgShp">
+    <dgm:fillClrLst meth="repeat">
+      <a:schemeClr val="accent5">
+        <a:shade val="90000"/>
+      </a:schemeClr>
+    </dgm:fillClrLst>
+    <dgm:linClrLst meth="repeat">
+      <a:schemeClr val="dk1"/>
+    </dgm:linClrLst>
+    <dgm:effectClrLst/>
+    <dgm:txLinClrLst/>
+    <dgm:txFillClrLst meth="repeat">
+      <a:schemeClr val="lt1"/>
+    </dgm:txFillClrLst>
+    <dgm:txEffectClrLst/>
+  </dgm:styleLbl>
+  <dgm:styleLbl name="trBgShp">
+    <dgm:fillClrLst meth="repeat">
+      <a:schemeClr val="accent5">
+        <a:tint val="50000"/>
+        <a:alpha val="40000"/>
+      </a:schemeClr>
+    </dgm:fillClrLst>
+    <dgm:linClrLst meth="repeat">
+      <a:schemeClr val="accent5"/>
+    </dgm:linClrLst>
+    <dgm:effectClrLst/>
+    <dgm:txLinClrLst/>
+    <dgm:txFillClrLst meth="repeat">
+      <a:schemeClr val="lt1"/>
+    </dgm:txFillClrLst>
+    <dgm:txEffectClrLst/>
+  </dgm:styleLbl>
+  <dgm:styleLbl name="fgShp">
+    <dgm:fillClrLst meth="repeat">
+      <a:schemeClr val="accent5">
+        <a:tint val="40000"/>
+      </a:schemeClr>
+    </dgm:fillClrLst>
+    <dgm:linClrLst meth="repeat">
+      <a:schemeClr val="lt1"/>
+    </dgm:linClrLst>
+    <dgm:effectClrLst/>
+    <dgm:txLinClrLst/>
+    <dgm:txFillClrLst meth="repeat">
+      <a:schemeClr val="dk1"/>
+    </dgm:txFillClrLst>
+    <dgm:txEffectClrLst/>
+  </dgm:styleLbl>
+  <dgm:styleLbl name="revTx">
+    <dgm:fillClrLst meth="repeat">
+      <a:schemeClr val="lt1">
+        <a:alpha val="0"/>
+      </a:schemeClr>
+    </dgm:fillClrLst>
+    <dgm:linClrLst meth="repeat">
+      <a:schemeClr val="dk1">
+        <a:alpha val="0"/>
+      </a:schemeClr>
+    </dgm:linClrLst>
+    <dgm:effectClrLst/>
+    <dgm:txLinClrLst/>
+    <dgm:txFillClrLst meth="repeat">
+      <a:schemeClr val="tx1"/>
+    </dgm:txFillClrLst>
+    <dgm:txEffectClrLst/>
+  </dgm:styleLbl>
+</dgm:colorsDef>
+</file>
+
 <file path=ppt/diagrams/data1.xml><?xml version="1.0" encoding="utf-8"?>
 <dgm:dataModel xmlns:dgm="http://schemas.openxmlformats.org/drawingml/2006/diagram" xmlns:a="http://schemas.openxmlformats.org/drawingml/2006/main">
   <dgm:ptLst>
@@ -5720,6 +6503,442 @@
 </dgm:dataModel>
 </file>
 
+<file path=ppt/diagrams/data3.xml><?xml version="1.0" encoding="utf-8"?>
+<dgm:dataModel xmlns:dgm="http://schemas.openxmlformats.org/drawingml/2006/diagram" xmlns:a="http://schemas.openxmlformats.org/drawingml/2006/main">
+  <dgm:ptLst>
+    <dgm:pt modelId="{DF1D452D-5D2F-4F09-BFCE-F624826454E3}" type="doc">
+      <dgm:prSet loTypeId="urn:microsoft.com/office/officeart/2005/8/layout/hierarchy2" loCatId="hierarchy" qsTypeId="urn:microsoft.com/office/officeart/2005/8/quickstyle/simple4" qsCatId="simple" csTypeId="urn:microsoft.com/office/officeart/2005/8/colors/colorful5" csCatId="colorful" phldr="1"/>
+      <dgm:spPr/>
+      <dgm:t>
+        <a:bodyPr/>
+        <a:lstStyle/>
+        <a:p>
+          <a:endParaRPr lang="en-US"/>
+        </a:p>
+      </dgm:t>
+    </dgm:pt>
+    <dgm:pt modelId="{02A74578-61D5-4D71-AFE2-C9B08741EE0E}">
+      <dgm:prSet/>
+      <dgm:spPr/>
+      <dgm:t>
+        <a:bodyPr/>
+        <a:lstStyle/>
+        <a:p>
+          <a:pPr>
+            <a:defRPr b="1"/>
+          </a:pPr>
+          <a:r>
+            <a:rPr lang="en-US"/>
+            <a:t>HTML DOM är en “objekt modell” för HTML</a:t>
+          </a:r>
+        </a:p>
+      </dgm:t>
+    </dgm:pt>
+    <dgm:pt modelId="{C6F1E6C4-1575-4856-A0A8-53C3DB1006CC}" type="parTrans" cxnId="{5D87E95A-692C-4AB7-A940-C77A0AD07E7A}">
+      <dgm:prSet/>
+      <dgm:spPr/>
+      <dgm:t>
+        <a:bodyPr/>
+        <a:lstStyle/>
+        <a:p>
+          <a:endParaRPr lang="en-US"/>
+        </a:p>
+      </dgm:t>
+    </dgm:pt>
+    <dgm:pt modelId="{786FDBAA-3D4C-4A12-8825-6FF6448E901D}" type="sibTrans" cxnId="{5D87E95A-692C-4AB7-A940-C77A0AD07E7A}">
+      <dgm:prSet/>
+      <dgm:spPr/>
+      <dgm:t>
+        <a:bodyPr/>
+        <a:lstStyle/>
+        <a:p>
+          <a:endParaRPr lang="en-US"/>
+        </a:p>
+      </dgm:t>
+    </dgm:pt>
+    <dgm:pt modelId="{C89E81B5-5E72-42AA-978E-16AEF56577B4}">
+      <dgm:prSet/>
+      <dgm:spPr/>
+      <dgm:t>
+        <a:bodyPr/>
+        <a:lstStyle/>
+        <a:p>
+          <a:pPr>
+            <a:defRPr b="1"/>
+          </a:pPr>
+          <a:r>
+            <a:rPr lang="en-US"/>
+            <a:t>Det definierar:</a:t>
+          </a:r>
+        </a:p>
+      </dgm:t>
+    </dgm:pt>
+    <dgm:pt modelId="{7B45BDB8-9D82-46A7-BAA8-B6D7B7FE3F50}" type="parTrans" cxnId="{D4F57CA7-3CAB-43E6-A138-5F7D0574AF52}">
+      <dgm:prSet/>
+      <dgm:spPr/>
+      <dgm:t>
+        <a:bodyPr/>
+        <a:lstStyle/>
+        <a:p>
+          <a:endParaRPr lang="en-US"/>
+        </a:p>
+      </dgm:t>
+    </dgm:pt>
+    <dgm:pt modelId="{92CC810F-E924-4A97-B91C-8288CAB36F4A}" type="sibTrans" cxnId="{D4F57CA7-3CAB-43E6-A138-5F7D0574AF52}">
+      <dgm:prSet/>
+      <dgm:spPr/>
+      <dgm:t>
+        <a:bodyPr/>
+        <a:lstStyle/>
+        <a:p>
+          <a:endParaRPr lang="en-US"/>
+        </a:p>
+      </dgm:t>
+    </dgm:pt>
+    <dgm:pt modelId="{E18F9D32-4782-4571-B311-E0A8D724B373}">
+      <dgm:prSet/>
+      <dgm:spPr/>
+      <dgm:t>
+        <a:bodyPr/>
+        <a:lstStyle/>
+        <a:p>
+          <a:r>
+            <a:rPr lang="en-US"/>
+            <a:t>HTML element som objekts</a:t>
+          </a:r>
+        </a:p>
+      </dgm:t>
+    </dgm:pt>
+    <dgm:pt modelId="{DB003D38-FD9B-4EBB-A4E1-0C9173AF912C}" type="parTrans" cxnId="{3FFCB05F-1120-44AC-8029-DFCBA98F4ADA}">
+      <dgm:prSet/>
+      <dgm:spPr/>
+      <dgm:t>
+        <a:bodyPr/>
+        <a:lstStyle/>
+        <a:p>
+          <a:endParaRPr lang="en-US"/>
+        </a:p>
+      </dgm:t>
+    </dgm:pt>
+    <dgm:pt modelId="{B87099B4-BFFA-4409-8177-B25D29E9969A}" type="sibTrans" cxnId="{3FFCB05F-1120-44AC-8029-DFCBA98F4ADA}">
+      <dgm:prSet/>
+      <dgm:spPr/>
+      <dgm:t>
+        <a:bodyPr/>
+        <a:lstStyle/>
+        <a:p>
+          <a:endParaRPr lang="en-US"/>
+        </a:p>
+      </dgm:t>
+    </dgm:pt>
+    <dgm:pt modelId="{D3E8B5E5-A779-4437-9792-31B0EFD7D732}">
+      <dgm:prSet/>
+      <dgm:spPr/>
+      <dgm:t>
+        <a:bodyPr/>
+        <a:lstStyle/>
+        <a:p>
+          <a:r>
+            <a:rPr lang="en-US"/>
+            <a:t>Egenskaper för alla HTML element</a:t>
+          </a:r>
+        </a:p>
+      </dgm:t>
+    </dgm:pt>
+    <dgm:pt modelId="{6238854A-1F93-42E8-A3D4-AE76F3F1DF95}" type="parTrans" cxnId="{AAD0E6EC-F72B-42B9-AEF3-A14B01E7FECA}">
+      <dgm:prSet/>
+      <dgm:spPr/>
+      <dgm:t>
+        <a:bodyPr/>
+        <a:lstStyle/>
+        <a:p>
+          <a:endParaRPr lang="en-US"/>
+        </a:p>
+      </dgm:t>
+    </dgm:pt>
+    <dgm:pt modelId="{86D9EBC6-231E-4B7A-9580-C53AE928DA75}" type="sibTrans" cxnId="{AAD0E6EC-F72B-42B9-AEF3-A14B01E7FECA}">
+      <dgm:prSet/>
+      <dgm:spPr/>
+      <dgm:t>
+        <a:bodyPr/>
+        <a:lstStyle/>
+        <a:p>
+          <a:endParaRPr lang="en-US"/>
+        </a:p>
+      </dgm:t>
+    </dgm:pt>
+    <dgm:pt modelId="{568B6BF1-3ED5-438E-AEE8-D9A74883FBB6}">
+      <dgm:prSet/>
+      <dgm:spPr/>
+      <dgm:t>
+        <a:bodyPr/>
+        <a:lstStyle/>
+        <a:p>
+          <a:r>
+            <a:rPr lang="en-US"/>
+            <a:t>Metoder för alla HTML element</a:t>
+          </a:r>
+        </a:p>
+      </dgm:t>
+    </dgm:pt>
+    <dgm:pt modelId="{8869E566-9572-4389-81E2-0E4A98964424}" type="parTrans" cxnId="{95E682F7-47BD-4157-AFA0-419E0E2EAD52}">
+      <dgm:prSet/>
+      <dgm:spPr/>
+      <dgm:t>
+        <a:bodyPr/>
+        <a:lstStyle/>
+        <a:p>
+          <a:endParaRPr lang="en-US"/>
+        </a:p>
+      </dgm:t>
+    </dgm:pt>
+    <dgm:pt modelId="{897D7F6C-EA4E-467B-8E29-ADEED3FCB3E0}" type="sibTrans" cxnId="{95E682F7-47BD-4157-AFA0-419E0E2EAD52}">
+      <dgm:prSet/>
+      <dgm:spPr/>
+      <dgm:t>
+        <a:bodyPr/>
+        <a:lstStyle/>
+        <a:p>
+          <a:endParaRPr lang="en-US"/>
+        </a:p>
+      </dgm:t>
+    </dgm:pt>
+    <dgm:pt modelId="{23FEC0A3-2537-454E-9DEF-EB049CF3A9D0}">
+      <dgm:prSet/>
+      <dgm:spPr/>
+      <dgm:t>
+        <a:bodyPr/>
+        <a:lstStyle/>
+        <a:p>
+          <a:r>
+            <a:rPr lang="en-US"/>
+            <a:t>Händelser för alla HTML element</a:t>
+          </a:r>
+        </a:p>
+      </dgm:t>
+    </dgm:pt>
+    <dgm:pt modelId="{79D5D87B-82FE-47D1-849E-B4B146264B9C}" type="parTrans" cxnId="{D1517806-E8A6-466F-B332-06E2F63B3E24}">
+      <dgm:prSet/>
+      <dgm:spPr/>
+      <dgm:t>
+        <a:bodyPr/>
+        <a:lstStyle/>
+        <a:p>
+          <a:endParaRPr lang="en-US"/>
+        </a:p>
+      </dgm:t>
+    </dgm:pt>
+    <dgm:pt modelId="{27011F5F-D87D-4214-B067-84C0D0FF6208}" type="sibTrans" cxnId="{D1517806-E8A6-466F-B332-06E2F63B3E24}">
+      <dgm:prSet/>
+      <dgm:spPr/>
+      <dgm:t>
+        <a:bodyPr/>
+        <a:lstStyle/>
+        <a:p>
+          <a:endParaRPr lang="en-US"/>
+        </a:p>
+      </dgm:t>
+    </dgm:pt>
+    <dgm:pt modelId="{1F5CA724-4054-1148-A17D-60EC56C16C1A}" type="pres">
+      <dgm:prSet presAssocID="{DF1D452D-5D2F-4F09-BFCE-F624826454E3}" presName="diagram" presStyleCnt="0">
+        <dgm:presLayoutVars>
+          <dgm:chPref val="1"/>
+          <dgm:dir/>
+          <dgm:animOne val="branch"/>
+          <dgm:animLvl val="lvl"/>
+          <dgm:resizeHandles val="exact"/>
+        </dgm:presLayoutVars>
+      </dgm:prSet>
+      <dgm:spPr/>
+    </dgm:pt>
+    <dgm:pt modelId="{1921747A-A520-D145-8F2B-D6B65D4402F0}" type="pres">
+      <dgm:prSet presAssocID="{02A74578-61D5-4D71-AFE2-C9B08741EE0E}" presName="root1" presStyleCnt="0"/>
+      <dgm:spPr/>
+    </dgm:pt>
+    <dgm:pt modelId="{FB39AEA5-ED83-2244-AECB-346A7814E8E7}" type="pres">
+      <dgm:prSet presAssocID="{02A74578-61D5-4D71-AFE2-C9B08741EE0E}" presName="LevelOneTextNode" presStyleLbl="node0" presStyleIdx="0" presStyleCnt="2">
+        <dgm:presLayoutVars>
+          <dgm:chPref val="3"/>
+        </dgm:presLayoutVars>
+      </dgm:prSet>
+      <dgm:spPr/>
+    </dgm:pt>
+    <dgm:pt modelId="{A8F50BB0-D801-EF41-889F-ADF7823D0531}" type="pres">
+      <dgm:prSet presAssocID="{02A74578-61D5-4D71-AFE2-C9B08741EE0E}" presName="level2hierChild" presStyleCnt="0"/>
+      <dgm:spPr/>
+    </dgm:pt>
+    <dgm:pt modelId="{BF602FA7-1820-AF44-97F1-E98AB2011D8A}" type="pres">
+      <dgm:prSet presAssocID="{C89E81B5-5E72-42AA-978E-16AEF56577B4}" presName="root1" presStyleCnt="0"/>
+      <dgm:spPr/>
+    </dgm:pt>
+    <dgm:pt modelId="{1E41AE42-B8B7-4E4E-8BF8-8AEFFD971D4E}" type="pres">
+      <dgm:prSet presAssocID="{C89E81B5-5E72-42AA-978E-16AEF56577B4}" presName="LevelOneTextNode" presStyleLbl="node0" presStyleIdx="1" presStyleCnt="2">
+        <dgm:presLayoutVars>
+          <dgm:chPref val="3"/>
+        </dgm:presLayoutVars>
+      </dgm:prSet>
+      <dgm:spPr/>
+    </dgm:pt>
+    <dgm:pt modelId="{DFCD2B33-6B3E-804B-891A-AD7BD865BBAF}" type="pres">
+      <dgm:prSet presAssocID="{C89E81B5-5E72-42AA-978E-16AEF56577B4}" presName="level2hierChild" presStyleCnt="0"/>
+      <dgm:spPr/>
+    </dgm:pt>
+    <dgm:pt modelId="{91645B12-417C-F64F-AA41-ADED5FF51C34}" type="pres">
+      <dgm:prSet presAssocID="{DB003D38-FD9B-4EBB-A4E1-0C9173AF912C}" presName="conn2-1" presStyleLbl="parChTrans1D2" presStyleIdx="0" presStyleCnt="4"/>
+      <dgm:spPr/>
+    </dgm:pt>
+    <dgm:pt modelId="{779D21F8-8311-DA4F-88D9-04DEBE6FDA39}" type="pres">
+      <dgm:prSet presAssocID="{DB003D38-FD9B-4EBB-A4E1-0C9173AF912C}" presName="connTx" presStyleLbl="parChTrans1D2" presStyleIdx="0" presStyleCnt="4"/>
+      <dgm:spPr/>
+    </dgm:pt>
+    <dgm:pt modelId="{53D08592-AE00-F340-985B-7242DE383E93}" type="pres">
+      <dgm:prSet presAssocID="{E18F9D32-4782-4571-B311-E0A8D724B373}" presName="root2" presStyleCnt="0"/>
+      <dgm:spPr/>
+    </dgm:pt>
+    <dgm:pt modelId="{E3689C85-3CB0-644A-9311-7634EEA4F8E4}" type="pres">
+      <dgm:prSet presAssocID="{E18F9D32-4782-4571-B311-E0A8D724B373}" presName="LevelTwoTextNode" presStyleLbl="node2" presStyleIdx="0" presStyleCnt="4">
+        <dgm:presLayoutVars>
+          <dgm:chPref val="3"/>
+        </dgm:presLayoutVars>
+      </dgm:prSet>
+      <dgm:spPr/>
+    </dgm:pt>
+    <dgm:pt modelId="{4301649B-DA17-614E-87FE-C454D1CF6E9F}" type="pres">
+      <dgm:prSet presAssocID="{E18F9D32-4782-4571-B311-E0A8D724B373}" presName="level3hierChild" presStyleCnt="0"/>
+      <dgm:spPr/>
+    </dgm:pt>
+    <dgm:pt modelId="{2D29BCA1-C7A7-F445-9029-889926D14A40}" type="pres">
+      <dgm:prSet presAssocID="{6238854A-1F93-42E8-A3D4-AE76F3F1DF95}" presName="conn2-1" presStyleLbl="parChTrans1D2" presStyleIdx="1" presStyleCnt="4"/>
+      <dgm:spPr/>
+    </dgm:pt>
+    <dgm:pt modelId="{5511064A-6009-F54F-B772-B3813BA07E4E}" type="pres">
+      <dgm:prSet presAssocID="{6238854A-1F93-42E8-A3D4-AE76F3F1DF95}" presName="connTx" presStyleLbl="parChTrans1D2" presStyleIdx="1" presStyleCnt="4"/>
+      <dgm:spPr/>
+    </dgm:pt>
+    <dgm:pt modelId="{54DD7E6E-F181-3946-BEED-9BFACC33035A}" type="pres">
+      <dgm:prSet presAssocID="{D3E8B5E5-A779-4437-9792-31B0EFD7D732}" presName="root2" presStyleCnt="0"/>
+      <dgm:spPr/>
+    </dgm:pt>
+    <dgm:pt modelId="{37302DF5-D3A6-B642-8B2A-7DD3B4496DA7}" type="pres">
+      <dgm:prSet presAssocID="{D3E8B5E5-A779-4437-9792-31B0EFD7D732}" presName="LevelTwoTextNode" presStyleLbl="node2" presStyleIdx="1" presStyleCnt="4">
+        <dgm:presLayoutVars>
+          <dgm:chPref val="3"/>
+        </dgm:presLayoutVars>
+      </dgm:prSet>
+      <dgm:spPr/>
+    </dgm:pt>
+    <dgm:pt modelId="{9F645179-27BB-C24D-9263-75D881616F94}" type="pres">
+      <dgm:prSet presAssocID="{D3E8B5E5-A779-4437-9792-31B0EFD7D732}" presName="level3hierChild" presStyleCnt="0"/>
+      <dgm:spPr/>
+    </dgm:pt>
+    <dgm:pt modelId="{840964B9-0AE5-1F45-BB1A-C47C34554100}" type="pres">
+      <dgm:prSet presAssocID="{8869E566-9572-4389-81E2-0E4A98964424}" presName="conn2-1" presStyleLbl="parChTrans1D2" presStyleIdx="2" presStyleCnt="4"/>
+      <dgm:spPr/>
+    </dgm:pt>
+    <dgm:pt modelId="{EB6F9B5B-FC96-9B40-B807-95595D5BE8B6}" type="pres">
+      <dgm:prSet presAssocID="{8869E566-9572-4389-81E2-0E4A98964424}" presName="connTx" presStyleLbl="parChTrans1D2" presStyleIdx="2" presStyleCnt="4"/>
+      <dgm:spPr/>
+    </dgm:pt>
+    <dgm:pt modelId="{AFB4F752-38AF-2E48-983B-384977F3F59C}" type="pres">
+      <dgm:prSet presAssocID="{568B6BF1-3ED5-438E-AEE8-D9A74883FBB6}" presName="root2" presStyleCnt="0"/>
+      <dgm:spPr/>
+    </dgm:pt>
+    <dgm:pt modelId="{FD1178EF-2D85-7343-A764-3A78F1A5A52C}" type="pres">
+      <dgm:prSet presAssocID="{568B6BF1-3ED5-438E-AEE8-D9A74883FBB6}" presName="LevelTwoTextNode" presStyleLbl="node2" presStyleIdx="2" presStyleCnt="4">
+        <dgm:presLayoutVars>
+          <dgm:chPref val="3"/>
+        </dgm:presLayoutVars>
+      </dgm:prSet>
+      <dgm:spPr/>
+    </dgm:pt>
+    <dgm:pt modelId="{D9D35A6F-03F2-1C4A-A949-B3DC7611FE13}" type="pres">
+      <dgm:prSet presAssocID="{568B6BF1-3ED5-438E-AEE8-D9A74883FBB6}" presName="level3hierChild" presStyleCnt="0"/>
+      <dgm:spPr/>
+    </dgm:pt>
+    <dgm:pt modelId="{A0746C6F-E875-AC4B-8EF8-72F8F965EC6A}" type="pres">
+      <dgm:prSet presAssocID="{79D5D87B-82FE-47D1-849E-B4B146264B9C}" presName="conn2-1" presStyleLbl="parChTrans1D2" presStyleIdx="3" presStyleCnt="4"/>
+      <dgm:spPr/>
+    </dgm:pt>
+    <dgm:pt modelId="{702583E3-B9A4-0E45-AB79-0500DF5CFBA5}" type="pres">
+      <dgm:prSet presAssocID="{79D5D87B-82FE-47D1-849E-B4B146264B9C}" presName="connTx" presStyleLbl="parChTrans1D2" presStyleIdx="3" presStyleCnt="4"/>
+      <dgm:spPr/>
+    </dgm:pt>
+    <dgm:pt modelId="{4F77866D-B554-DC44-9B5F-D3EA8C4BCF89}" type="pres">
+      <dgm:prSet presAssocID="{23FEC0A3-2537-454E-9DEF-EB049CF3A9D0}" presName="root2" presStyleCnt="0"/>
+      <dgm:spPr/>
+    </dgm:pt>
+    <dgm:pt modelId="{E060A65A-7218-E349-A610-A6A1580E3F66}" type="pres">
+      <dgm:prSet presAssocID="{23FEC0A3-2537-454E-9DEF-EB049CF3A9D0}" presName="LevelTwoTextNode" presStyleLbl="node2" presStyleIdx="3" presStyleCnt="4">
+        <dgm:presLayoutVars>
+          <dgm:chPref val="3"/>
+        </dgm:presLayoutVars>
+      </dgm:prSet>
+      <dgm:spPr/>
+    </dgm:pt>
+    <dgm:pt modelId="{6BF51E9D-3F7E-EF42-BB95-C9D1D383104C}" type="pres">
+      <dgm:prSet presAssocID="{23FEC0A3-2537-454E-9DEF-EB049CF3A9D0}" presName="level3hierChild" presStyleCnt="0"/>
+      <dgm:spPr/>
+    </dgm:pt>
+  </dgm:ptLst>
+  <dgm:cxnLst>
+    <dgm:cxn modelId="{9EE80102-E03D-4D4A-BFF0-AD828863E015}" type="presOf" srcId="{02A74578-61D5-4D71-AFE2-C9B08741EE0E}" destId="{FB39AEA5-ED83-2244-AECB-346A7814E8E7}" srcOrd="0" destOrd="0" presId="urn:microsoft.com/office/officeart/2005/8/layout/hierarchy2"/>
+    <dgm:cxn modelId="{D1517806-E8A6-466F-B332-06E2F63B3E24}" srcId="{C89E81B5-5E72-42AA-978E-16AEF56577B4}" destId="{23FEC0A3-2537-454E-9DEF-EB049CF3A9D0}" srcOrd="3" destOrd="0" parTransId="{79D5D87B-82FE-47D1-849E-B4B146264B9C}" sibTransId="{27011F5F-D87D-4214-B067-84C0D0FF6208}"/>
+    <dgm:cxn modelId="{1FAD5015-7F0E-7048-933A-A5C6C2C7AFF4}" type="presOf" srcId="{E18F9D32-4782-4571-B311-E0A8D724B373}" destId="{E3689C85-3CB0-644A-9311-7634EEA4F8E4}" srcOrd="0" destOrd="0" presId="urn:microsoft.com/office/officeart/2005/8/layout/hierarchy2"/>
+    <dgm:cxn modelId="{4823E840-8DC9-BC4D-8485-38DAF121CA31}" type="presOf" srcId="{23FEC0A3-2537-454E-9DEF-EB049CF3A9D0}" destId="{E060A65A-7218-E349-A610-A6A1580E3F66}" srcOrd="0" destOrd="0" presId="urn:microsoft.com/office/officeart/2005/8/layout/hierarchy2"/>
+    <dgm:cxn modelId="{0FD8C047-76E9-F148-AA4F-CF4F475824E8}" type="presOf" srcId="{79D5D87B-82FE-47D1-849E-B4B146264B9C}" destId="{702583E3-B9A4-0E45-AB79-0500DF5CFBA5}" srcOrd="1" destOrd="0" presId="urn:microsoft.com/office/officeart/2005/8/layout/hierarchy2"/>
+    <dgm:cxn modelId="{5C95F751-2C54-4943-B400-D8E1740C8CFB}" type="presOf" srcId="{8869E566-9572-4389-81E2-0E4A98964424}" destId="{EB6F9B5B-FC96-9B40-B807-95595D5BE8B6}" srcOrd="1" destOrd="0" presId="urn:microsoft.com/office/officeart/2005/8/layout/hierarchy2"/>
+    <dgm:cxn modelId="{5D87E95A-692C-4AB7-A940-C77A0AD07E7A}" srcId="{DF1D452D-5D2F-4F09-BFCE-F624826454E3}" destId="{02A74578-61D5-4D71-AFE2-C9B08741EE0E}" srcOrd="0" destOrd="0" parTransId="{C6F1E6C4-1575-4856-A0A8-53C3DB1006CC}" sibTransId="{786FDBAA-3D4C-4A12-8825-6FF6448E901D}"/>
+    <dgm:cxn modelId="{3FFCB05F-1120-44AC-8029-DFCBA98F4ADA}" srcId="{C89E81B5-5E72-42AA-978E-16AEF56577B4}" destId="{E18F9D32-4782-4571-B311-E0A8D724B373}" srcOrd="0" destOrd="0" parTransId="{DB003D38-FD9B-4EBB-A4E1-0C9173AF912C}" sibTransId="{B87099B4-BFFA-4409-8177-B25D29E9969A}"/>
+    <dgm:cxn modelId="{16411376-F1A1-1341-A867-87E223478842}" type="presOf" srcId="{8869E566-9572-4389-81E2-0E4A98964424}" destId="{840964B9-0AE5-1F45-BB1A-C47C34554100}" srcOrd="0" destOrd="0" presId="urn:microsoft.com/office/officeart/2005/8/layout/hierarchy2"/>
+    <dgm:cxn modelId="{CA104077-A4FF-994A-9287-9C75E438DABF}" type="presOf" srcId="{79D5D87B-82FE-47D1-849E-B4B146264B9C}" destId="{A0746C6F-E875-AC4B-8EF8-72F8F965EC6A}" srcOrd="0" destOrd="0" presId="urn:microsoft.com/office/officeart/2005/8/layout/hierarchy2"/>
+    <dgm:cxn modelId="{6FFCA979-7BA1-3E4B-B378-C9B3A6B74FF1}" type="presOf" srcId="{DF1D452D-5D2F-4F09-BFCE-F624826454E3}" destId="{1F5CA724-4054-1148-A17D-60EC56C16C1A}" srcOrd="0" destOrd="0" presId="urn:microsoft.com/office/officeart/2005/8/layout/hierarchy2"/>
+    <dgm:cxn modelId="{01263991-A490-8D48-A28C-F981B548CA17}" type="presOf" srcId="{DB003D38-FD9B-4EBB-A4E1-0C9173AF912C}" destId="{91645B12-417C-F64F-AA41-ADED5FF51C34}" srcOrd="0" destOrd="0" presId="urn:microsoft.com/office/officeart/2005/8/layout/hierarchy2"/>
+    <dgm:cxn modelId="{D4F57CA7-3CAB-43E6-A138-5F7D0574AF52}" srcId="{DF1D452D-5D2F-4F09-BFCE-F624826454E3}" destId="{C89E81B5-5E72-42AA-978E-16AEF56577B4}" srcOrd="1" destOrd="0" parTransId="{7B45BDB8-9D82-46A7-BAA8-B6D7B7FE3F50}" sibTransId="{92CC810F-E924-4A97-B91C-8288CAB36F4A}"/>
+    <dgm:cxn modelId="{8A8B3CA8-AC32-D34F-8149-23F4455BDE8B}" type="presOf" srcId="{6238854A-1F93-42E8-A3D4-AE76F3F1DF95}" destId="{5511064A-6009-F54F-B772-B3813BA07E4E}" srcOrd="1" destOrd="0" presId="urn:microsoft.com/office/officeart/2005/8/layout/hierarchy2"/>
+    <dgm:cxn modelId="{DF6A62AB-6A23-BB47-A6D1-440647AD6462}" type="presOf" srcId="{C89E81B5-5E72-42AA-978E-16AEF56577B4}" destId="{1E41AE42-B8B7-4E4E-8BF8-8AEFFD971D4E}" srcOrd="0" destOrd="0" presId="urn:microsoft.com/office/officeart/2005/8/layout/hierarchy2"/>
+    <dgm:cxn modelId="{2AAC4AAE-6645-7E4C-BAE5-15DEA6CDA6DD}" type="presOf" srcId="{568B6BF1-3ED5-438E-AEE8-D9A74883FBB6}" destId="{FD1178EF-2D85-7343-A764-3A78F1A5A52C}" srcOrd="0" destOrd="0" presId="urn:microsoft.com/office/officeart/2005/8/layout/hierarchy2"/>
+    <dgm:cxn modelId="{7E8BE8E1-27DF-6C46-8A5F-AF5B370CCF67}" type="presOf" srcId="{DB003D38-FD9B-4EBB-A4E1-0C9173AF912C}" destId="{779D21F8-8311-DA4F-88D9-04DEBE6FDA39}" srcOrd="1" destOrd="0" presId="urn:microsoft.com/office/officeart/2005/8/layout/hierarchy2"/>
+    <dgm:cxn modelId="{AAD0E6EC-F72B-42B9-AEF3-A14B01E7FECA}" srcId="{C89E81B5-5E72-42AA-978E-16AEF56577B4}" destId="{D3E8B5E5-A779-4437-9792-31B0EFD7D732}" srcOrd="1" destOrd="0" parTransId="{6238854A-1F93-42E8-A3D4-AE76F3F1DF95}" sibTransId="{86D9EBC6-231E-4B7A-9580-C53AE928DA75}"/>
+    <dgm:cxn modelId="{66E655F1-BBDB-3E4E-BE00-B76429047E9A}" type="presOf" srcId="{D3E8B5E5-A779-4437-9792-31B0EFD7D732}" destId="{37302DF5-D3A6-B642-8B2A-7DD3B4496DA7}" srcOrd="0" destOrd="0" presId="urn:microsoft.com/office/officeart/2005/8/layout/hierarchy2"/>
+    <dgm:cxn modelId="{95E682F7-47BD-4157-AFA0-419E0E2EAD52}" srcId="{C89E81B5-5E72-42AA-978E-16AEF56577B4}" destId="{568B6BF1-3ED5-438E-AEE8-D9A74883FBB6}" srcOrd="2" destOrd="0" parTransId="{8869E566-9572-4389-81E2-0E4A98964424}" sibTransId="{897D7F6C-EA4E-467B-8E29-ADEED3FCB3E0}"/>
+    <dgm:cxn modelId="{80FDDFF8-AA11-3747-97A4-9DB798B976A5}" type="presOf" srcId="{6238854A-1F93-42E8-A3D4-AE76F3F1DF95}" destId="{2D29BCA1-C7A7-F445-9029-889926D14A40}" srcOrd="0" destOrd="0" presId="urn:microsoft.com/office/officeart/2005/8/layout/hierarchy2"/>
+    <dgm:cxn modelId="{80653479-989E-1C4E-8F09-EDBA1ACA002C}" type="presParOf" srcId="{1F5CA724-4054-1148-A17D-60EC56C16C1A}" destId="{1921747A-A520-D145-8F2B-D6B65D4402F0}" srcOrd="0" destOrd="0" presId="urn:microsoft.com/office/officeart/2005/8/layout/hierarchy2"/>
+    <dgm:cxn modelId="{7F27AB8C-64E4-444B-B8A8-30C3D46896DA}" type="presParOf" srcId="{1921747A-A520-D145-8F2B-D6B65D4402F0}" destId="{FB39AEA5-ED83-2244-AECB-346A7814E8E7}" srcOrd="0" destOrd="0" presId="urn:microsoft.com/office/officeart/2005/8/layout/hierarchy2"/>
+    <dgm:cxn modelId="{DE962914-7B76-1B4F-AF49-4E870EB78426}" type="presParOf" srcId="{1921747A-A520-D145-8F2B-D6B65D4402F0}" destId="{A8F50BB0-D801-EF41-889F-ADF7823D0531}" srcOrd="1" destOrd="0" presId="urn:microsoft.com/office/officeart/2005/8/layout/hierarchy2"/>
+    <dgm:cxn modelId="{B74E4147-AD70-6A40-8C93-8328999ED3A7}" type="presParOf" srcId="{1F5CA724-4054-1148-A17D-60EC56C16C1A}" destId="{BF602FA7-1820-AF44-97F1-E98AB2011D8A}" srcOrd="1" destOrd="0" presId="urn:microsoft.com/office/officeart/2005/8/layout/hierarchy2"/>
+    <dgm:cxn modelId="{204F711C-C56E-8C40-8CFF-D8D60390A9D9}" type="presParOf" srcId="{BF602FA7-1820-AF44-97F1-E98AB2011D8A}" destId="{1E41AE42-B8B7-4E4E-8BF8-8AEFFD971D4E}" srcOrd="0" destOrd="0" presId="urn:microsoft.com/office/officeart/2005/8/layout/hierarchy2"/>
+    <dgm:cxn modelId="{D8217F66-1005-5942-A147-EF9E146A0640}" type="presParOf" srcId="{BF602FA7-1820-AF44-97F1-E98AB2011D8A}" destId="{DFCD2B33-6B3E-804B-891A-AD7BD865BBAF}" srcOrd="1" destOrd="0" presId="urn:microsoft.com/office/officeart/2005/8/layout/hierarchy2"/>
+    <dgm:cxn modelId="{229BFF6E-40D6-B04C-8741-09A9CF081439}" type="presParOf" srcId="{DFCD2B33-6B3E-804B-891A-AD7BD865BBAF}" destId="{91645B12-417C-F64F-AA41-ADED5FF51C34}" srcOrd="0" destOrd="0" presId="urn:microsoft.com/office/officeart/2005/8/layout/hierarchy2"/>
+    <dgm:cxn modelId="{F18AABE9-8EE5-C24D-AD2F-8AA8DEB4B0B3}" type="presParOf" srcId="{91645B12-417C-F64F-AA41-ADED5FF51C34}" destId="{779D21F8-8311-DA4F-88D9-04DEBE6FDA39}" srcOrd="0" destOrd="0" presId="urn:microsoft.com/office/officeart/2005/8/layout/hierarchy2"/>
+    <dgm:cxn modelId="{ABE994A0-2C5A-7546-85D6-74CD46D66AEF}" type="presParOf" srcId="{DFCD2B33-6B3E-804B-891A-AD7BD865BBAF}" destId="{53D08592-AE00-F340-985B-7242DE383E93}" srcOrd="1" destOrd="0" presId="urn:microsoft.com/office/officeart/2005/8/layout/hierarchy2"/>
+    <dgm:cxn modelId="{36646D08-2D60-B448-AC46-8DF1AA121B96}" type="presParOf" srcId="{53D08592-AE00-F340-985B-7242DE383E93}" destId="{E3689C85-3CB0-644A-9311-7634EEA4F8E4}" srcOrd="0" destOrd="0" presId="urn:microsoft.com/office/officeart/2005/8/layout/hierarchy2"/>
+    <dgm:cxn modelId="{853EAFFF-1A7F-FB41-9DA0-8DD657F341C9}" type="presParOf" srcId="{53D08592-AE00-F340-985B-7242DE383E93}" destId="{4301649B-DA17-614E-87FE-C454D1CF6E9F}" srcOrd="1" destOrd="0" presId="urn:microsoft.com/office/officeart/2005/8/layout/hierarchy2"/>
+    <dgm:cxn modelId="{FBFF9B69-FF17-A441-9800-55877E81860B}" type="presParOf" srcId="{DFCD2B33-6B3E-804B-891A-AD7BD865BBAF}" destId="{2D29BCA1-C7A7-F445-9029-889926D14A40}" srcOrd="2" destOrd="0" presId="urn:microsoft.com/office/officeart/2005/8/layout/hierarchy2"/>
+    <dgm:cxn modelId="{46422B3F-42AC-3F42-AE55-87414F426274}" type="presParOf" srcId="{2D29BCA1-C7A7-F445-9029-889926D14A40}" destId="{5511064A-6009-F54F-B772-B3813BA07E4E}" srcOrd="0" destOrd="0" presId="urn:microsoft.com/office/officeart/2005/8/layout/hierarchy2"/>
+    <dgm:cxn modelId="{92CF2C8F-4CBD-2349-B3F9-073FD4D94669}" type="presParOf" srcId="{DFCD2B33-6B3E-804B-891A-AD7BD865BBAF}" destId="{54DD7E6E-F181-3946-BEED-9BFACC33035A}" srcOrd="3" destOrd="0" presId="urn:microsoft.com/office/officeart/2005/8/layout/hierarchy2"/>
+    <dgm:cxn modelId="{677A42DC-406D-ED40-85FF-6BE3831038E4}" type="presParOf" srcId="{54DD7E6E-F181-3946-BEED-9BFACC33035A}" destId="{37302DF5-D3A6-B642-8B2A-7DD3B4496DA7}" srcOrd="0" destOrd="0" presId="urn:microsoft.com/office/officeart/2005/8/layout/hierarchy2"/>
+    <dgm:cxn modelId="{27BBE958-E934-FB41-83DB-02D6E71DCF9D}" type="presParOf" srcId="{54DD7E6E-F181-3946-BEED-9BFACC33035A}" destId="{9F645179-27BB-C24D-9263-75D881616F94}" srcOrd="1" destOrd="0" presId="urn:microsoft.com/office/officeart/2005/8/layout/hierarchy2"/>
+    <dgm:cxn modelId="{8BC249F8-5BE3-3F4D-B29A-4224045026B0}" type="presParOf" srcId="{DFCD2B33-6B3E-804B-891A-AD7BD865BBAF}" destId="{840964B9-0AE5-1F45-BB1A-C47C34554100}" srcOrd="4" destOrd="0" presId="urn:microsoft.com/office/officeart/2005/8/layout/hierarchy2"/>
+    <dgm:cxn modelId="{CA9A5A36-A434-0449-987A-567ECEEEFEAF}" type="presParOf" srcId="{840964B9-0AE5-1F45-BB1A-C47C34554100}" destId="{EB6F9B5B-FC96-9B40-B807-95595D5BE8B6}" srcOrd="0" destOrd="0" presId="urn:microsoft.com/office/officeart/2005/8/layout/hierarchy2"/>
+    <dgm:cxn modelId="{25B2116F-66A2-5B4D-B83F-E4EF6373CA23}" type="presParOf" srcId="{DFCD2B33-6B3E-804B-891A-AD7BD865BBAF}" destId="{AFB4F752-38AF-2E48-983B-384977F3F59C}" srcOrd="5" destOrd="0" presId="urn:microsoft.com/office/officeart/2005/8/layout/hierarchy2"/>
+    <dgm:cxn modelId="{B5BB74EF-21F7-8049-9570-F16F7156201B}" type="presParOf" srcId="{AFB4F752-38AF-2E48-983B-384977F3F59C}" destId="{FD1178EF-2D85-7343-A764-3A78F1A5A52C}" srcOrd="0" destOrd="0" presId="urn:microsoft.com/office/officeart/2005/8/layout/hierarchy2"/>
+    <dgm:cxn modelId="{F995E1DC-5741-E04E-BE91-0F3059D4D066}" type="presParOf" srcId="{AFB4F752-38AF-2E48-983B-384977F3F59C}" destId="{D9D35A6F-03F2-1C4A-A949-B3DC7611FE13}" srcOrd="1" destOrd="0" presId="urn:microsoft.com/office/officeart/2005/8/layout/hierarchy2"/>
+    <dgm:cxn modelId="{7C7A96F4-B9A6-F74B-BF91-551DC01F461A}" type="presParOf" srcId="{DFCD2B33-6B3E-804B-891A-AD7BD865BBAF}" destId="{A0746C6F-E875-AC4B-8EF8-72F8F965EC6A}" srcOrd="6" destOrd="0" presId="urn:microsoft.com/office/officeart/2005/8/layout/hierarchy2"/>
+    <dgm:cxn modelId="{4A032247-8BB8-5C45-A522-C78F054F5891}" type="presParOf" srcId="{A0746C6F-E875-AC4B-8EF8-72F8F965EC6A}" destId="{702583E3-B9A4-0E45-AB79-0500DF5CFBA5}" srcOrd="0" destOrd="0" presId="urn:microsoft.com/office/officeart/2005/8/layout/hierarchy2"/>
+    <dgm:cxn modelId="{520DEAAB-2DD5-FC42-85F0-A76B84B1A6E5}" type="presParOf" srcId="{DFCD2B33-6B3E-804B-891A-AD7BD865BBAF}" destId="{4F77866D-B554-DC44-9B5F-D3EA8C4BCF89}" srcOrd="7" destOrd="0" presId="urn:microsoft.com/office/officeart/2005/8/layout/hierarchy2"/>
+    <dgm:cxn modelId="{7B33BB4F-EACF-E34C-B93E-E469B0D24535}" type="presParOf" srcId="{4F77866D-B554-DC44-9B5F-D3EA8C4BCF89}" destId="{E060A65A-7218-E349-A610-A6A1580E3F66}" srcOrd="0" destOrd="0" presId="urn:microsoft.com/office/officeart/2005/8/layout/hierarchy2"/>
+    <dgm:cxn modelId="{6A17BF61-9BAC-5948-8179-87BBCDBF54BB}" type="presParOf" srcId="{4F77866D-B554-DC44-9B5F-D3EA8C4BCF89}" destId="{6BF51E9D-3F7E-EF42-BB95-C9D1D383104C}" srcOrd="1" destOrd="0" presId="urn:microsoft.com/office/officeart/2005/8/layout/hierarchy2"/>
+  </dgm:cxnLst>
+  <dgm:bg/>
+  <dgm:whole/>
+  <dgm:extLst>
+    <a:ext uri="http://schemas.microsoft.com/office/drawing/2008/diagram">
+      <dsp:dataModelExt xmlns:dsp="http://schemas.microsoft.com/office/drawing/2008/diagram" relId="rId7" minVer="http://schemas.openxmlformats.org/drawingml/2006/diagram"/>
+    </a:ext>
+  </dgm:extLst>
+</dgm:dataModel>
+</file>
+
 <file path=ppt/diagrams/drawing1.xml><?xml version="1.0" encoding="utf-8"?>
 <dsp:drawing xmlns:dgm="http://schemas.openxmlformats.org/drawingml/2006/diagram" xmlns:dsp="http://schemas.microsoft.com/office/drawing/2008/diagram" xmlns:a="http://schemas.openxmlformats.org/drawingml/2006/main">
   <dsp:spTree>
@@ -7257,6 +8476,946 @@
       <dsp:txXfrm>
         <a:off x="4186003" y="4464111"/>
         <a:ext cx="2062396" cy="1189803"/>
+      </dsp:txXfrm>
+    </dsp:sp>
+  </dsp:spTree>
+</dsp:drawing>
+</file>
+
+<file path=ppt/diagrams/drawing3.xml><?xml version="1.0" encoding="utf-8"?>
+<dsp:drawing xmlns:dgm="http://schemas.openxmlformats.org/drawingml/2006/diagram" xmlns:dsp="http://schemas.microsoft.com/office/drawing/2008/diagram" xmlns:a="http://schemas.openxmlformats.org/drawingml/2006/main">
+  <dsp:spTree>
+    <dsp:nvGrpSpPr>
+      <dsp:cNvPr id="0" name=""/>
+      <dsp:cNvGrpSpPr/>
+    </dsp:nvGrpSpPr>
+    <dsp:grpSpPr/>
+    <dsp:sp modelId="{FB39AEA5-ED83-2244-AECB-346A7814E8E7}">
+      <dsp:nvSpPr>
+        <dsp:cNvPr id="0" name=""/>
+        <dsp:cNvSpPr/>
+      </dsp:nvSpPr>
+      <dsp:spPr>
+        <a:xfrm>
+          <a:off x="1088" y="716121"/>
+          <a:ext cx="1399181" cy="699590"/>
+        </a:xfrm>
+        <a:prstGeom prst="roundRect">
+          <a:avLst>
+            <a:gd name="adj" fmla="val 10000"/>
+          </a:avLst>
+        </a:prstGeom>
+        <a:gradFill rotWithShape="0">
+          <a:gsLst>
+            <a:gs pos="0">
+              <a:schemeClr val="accent4">
+                <a:hueOff val="0"/>
+                <a:satOff val="0"/>
+                <a:lumOff val="0"/>
+                <a:alphaOff val="0"/>
+                <a:satMod val="103000"/>
+                <a:lumMod val="102000"/>
+                <a:tint val="94000"/>
+              </a:schemeClr>
+            </a:gs>
+            <a:gs pos="50000">
+              <a:schemeClr val="accent4">
+                <a:hueOff val="0"/>
+                <a:satOff val="0"/>
+                <a:lumOff val="0"/>
+                <a:alphaOff val="0"/>
+                <a:satMod val="110000"/>
+                <a:lumMod val="100000"/>
+                <a:shade val="100000"/>
+              </a:schemeClr>
+            </a:gs>
+            <a:gs pos="100000">
+              <a:schemeClr val="accent4">
+                <a:hueOff val="0"/>
+                <a:satOff val="0"/>
+                <a:lumOff val="0"/>
+                <a:alphaOff val="0"/>
+                <a:lumMod val="99000"/>
+                <a:satMod val="120000"/>
+                <a:shade val="78000"/>
+              </a:schemeClr>
+            </a:gs>
+          </a:gsLst>
+          <a:lin ang="5400000" scaled="0"/>
+        </a:gradFill>
+        <a:ln>
+          <a:noFill/>
+        </a:ln>
+        <a:effectLst/>
+      </dsp:spPr>
+      <dsp:style>
+        <a:lnRef idx="0">
+          <a:scrgbClr r="0" g="0" b="0"/>
+        </a:lnRef>
+        <a:fillRef idx="3">
+          <a:scrgbClr r="0" g="0" b="0"/>
+        </a:fillRef>
+        <a:effectRef idx="2">
+          <a:scrgbClr r="0" g="0" b="0"/>
+        </a:effectRef>
+        <a:fontRef idx="minor">
+          <a:schemeClr val="lt1"/>
+        </a:fontRef>
+      </dsp:style>
+      <dsp:txBody>
+        <a:bodyPr spcFirstLastPara="0" vert="horz" wrap="square" lIns="8890" tIns="8890" rIns="8890" bIns="8890" numCol="1" spcCol="1270" anchor="ctr" anchorCtr="0">
+          <a:noAutofit/>
+        </a:bodyPr>
+        <a:lstStyle/>
+        <a:p>
+          <a:pPr marL="0" lvl="0" indent="0" algn="ctr" defTabSz="622300">
+            <a:lnSpc>
+              <a:spcPct val="90000"/>
+            </a:lnSpc>
+            <a:spcBef>
+              <a:spcPct val="0"/>
+            </a:spcBef>
+            <a:spcAft>
+              <a:spcPct val="35000"/>
+            </a:spcAft>
+            <a:buNone/>
+            <a:defRPr b="1"/>
+          </a:pPr>
+          <a:r>
+            <a:rPr lang="en-US" sz="1400" kern="1200"/>
+            <a:t>HTML DOM är en “objekt modell” för HTML</a:t>
+          </a:r>
+        </a:p>
+      </dsp:txBody>
+      <dsp:txXfrm>
+        <a:off x="21578" y="736611"/>
+        <a:ext cx="1358201" cy="658610"/>
+      </dsp:txXfrm>
+    </dsp:sp>
+    <dsp:sp modelId="{1E41AE42-B8B7-4E4E-8BF8-8AEFFD971D4E}">
+      <dsp:nvSpPr>
+        <dsp:cNvPr id="0" name=""/>
+        <dsp:cNvSpPr/>
+      </dsp:nvSpPr>
+      <dsp:spPr>
+        <a:xfrm>
+          <a:off x="1088" y="1520651"/>
+          <a:ext cx="1399181" cy="699590"/>
+        </a:xfrm>
+        <a:prstGeom prst="roundRect">
+          <a:avLst>
+            <a:gd name="adj" fmla="val 10000"/>
+          </a:avLst>
+        </a:prstGeom>
+        <a:gradFill rotWithShape="0">
+          <a:gsLst>
+            <a:gs pos="0">
+              <a:schemeClr val="accent4">
+                <a:hueOff val="0"/>
+                <a:satOff val="0"/>
+                <a:lumOff val="0"/>
+                <a:alphaOff val="0"/>
+                <a:satMod val="103000"/>
+                <a:lumMod val="102000"/>
+                <a:tint val="94000"/>
+              </a:schemeClr>
+            </a:gs>
+            <a:gs pos="50000">
+              <a:schemeClr val="accent4">
+                <a:hueOff val="0"/>
+                <a:satOff val="0"/>
+                <a:lumOff val="0"/>
+                <a:alphaOff val="0"/>
+                <a:satMod val="110000"/>
+                <a:lumMod val="100000"/>
+                <a:shade val="100000"/>
+              </a:schemeClr>
+            </a:gs>
+            <a:gs pos="100000">
+              <a:schemeClr val="accent4">
+                <a:hueOff val="0"/>
+                <a:satOff val="0"/>
+                <a:lumOff val="0"/>
+                <a:alphaOff val="0"/>
+                <a:lumMod val="99000"/>
+                <a:satMod val="120000"/>
+                <a:shade val="78000"/>
+              </a:schemeClr>
+            </a:gs>
+          </a:gsLst>
+          <a:lin ang="5400000" scaled="0"/>
+        </a:gradFill>
+        <a:ln>
+          <a:noFill/>
+        </a:ln>
+        <a:effectLst/>
+      </dsp:spPr>
+      <dsp:style>
+        <a:lnRef idx="0">
+          <a:scrgbClr r="0" g="0" b="0"/>
+        </a:lnRef>
+        <a:fillRef idx="3">
+          <a:scrgbClr r="0" g="0" b="0"/>
+        </a:fillRef>
+        <a:effectRef idx="2">
+          <a:scrgbClr r="0" g="0" b="0"/>
+        </a:effectRef>
+        <a:fontRef idx="minor">
+          <a:schemeClr val="lt1"/>
+        </a:fontRef>
+      </dsp:style>
+      <dsp:txBody>
+        <a:bodyPr spcFirstLastPara="0" vert="horz" wrap="square" lIns="8890" tIns="8890" rIns="8890" bIns="8890" numCol="1" spcCol="1270" anchor="ctr" anchorCtr="0">
+          <a:noAutofit/>
+        </a:bodyPr>
+        <a:lstStyle/>
+        <a:p>
+          <a:pPr marL="0" lvl="0" indent="0" algn="ctr" defTabSz="622300">
+            <a:lnSpc>
+              <a:spcPct val="90000"/>
+            </a:lnSpc>
+            <a:spcBef>
+              <a:spcPct val="0"/>
+            </a:spcBef>
+            <a:spcAft>
+              <a:spcPct val="35000"/>
+            </a:spcAft>
+            <a:buNone/>
+            <a:defRPr b="1"/>
+          </a:pPr>
+          <a:r>
+            <a:rPr lang="en-US" sz="1400" kern="1200"/>
+            <a:t>Det definierar:</a:t>
+          </a:r>
+        </a:p>
+      </dsp:txBody>
+      <dsp:txXfrm>
+        <a:off x="21578" y="1541141"/>
+        <a:ext cx="1358201" cy="658610"/>
+      </dsp:txXfrm>
+    </dsp:sp>
+    <dsp:sp modelId="{91645B12-417C-F64F-AA41-ADED5FF51C34}">
+      <dsp:nvSpPr>
+        <dsp:cNvPr id="0" name=""/>
+        <dsp:cNvSpPr/>
+      </dsp:nvSpPr>
+      <dsp:spPr>
+        <a:xfrm rot="17692822">
+          <a:off x="1014977" y="1250218"/>
+          <a:ext cx="1330257" cy="33662"/>
+        </a:xfrm>
+        <a:custGeom>
+          <a:avLst/>
+          <a:gdLst/>
+          <a:ahLst/>
+          <a:cxnLst/>
+          <a:rect l="0" t="0" r="0" b="0"/>
+          <a:pathLst>
+            <a:path>
+              <a:moveTo>
+                <a:pt x="0" y="16831"/>
+              </a:moveTo>
+              <a:lnTo>
+                <a:pt x="1330257" y="16831"/>
+              </a:lnTo>
+            </a:path>
+          </a:pathLst>
+        </a:custGeom>
+        <a:noFill/>
+        <a:ln w="6350" cap="flat" cmpd="sng" algn="ctr">
+          <a:solidFill>
+            <a:schemeClr val="accent6">
+              <a:hueOff val="0"/>
+              <a:satOff val="0"/>
+              <a:lumOff val="0"/>
+              <a:alphaOff val="0"/>
+            </a:schemeClr>
+          </a:solidFill>
+          <a:prstDash val="solid"/>
+          <a:miter lim="800000"/>
+        </a:ln>
+        <a:effectLst/>
+      </dsp:spPr>
+      <dsp:style>
+        <a:lnRef idx="1">
+          <a:scrgbClr r="0" g="0" b="0"/>
+        </a:lnRef>
+        <a:fillRef idx="0">
+          <a:scrgbClr r="0" g="0" b="0"/>
+        </a:fillRef>
+        <a:effectRef idx="0">
+          <a:scrgbClr r="0" g="0" b="0"/>
+        </a:effectRef>
+        <a:fontRef idx="minor"/>
+      </dsp:style>
+      <dsp:txBody>
+        <a:bodyPr spcFirstLastPara="0" vert="horz" wrap="square" lIns="12700" tIns="0" rIns="12700" bIns="0" numCol="1" spcCol="1270" anchor="ctr" anchorCtr="0">
+          <a:noAutofit/>
+        </a:bodyPr>
+        <a:lstStyle/>
+        <a:p>
+          <a:pPr marL="0" lvl="0" indent="0" algn="ctr" defTabSz="222250">
+            <a:lnSpc>
+              <a:spcPct val="90000"/>
+            </a:lnSpc>
+            <a:spcBef>
+              <a:spcPct val="0"/>
+            </a:spcBef>
+            <a:spcAft>
+              <a:spcPct val="35000"/>
+            </a:spcAft>
+            <a:buNone/>
+          </a:pPr>
+          <a:endParaRPr lang="en-US" sz="500" kern="1200"/>
+        </a:p>
+      </dsp:txBody>
+      <dsp:txXfrm>
+        <a:off x="1646849" y="1233792"/>
+        <a:ext cx="66512" cy="66512"/>
+      </dsp:txXfrm>
+    </dsp:sp>
+    <dsp:sp modelId="{E3689C85-3CB0-644A-9311-7634EEA4F8E4}">
+      <dsp:nvSpPr>
+        <dsp:cNvPr id="0" name=""/>
+        <dsp:cNvSpPr/>
+      </dsp:nvSpPr>
+      <dsp:spPr>
+        <a:xfrm>
+          <a:off x="1959942" y="313856"/>
+          <a:ext cx="1399181" cy="699590"/>
+        </a:xfrm>
+        <a:prstGeom prst="roundRect">
+          <a:avLst>
+            <a:gd name="adj" fmla="val 10000"/>
+          </a:avLst>
+        </a:prstGeom>
+        <a:gradFill rotWithShape="0">
+          <a:gsLst>
+            <a:gs pos="0">
+              <a:schemeClr val="accent6">
+                <a:hueOff val="0"/>
+                <a:satOff val="0"/>
+                <a:lumOff val="0"/>
+                <a:alphaOff val="0"/>
+                <a:satMod val="103000"/>
+                <a:lumMod val="102000"/>
+                <a:tint val="94000"/>
+              </a:schemeClr>
+            </a:gs>
+            <a:gs pos="50000">
+              <a:schemeClr val="accent6">
+                <a:hueOff val="0"/>
+                <a:satOff val="0"/>
+                <a:lumOff val="0"/>
+                <a:alphaOff val="0"/>
+                <a:satMod val="110000"/>
+                <a:lumMod val="100000"/>
+                <a:shade val="100000"/>
+              </a:schemeClr>
+            </a:gs>
+            <a:gs pos="100000">
+              <a:schemeClr val="accent6">
+                <a:hueOff val="0"/>
+                <a:satOff val="0"/>
+                <a:lumOff val="0"/>
+                <a:alphaOff val="0"/>
+                <a:lumMod val="99000"/>
+                <a:satMod val="120000"/>
+                <a:shade val="78000"/>
+              </a:schemeClr>
+            </a:gs>
+          </a:gsLst>
+          <a:lin ang="5400000" scaled="0"/>
+        </a:gradFill>
+        <a:ln>
+          <a:noFill/>
+        </a:ln>
+        <a:effectLst/>
+      </dsp:spPr>
+      <dsp:style>
+        <a:lnRef idx="0">
+          <a:scrgbClr r="0" g="0" b="0"/>
+        </a:lnRef>
+        <a:fillRef idx="3">
+          <a:scrgbClr r="0" g="0" b="0"/>
+        </a:fillRef>
+        <a:effectRef idx="2">
+          <a:scrgbClr r="0" g="0" b="0"/>
+        </a:effectRef>
+        <a:fontRef idx="minor">
+          <a:schemeClr val="lt1"/>
+        </a:fontRef>
+      </dsp:style>
+      <dsp:txBody>
+        <a:bodyPr spcFirstLastPara="0" vert="horz" wrap="square" lIns="8890" tIns="8890" rIns="8890" bIns="8890" numCol="1" spcCol="1270" anchor="ctr" anchorCtr="0">
+          <a:noAutofit/>
+        </a:bodyPr>
+        <a:lstStyle/>
+        <a:p>
+          <a:pPr marL="0" lvl="0" indent="0" algn="ctr" defTabSz="622300">
+            <a:lnSpc>
+              <a:spcPct val="90000"/>
+            </a:lnSpc>
+            <a:spcBef>
+              <a:spcPct val="0"/>
+            </a:spcBef>
+            <a:spcAft>
+              <a:spcPct val="35000"/>
+            </a:spcAft>
+            <a:buNone/>
+          </a:pPr>
+          <a:r>
+            <a:rPr lang="en-US" sz="1400" kern="1200"/>
+            <a:t>HTML element som objekts</a:t>
+          </a:r>
+        </a:p>
+      </dsp:txBody>
+      <dsp:txXfrm>
+        <a:off x="1980432" y="334346"/>
+        <a:ext cx="1358201" cy="658610"/>
+      </dsp:txXfrm>
+    </dsp:sp>
+    <dsp:sp modelId="{2D29BCA1-C7A7-F445-9029-889926D14A40}">
+      <dsp:nvSpPr>
+        <dsp:cNvPr id="0" name=""/>
+        <dsp:cNvSpPr/>
+      </dsp:nvSpPr>
+      <dsp:spPr>
+        <a:xfrm rot="19457599">
+          <a:off x="1335486" y="1652483"/>
+          <a:ext cx="689239" cy="33662"/>
+        </a:xfrm>
+        <a:custGeom>
+          <a:avLst/>
+          <a:gdLst/>
+          <a:ahLst/>
+          <a:cxnLst/>
+          <a:rect l="0" t="0" r="0" b="0"/>
+          <a:pathLst>
+            <a:path>
+              <a:moveTo>
+                <a:pt x="0" y="16831"/>
+              </a:moveTo>
+              <a:lnTo>
+                <a:pt x="689239" y="16831"/>
+              </a:lnTo>
+            </a:path>
+          </a:pathLst>
+        </a:custGeom>
+        <a:noFill/>
+        <a:ln w="6350" cap="flat" cmpd="sng" algn="ctr">
+          <a:solidFill>
+            <a:schemeClr val="accent6">
+              <a:hueOff val="0"/>
+              <a:satOff val="0"/>
+              <a:lumOff val="0"/>
+              <a:alphaOff val="0"/>
+            </a:schemeClr>
+          </a:solidFill>
+          <a:prstDash val="solid"/>
+          <a:miter lim="800000"/>
+        </a:ln>
+        <a:effectLst/>
+      </dsp:spPr>
+      <dsp:style>
+        <a:lnRef idx="1">
+          <a:scrgbClr r="0" g="0" b="0"/>
+        </a:lnRef>
+        <a:fillRef idx="0">
+          <a:scrgbClr r="0" g="0" b="0"/>
+        </a:fillRef>
+        <a:effectRef idx="0">
+          <a:scrgbClr r="0" g="0" b="0"/>
+        </a:effectRef>
+        <a:fontRef idx="minor"/>
+      </dsp:style>
+      <dsp:txBody>
+        <a:bodyPr spcFirstLastPara="0" vert="horz" wrap="square" lIns="12700" tIns="0" rIns="12700" bIns="0" numCol="1" spcCol="1270" anchor="ctr" anchorCtr="0">
+          <a:noAutofit/>
+        </a:bodyPr>
+        <a:lstStyle/>
+        <a:p>
+          <a:pPr marL="0" lvl="0" indent="0" algn="ctr" defTabSz="222250">
+            <a:lnSpc>
+              <a:spcPct val="90000"/>
+            </a:lnSpc>
+            <a:spcBef>
+              <a:spcPct val="0"/>
+            </a:spcBef>
+            <a:spcAft>
+              <a:spcPct val="35000"/>
+            </a:spcAft>
+            <a:buNone/>
+          </a:pPr>
+          <a:endParaRPr lang="en-US" sz="500" kern="1200"/>
+        </a:p>
+      </dsp:txBody>
+      <dsp:txXfrm>
+        <a:off x="1662875" y="1652083"/>
+        <a:ext cx="34461" cy="34461"/>
+      </dsp:txXfrm>
+    </dsp:sp>
+    <dsp:sp modelId="{37302DF5-D3A6-B642-8B2A-7DD3B4496DA7}">
+      <dsp:nvSpPr>
+        <dsp:cNvPr id="0" name=""/>
+        <dsp:cNvSpPr/>
+      </dsp:nvSpPr>
+      <dsp:spPr>
+        <a:xfrm>
+          <a:off x="1959942" y="1118386"/>
+          <a:ext cx="1399181" cy="699590"/>
+        </a:xfrm>
+        <a:prstGeom prst="roundRect">
+          <a:avLst>
+            <a:gd name="adj" fmla="val 10000"/>
+          </a:avLst>
+        </a:prstGeom>
+        <a:gradFill rotWithShape="0">
+          <a:gsLst>
+            <a:gs pos="0">
+              <a:schemeClr val="accent6">
+                <a:hueOff val="0"/>
+                <a:satOff val="0"/>
+                <a:lumOff val="0"/>
+                <a:alphaOff val="0"/>
+                <a:satMod val="103000"/>
+                <a:lumMod val="102000"/>
+                <a:tint val="94000"/>
+              </a:schemeClr>
+            </a:gs>
+            <a:gs pos="50000">
+              <a:schemeClr val="accent6">
+                <a:hueOff val="0"/>
+                <a:satOff val="0"/>
+                <a:lumOff val="0"/>
+                <a:alphaOff val="0"/>
+                <a:satMod val="110000"/>
+                <a:lumMod val="100000"/>
+                <a:shade val="100000"/>
+              </a:schemeClr>
+            </a:gs>
+            <a:gs pos="100000">
+              <a:schemeClr val="accent6">
+                <a:hueOff val="0"/>
+                <a:satOff val="0"/>
+                <a:lumOff val="0"/>
+                <a:alphaOff val="0"/>
+                <a:lumMod val="99000"/>
+                <a:satMod val="120000"/>
+                <a:shade val="78000"/>
+              </a:schemeClr>
+            </a:gs>
+          </a:gsLst>
+          <a:lin ang="5400000" scaled="0"/>
+        </a:gradFill>
+        <a:ln>
+          <a:noFill/>
+        </a:ln>
+        <a:effectLst/>
+      </dsp:spPr>
+      <dsp:style>
+        <a:lnRef idx="0">
+          <a:scrgbClr r="0" g="0" b="0"/>
+        </a:lnRef>
+        <a:fillRef idx="3">
+          <a:scrgbClr r="0" g="0" b="0"/>
+        </a:fillRef>
+        <a:effectRef idx="2">
+          <a:scrgbClr r="0" g="0" b="0"/>
+        </a:effectRef>
+        <a:fontRef idx="minor">
+          <a:schemeClr val="lt1"/>
+        </a:fontRef>
+      </dsp:style>
+      <dsp:txBody>
+        <a:bodyPr spcFirstLastPara="0" vert="horz" wrap="square" lIns="8890" tIns="8890" rIns="8890" bIns="8890" numCol="1" spcCol="1270" anchor="ctr" anchorCtr="0">
+          <a:noAutofit/>
+        </a:bodyPr>
+        <a:lstStyle/>
+        <a:p>
+          <a:pPr marL="0" lvl="0" indent="0" algn="ctr" defTabSz="622300">
+            <a:lnSpc>
+              <a:spcPct val="90000"/>
+            </a:lnSpc>
+            <a:spcBef>
+              <a:spcPct val="0"/>
+            </a:spcBef>
+            <a:spcAft>
+              <a:spcPct val="35000"/>
+            </a:spcAft>
+            <a:buNone/>
+          </a:pPr>
+          <a:r>
+            <a:rPr lang="en-US" sz="1400" kern="1200"/>
+            <a:t>Egenskaper för alla HTML element</a:t>
+          </a:r>
+        </a:p>
+      </dsp:txBody>
+      <dsp:txXfrm>
+        <a:off x="1980432" y="1138876"/>
+        <a:ext cx="1358201" cy="658610"/>
+      </dsp:txXfrm>
+    </dsp:sp>
+    <dsp:sp modelId="{840964B9-0AE5-1F45-BB1A-C47C34554100}">
+      <dsp:nvSpPr>
+        <dsp:cNvPr id="0" name=""/>
+        <dsp:cNvSpPr/>
+      </dsp:nvSpPr>
+      <dsp:spPr>
+        <a:xfrm rot="2142401">
+          <a:off x="1335486" y="2054747"/>
+          <a:ext cx="689239" cy="33662"/>
+        </a:xfrm>
+        <a:custGeom>
+          <a:avLst/>
+          <a:gdLst/>
+          <a:ahLst/>
+          <a:cxnLst/>
+          <a:rect l="0" t="0" r="0" b="0"/>
+          <a:pathLst>
+            <a:path>
+              <a:moveTo>
+                <a:pt x="0" y="16831"/>
+              </a:moveTo>
+              <a:lnTo>
+                <a:pt x="689239" y="16831"/>
+              </a:lnTo>
+            </a:path>
+          </a:pathLst>
+        </a:custGeom>
+        <a:noFill/>
+        <a:ln w="6350" cap="flat" cmpd="sng" algn="ctr">
+          <a:solidFill>
+            <a:schemeClr val="accent6">
+              <a:hueOff val="0"/>
+              <a:satOff val="0"/>
+              <a:lumOff val="0"/>
+              <a:alphaOff val="0"/>
+            </a:schemeClr>
+          </a:solidFill>
+          <a:prstDash val="solid"/>
+          <a:miter lim="800000"/>
+        </a:ln>
+        <a:effectLst/>
+      </dsp:spPr>
+      <dsp:style>
+        <a:lnRef idx="1">
+          <a:scrgbClr r="0" g="0" b="0"/>
+        </a:lnRef>
+        <a:fillRef idx="0">
+          <a:scrgbClr r="0" g="0" b="0"/>
+        </a:fillRef>
+        <a:effectRef idx="0">
+          <a:scrgbClr r="0" g="0" b="0"/>
+        </a:effectRef>
+        <a:fontRef idx="minor"/>
+      </dsp:style>
+      <dsp:txBody>
+        <a:bodyPr spcFirstLastPara="0" vert="horz" wrap="square" lIns="12700" tIns="0" rIns="12700" bIns="0" numCol="1" spcCol="1270" anchor="ctr" anchorCtr="0">
+          <a:noAutofit/>
+        </a:bodyPr>
+        <a:lstStyle/>
+        <a:p>
+          <a:pPr marL="0" lvl="0" indent="0" algn="ctr" defTabSz="222250">
+            <a:lnSpc>
+              <a:spcPct val="90000"/>
+            </a:lnSpc>
+            <a:spcBef>
+              <a:spcPct val="0"/>
+            </a:spcBef>
+            <a:spcAft>
+              <a:spcPct val="35000"/>
+            </a:spcAft>
+            <a:buNone/>
+          </a:pPr>
+          <a:endParaRPr lang="en-US" sz="500" kern="1200"/>
+        </a:p>
+      </dsp:txBody>
+      <dsp:txXfrm>
+        <a:off x="1662875" y="2054347"/>
+        <a:ext cx="34461" cy="34461"/>
+      </dsp:txXfrm>
+    </dsp:sp>
+    <dsp:sp modelId="{FD1178EF-2D85-7343-A764-3A78F1A5A52C}">
+      <dsp:nvSpPr>
+        <dsp:cNvPr id="0" name=""/>
+        <dsp:cNvSpPr/>
+      </dsp:nvSpPr>
+      <dsp:spPr>
+        <a:xfrm>
+          <a:off x="1959942" y="1922915"/>
+          <a:ext cx="1399181" cy="699590"/>
+        </a:xfrm>
+        <a:prstGeom prst="roundRect">
+          <a:avLst>
+            <a:gd name="adj" fmla="val 10000"/>
+          </a:avLst>
+        </a:prstGeom>
+        <a:gradFill rotWithShape="0">
+          <a:gsLst>
+            <a:gs pos="0">
+              <a:schemeClr val="accent6">
+                <a:hueOff val="0"/>
+                <a:satOff val="0"/>
+                <a:lumOff val="0"/>
+                <a:alphaOff val="0"/>
+                <a:satMod val="103000"/>
+                <a:lumMod val="102000"/>
+                <a:tint val="94000"/>
+              </a:schemeClr>
+            </a:gs>
+            <a:gs pos="50000">
+              <a:schemeClr val="accent6">
+                <a:hueOff val="0"/>
+                <a:satOff val="0"/>
+                <a:lumOff val="0"/>
+                <a:alphaOff val="0"/>
+                <a:satMod val="110000"/>
+                <a:lumMod val="100000"/>
+                <a:shade val="100000"/>
+              </a:schemeClr>
+            </a:gs>
+            <a:gs pos="100000">
+              <a:schemeClr val="accent6">
+                <a:hueOff val="0"/>
+                <a:satOff val="0"/>
+                <a:lumOff val="0"/>
+                <a:alphaOff val="0"/>
+                <a:lumMod val="99000"/>
+                <a:satMod val="120000"/>
+                <a:shade val="78000"/>
+              </a:schemeClr>
+            </a:gs>
+          </a:gsLst>
+          <a:lin ang="5400000" scaled="0"/>
+        </a:gradFill>
+        <a:ln>
+          <a:noFill/>
+        </a:ln>
+        <a:effectLst/>
+      </dsp:spPr>
+      <dsp:style>
+        <a:lnRef idx="0">
+          <a:scrgbClr r="0" g="0" b="0"/>
+        </a:lnRef>
+        <a:fillRef idx="3">
+          <a:scrgbClr r="0" g="0" b="0"/>
+        </a:fillRef>
+        <a:effectRef idx="2">
+          <a:scrgbClr r="0" g="0" b="0"/>
+        </a:effectRef>
+        <a:fontRef idx="minor">
+          <a:schemeClr val="lt1"/>
+        </a:fontRef>
+      </dsp:style>
+      <dsp:txBody>
+        <a:bodyPr spcFirstLastPara="0" vert="horz" wrap="square" lIns="8890" tIns="8890" rIns="8890" bIns="8890" numCol="1" spcCol="1270" anchor="ctr" anchorCtr="0">
+          <a:noAutofit/>
+        </a:bodyPr>
+        <a:lstStyle/>
+        <a:p>
+          <a:pPr marL="0" lvl="0" indent="0" algn="ctr" defTabSz="622300">
+            <a:lnSpc>
+              <a:spcPct val="90000"/>
+            </a:lnSpc>
+            <a:spcBef>
+              <a:spcPct val="0"/>
+            </a:spcBef>
+            <a:spcAft>
+              <a:spcPct val="35000"/>
+            </a:spcAft>
+            <a:buNone/>
+          </a:pPr>
+          <a:r>
+            <a:rPr lang="en-US" sz="1400" kern="1200"/>
+            <a:t>Metoder för alla HTML element</a:t>
+          </a:r>
+        </a:p>
+      </dsp:txBody>
+      <dsp:txXfrm>
+        <a:off x="1980432" y="1943405"/>
+        <a:ext cx="1358201" cy="658610"/>
+      </dsp:txXfrm>
+    </dsp:sp>
+    <dsp:sp modelId="{A0746C6F-E875-AC4B-8EF8-72F8F965EC6A}">
+      <dsp:nvSpPr>
+        <dsp:cNvPr id="0" name=""/>
+        <dsp:cNvSpPr/>
+      </dsp:nvSpPr>
+      <dsp:spPr>
+        <a:xfrm rot="3907178">
+          <a:off x="1014977" y="2457012"/>
+          <a:ext cx="1330257" cy="33662"/>
+        </a:xfrm>
+        <a:custGeom>
+          <a:avLst/>
+          <a:gdLst/>
+          <a:ahLst/>
+          <a:cxnLst/>
+          <a:rect l="0" t="0" r="0" b="0"/>
+          <a:pathLst>
+            <a:path>
+              <a:moveTo>
+                <a:pt x="0" y="16831"/>
+              </a:moveTo>
+              <a:lnTo>
+                <a:pt x="1330257" y="16831"/>
+              </a:lnTo>
+            </a:path>
+          </a:pathLst>
+        </a:custGeom>
+        <a:noFill/>
+        <a:ln w="6350" cap="flat" cmpd="sng" algn="ctr">
+          <a:solidFill>
+            <a:schemeClr val="accent6">
+              <a:hueOff val="0"/>
+              <a:satOff val="0"/>
+              <a:lumOff val="0"/>
+              <a:alphaOff val="0"/>
+            </a:schemeClr>
+          </a:solidFill>
+          <a:prstDash val="solid"/>
+          <a:miter lim="800000"/>
+        </a:ln>
+        <a:effectLst/>
+      </dsp:spPr>
+      <dsp:style>
+        <a:lnRef idx="1">
+          <a:scrgbClr r="0" g="0" b="0"/>
+        </a:lnRef>
+        <a:fillRef idx="0">
+          <a:scrgbClr r="0" g="0" b="0"/>
+        </a:fillRef>
+        <a:effectRef idx="0">
+          <a:scrgbClr r="0" g="0" b="0"/>
+        </a:effectRef>
+        <a:fontRef idx="minor"/>
+      </dsp:style>
+      <dsp:txBody>
+        <a:bodyPr spcFirstLastPara="0" vert="horz" wrap="square" lIns="12700" tIns="0" rIns="12700" bIns="0" numCol="1" spcCol="1270" anchor="ctr" anchorCtr="0">
+          <a:noAutofit/>
+        </a:bodyPr>
+        <a:lstStyle/>
+        <a:p>
+          <a:pPr marL="0" lvl="0" indent="0" algn="ctr" defTabSz="222250">
+            <a:lnSpc>
+              <a:spcPct val="90000"/>
+            </a:lnSpc>
+            <a:spcBef>
+              <a:spcPct val="0"/>
+            </a:spcBef>
+            <a:spcAft>
+              <a:spcPct val="35000"/>
+            </a:spcAft>
+            <a:buNone/>
+          </a:pPr>
+          <a:endParaRPr lang="en-US" sz="500" kern="1200"/>
+        </a:p>
+      </dsp:txBody>
+      <dsp:txXfrm>
+        <a:off x="1646849" y="2440587"/>
+        <a:ext cx="66512" cy="66512"/>
+      </dsp:txXfrm>
+    </dsp:sp>
+    <dsp:sp modelId="{E060A65A-7218-E349-A610-A6A1580E3F66}">
+      <dsp:nvSpPr>
+        <dsp:cNvPr id="0" name=""/>
+        <dsp:cNvSpPr/>
+      </dsp:nvSpPr>
+      <dsp:spPr>
+        <a:xfrm>
+          <a:off x="1959942" y="2727445"/>
+          <a:ext cx="1399181" cy="699590"/>
+        </a:xfrm>
+        <a:prstGeom prst="roundRect">
+          <a:avLst>
+            <a:gd name="adj" fmla="val 10000"/>
+          </a:avLst>
+        </a:prstGeom>
+        <a:gradFill rotWithShape="0">
+          <a:gsLst>
+            <a:gs pos="0">
+              <a:schemeClr val="accent6">
+                <a:hueOff val="0"/>
+                <a:satOff val="0"/>
+                <a:lumOff val="0"/>
+                <a:alphaOff val="0"/>
+                <a:satMod val="103000"/>
+                <a:lumMod val="102000"/>
+                <a:tint val="94000"/>
+              </a:schemeClr>
+            </a:gs>
+            <a:gs pos="50000">
+              <a:schemeClr val="accent6">
+                <a:hueOff val="0"/>
+                <a:satOff val="0"/>
+                <a:lumOff val="0"/>
+                <a:alphaOff val="0"/>
+                <a:satMod val="110000"/>
+                <a:lumMod val="100000"/>
+                <a:shade val="100000"/>
+              </a:schemeClr>
+            </a:gs>
+            <a:gs pos="100000">
+              <a:schemeClr val="accent6">
+                <a:hueOff val="0"/>
+                <a:satOff val="0"/>
+                <a:lumOff val="0"/>
+                <a:alphaOff val="0"/>
+                <a:lumMod val="99000"/>
+                <a:satMod val="120000"/>
+                <a:shade val="78000"/>
+              </a:schemeClr>
+            </a:gs>
+          </a:gsLst>
+          <a:lin ang="5400000" scaled="0"/>
+        </a:gradFill>
+        <a:ln>
+          <a:noFill/>
+        </a:ln>
+        <a:effectLst/>
+      </dsp:spPr>
+      <dsp:style>
+        <a:lnRef idx="0">
+          <a:scrgbClr r="0" g="0" b="0"/>
+        </a:lnRef>
+        <a:fillRef idx="3">
+          <a:scrgbClr r="0" g="0" b="0"/>
+        </a:fillRef>
+        <a:effectRef idx="2">
+          <a:scrgbClr r="0" g="0" b="0"/>
+        </a:effectRef>
+        <a:fontRef idx="minor">
+          <a:schemeClr val="lt1"/>
+        </a:fontRef>
+      </dsp:style>
+      <dsp:txBody>
+        <a:bodyPr spcFirstLastPara="0" vert="horz" wrap="square" lIns="8890" tIns="8890" rIns="8890" bIns="8890" numCol="1" spcCol="1270" anchor="ctr" anchorCtr="0">
+          <a:noAutofit/>
+        </a:bodyPr>
+        <a:lstStyle/>
+        <a:p>
+          <a:pPr marL="0" lvl="0" indent="0" algn="ctr" defTabSz="622300">
+            <a:lnSpc>
+              <a:spcPct val="90000"/>
+            </a:lnSpc>
+            <a:spcBef>
+              <a:spcPct val="0"/>
+            </a:spcBef>
+            <a:spcAft>
+              <a:spcPct val="35000"/>
+            </a:spcAft>
+            <a:buNone/>
+          </a:pPr>
+          <a:r>
+            <a:rPr lang="en-US" sz="1400" kern="1200"/>
+            <a:t>Händelser för alla HTML element</a:t>
+          </a:r>
+        </a:p>
+      </dsp:txBody>
+      <dsp:txXfrm>
+        <a:off x="1980432" y="2747935"/>
+        <a:ext cx="1358201" cy="658610"/>
       </dsp:txXfrm>
     </dsp:sp>
   </dsp:spTree>
@@ -7851,6 +10010,326 @@
 </dgm:layoutDef>
 </file>
 
+<file path=ppt/diagrams/layout3.xml><?xml version="1.0" encoding="utf-8"?>
+<dgm:layoutDef xmlns:dgm="http://schemas.openxmlformats.org/drawingml/2006/diagram" xmlns:a="http://schemas.openxmlformats.org/drawingml/2006/main" uniqueId="urn:microsoft.com/office/officeart/2005/8/layout/hierarchy2">
+  <dgm:title val=""/>
+  <dgm:desc val=""/>
+  <dgm:catLst>
+    <dgm:cat type="hierarchy" pri="5000"/>
+  </dgm:catLst>
+  <dgm:sampData>
+    <dgm:dataModel>
+      <dgm:ptLst>
+        <dgm:pt modelId="0" type="doc"/>
+        <dgm:pt modelId="1">
+          <dgm:prSet phldr="1"/>
+        </dgm:pt>
+        <dgm:pt modelId="2">
+          <dgm:prSet phldr="1"/>
+        </dgm:pt>
+        <dgm:pt modelId="21">
+          <dgm:prSet phldr="1"/>
+        </dgm:pt>
+        <dgm:pt modelId="22">
+          <dgm:prSet phldr="1"/>
+        </dgm:pt>
+        <dgm:pt modelId="3">
+          <dgm:prSet phldr="1"/>
+        </dgm:pt>
+        <dgm:pt modelId="31">
+          <dgm:prSet phldr="1"/>
+        </dgm:pt>
+      </dgm:ptLst>
+      <dgm:cxnLst>
+        <dgm:cxn modelId="4" srcId="0" destId="1" srcOrd="0" destOrd="0"/>
+        <dgm:cxn modelId="5" srcId="1" destId="2" srcOrd="0" destOrd="0"/>
+        <dgm:cxn modelId="6" srcId="1" destId="3" srcOrd="1" destOrd="0"/>
+        <dgm:cxn modelId="23" srcId="2" destId="21" srcOrd="0" destOrd="0"/>
+        <dgm:cxn modelId="24" srcId="2" destId="22" srcOrd="1" destOrd="0"/>
+        <dgm:cxn modelId="33" srcId="3" destId="31" srcOrd="0" destOrd="0"/>
+      </dgm:cxnLst>
+      <dgm:bg/>
+      <dgm:whole/>
+    </dgm:dataModel>
+  </dgm:sampData>
+  <dgm:styleData>
+    <dgm:dataModel>
+      <dgm:ptLst>
+        <dgm:pt modelId="0" type="doc"/>
+        <dgm:pt modelId="1"/>
+        <dgm:pt modelId="11"/>
+        <dgm:pt modelId="12"/>
+      </dgm:ptLst>
+      <dgm:cxnLst>
+        <dgm:cxn modelId="2" srcId="0" destId="1" srcOrd="0" destOrd="0"/>
+        <dgm:cxn modelId="13" srcId="1" destId="11" srcOrd="0" destOrd="0"/>
+        <dgm:cxn modelId="14" srcId="1" destId="12" srcOrd="1" destOrd="0"/>
+      </dgm:cxnLst>
+      <dgm:bg/>
+      <dgm:whole/>
+    </dgm:dataModel>
+  </dgm:styleData>
+  <dgm:clrData>
+    <dgm:dataModel>
+      <dgm:ptLst>
+        <dgm:pt modelId="0" type="doc"/>
+        <dgm:pt modelId="1"/>
+        <dgm:pt modelId="2"/>
+        <dgm:pt modelId="21"/>
+        <dgm:pt modelId="211"/>
+        <dgm:pt modelId="3"/>
+        <dgm:pt modelId="31"/>
+        <dgm:pt modelId="311"/>
+      </dgm:ptLst>
+      <dgm:cxnLst>
+        <dgm:cxn modelId="4" srcId="0" destId="1" srcOrd="0" destOrd="0"/>
+        <dgm:cxn modelId="5" srcId="1" destId="2" srcOrd="0" destOrd="0"/>
+        <dgm:cxn modelId="6" srcId="1" destId="3" srcOrd="1" destOrd="0"/>
+        <dgm:cxn modelId="23" srcId="2" destId="21" srcOrd="0" destOrd="0"/>
+        <dgm:cxn modelId="24" srcId="21" destId="211" srcOrd="0" destOrd="0"/>
+        <dgm:cxn modelId="33" srcId="3" destId="31" srcOrd="0" destOrd="0"/>
+        <dgm:cxn modelId="34" srcId="31" destId="311" srcOrd="0" destOrd="0"/>
+      </dgm:cxnLst>
+      <dgm:bg/>
+      <dgm:whole/>
+    </dgm:dataModel>
+  </dgm:clrData>
+  <dgm:layoutNode name="diagram">
+    <dgm:varLst>
+      <dgm:chPref val="1"/>
+      <dgm:dir/>
+      <dgm:animOne val="branch"/>
+      <dgm:animLvl val="lvl"/>
+      <dgm:resizeHandles val="exact"/>
+    </dgm:varLst>
+    <dgm:choose name="Name0">
+      <dgm:if name="Name1" func="var" arg="dir" op="equ" val="norm">
+        <dgm:alg type="hierChild">
+          <dgm:param type="linDir" val="fromT"/>
+          <dgm:param type="chAlign" val="l"/>
+        </dgm:alg>
+      </dgm:if>
+      <dgm:else name="Name2">
+        <dgm:alg type="hierChild">
+          <dgm:param type="linDir" val="fromT"/>
+          <dgm:param type="chAlign" val="r"/>
+        </dgm:alg>
+      </dgm:else>
+    </dgm:choose>
+    <dgm:shape xmlns:r="http://schemas.openxmlformats.org/officeDocument/2006/relationships" r:blip="">
+      <dgm:adjLst/>
+    </dgm:shape>
+    <dgm:presOf/>
+    <dgm:constrLst>
+      <dgm:constr type="h" for="des" ptType="node" refType="h"/>
+      <dgm:constr type="w" for="des" ptType="node" refType="h" refFor="des" refPtType="node" fact="2"/>
+      <dgm:constr type="sibSp" refType="h" refFor="des" refPtType="node" op="equ" fact="0.15"/>
+      <dgm:constr type="sibSp" for="des" forName="level2hierChild" refType="h" refFor="des" refPtType="node" op="equ" fact="0.15"/>
+      <dgm:constr type="sibSp" for="des" forName="level3hierChild" refType="h" refFor="des" refPtType="node" op="equ" fact="0.15"/>
+      <dgm:constr type="sp" for="des" forName="root1" refType="w" refFor="des" refPtType="node" fact="0.4"/>
+      <dgm:constr type="sp" for="des" forName="root2" refType="sp" refFor="des" refForName="root1" op="equ"/>
+      <dgm:constr type="primFontSz" for="des" ptType="node" op="equ" val="65"/>
+      <dgm:constr type="primFontSz" for="des" forName="connTx" op="equ" val="55"/>
+      <dgm:constr type="primFontSz" for="des" forName="connTx" refType="primFontSz" refFor="des" refPtType="node" op="lte" fact="0.8"/>
+    </dgm:constrLst>
+    <dgm:ruleLst/>
+    <dgm:forEach name="Name3" axis="ch">
+      <dgm:forEach name="Name4" axis="self" ptType="node">
+        <dgm:layoutNode name="root1">
+          <dgm:choose name="Name5">
+            <dgm:if name="Name6" func="var" arg="dir" op="equ" val="norm">
+              <dgm:alg type="hierRoot">
+                <dgm:param type="hierAlign" val="lCtrCh"/>
+              </dgm:alg>
+            </dgm:if>
+            <dgm:else name="Name7">
+              <dgm:alg type="hierRoot">
+                <dgm:param type="hierAlign" val="rCtrCh"/>
+              </dgm:alg>
+            </dgm:else>
+          </dgm:choose>
+          <dgm:shape xmlns:r="http://schemas.openxmlformats.org/officeDocument/2006/relationships" r:blip="">
+            <dgm:adjLst/>
+          </dgm:shape>
+          <dgm:presOf/>
+          <dgm:constrLst/>
+          <dgm:ruleLst/>
+          <dgm:layoutNode name="LevelOneTextNode" styleLbl="node0">
+            <dgm:varLst>
+              <dgm:chPref val="3"/>
+            </dgm:varLst>
+            <dgm:alg type="tx"/>
+            <dgm:shape xmlns:r="http://schemas.openxmlformats.org/officeDocument/2006/relationships" type="roundRect" r:blip="">
+              <dgm:adjLst>
+                <dgm:adj idx="1" val="0.1"/>
+              </dgm:adjLst>
+            </dgm:shape>
+            <dgm:presOf axis="self"/>
+            <dgm:constrLst>
+              <dgm:constr type="tMarg" refType="primFontSz" fact="0.05"/>
+              <dgm:constr type="bMarg" refType="primFontSz" fact="0.05"/>
+              <dgm:constr type="lMarg" refType="primFontSz" fact="0.05"/>
+              <dgm:constr type="rMarg" refType="primFontSz" fact="0.05"/>
+            </dgm:constrLst>
+            <dgm:ruleLst>
+              <dgm:rule type="primFontSz" val="5" fact="NaN" max="NaN"/>
+            </dgm:ruleLst>
+          </dgm:layoutNode>
+          <dgm:layoutNode name="level2hierChild">
+            <dgm:choose name="Name8">
+              <dgm:if name="Name9" func="var" arg="dir" op="equ" val="norm">
+                <dgm:alg type="hierChild">
+                  <dgm:param type="linDir" val="fromT"/>
+                  <dgm:param type="chAlign" val="l"/>
+                </dgm:alg>
+              </dgm:if>
+              <dgm:else name="Name10">
+                <dgm:alg type="hierChild">
+                  <dgm:param type="linDir" val="fromT"/>
+                  <dgm:param type="chAlign" val="r"/>
+                </dgm:alg>
+              </dgm:else>
+            </dgm:choose>
+            <dgm:shape xmlns:r="http://schemas.openxmlformats.org/officeDocument/2006/relationships" r:blip="">
+              <dgm:adjLst/>
+            </dgm:shape>
+            <dgm:presOf/>
+            <dgm:constrLst/>
+            <dgm:ruleLst/>
+            <dgm:forEach name="repeat" axis="ch">
+              <dgm:forEach name="Name11" axis="self" ptType="parTrans" cnt="1">
+                <dgm:layoutNode name="conn2-1">
+                  <dgm:choose name="Name12">
+                    <dgm:if name="Name13" func="var" arg="dir" op="equ" val="norm">
+                      <dgm:alg type="conn">
+                        <dgm:param type="dim" val="1D"/>
+                        <dgm:param type="begPts" val="midR"/>
+                        <dgm:param type="endPts" val="midL"/>
+                        <dgm:param type="endSty" val="noArr"/>
+                      </dgm:alg>
+                    </dgm:if>
+                    <dgm:else name="Name14">
+                      <dgm:alg type="conn">
+                        <dgm:param type="dim" val="1D"/>
+                        <dgm:param type="begPts" val="midL"/>
+                        <dgm:param type="endPts" val="midR"/>
+                        <dgm:param type="endSty" val="noArr"/>
+                      </dgm:alg>
+                    </dgm:else>
+                  </dgm:choose>
+                  <dgm:shape xmlns:r="http://schemas.openxmlformats.org/officeDocument/2006/relationships" type="conn" r:blip="">
+                    <dgm:adjLst/>
+                  </dgm:shape>
+                  <dgm:presOf axis="self"/>
+                  <dgm:constrLst>
+                    <dgm:constr type="w" val="1"/>
+                    <dgm:constr type="h" val="5"/>
+                    <dgm:constr type="connDist"/>
+                    <dgm:constr type="begPad"/>
+                    <dgm:constr type="endPad"/>
+                    <dgm:constr type="userA" for="ch" refType="connDist"/>
+                  </dgm:constrLst>
+                  <dgm:ruleLst/>
+                  <dgm:layoutNode name="connTx">
+                    <dgm:alg type="tx">
+                      <dgm:param type="autoTxRot" val="grav"/>
+                    </dgm:alg>
+                    <dgm:shape xmlns:r="http://schemas.openxmlformats.org/officeDocument/2006/relationships" type="rect" r:blip="" hideGeom="1">
+                      <dgm:adjLst/>
+                    </dgm:shape>
+                    <dgm:presOf axis="self"/>
+                    <dgm:constrLst>
+                      <dgm:constr type="userA"/>
+                      <dgm:constr type="w" refType="userA" fact="0.05"/>
+                      <dgm:constr type="h" refType="userA" fact="0.05"/>
+                      <dgm:constr type="lMarg" val="1"/>
+                      <dgm:constr type="rMarg" val="1"/>
+                      <dgm:constr type="tMarg"/>
+                      <dgm:constr type="bMarg"/>
+                    </dgm:constrLst>
+                    <dgm:ruleLst>
+                      <dgm:rule type="h" val="NaN" fact="0.25" max="NaN"/>
+                      <dgm:rule type="w" val="NaN" fact="0.8" max="NaN"/>
+                      <dgm:rule type="primFontSz" val="5" fact="NaN" max="NaN"/>
+                    </dgm:ruleLst>
+                  </dgm:layoutNode>
+                </dgm:layoutNode>
+              </dgm:forEach>
+              <dgm:forEach name="Name15" axis="self" ptType="node">
+                <dgm:layoutNode name="root2">
+                  <dgm:choose name="Name16">
+                    <dgm:if name="Name17" func="var" arg="dir" op="equ" val="norm">
+                      <dgm:alg type="hierRoot">
+                        <dgm:param type="hierAlign" val="lCtrCh"/>
+                      </dgm:alg>
+                    </dgm:if>
+                    <dgm:else name="Name18">
+                      <dgm:alg type="hierRoot">
+                        <dgm:param type="hierAlign" val="rCtrCh"/>
+                      </dgm:alg>
+                    </dgm:else>
+                  </dgm:choose>
+                  <dgm:shape xmlns:r="http://schemas.openxmlformats.org/officeDocument/2006/relationships" r:blip="">
+                    <dgm:adjLst/>
+                  </dgm:shape>
+                  <dgm:presOf/>
+                  <dgm:constrLst/>
+                  <dgm:ruleLst/>
+                  <dgm:layoutNode name="LevelTwoTextNode">
+                    <dgm:varLst>
+                      <dgm:chPref val="3"/>
+                    </dgm:varLst>
+                    <dgm:alg type="tx"/>
+                    <dgm:shape xmlns:r="http://schemas.openxmlformats.org/officeDocument/2006/relationships" type="roundRect" r:blip="">
+                      <dgm:adjLst>
+                        <dgm:adj idx="1" val="0.1"/>
+                      </dgm:adjLst>
+                    </dgm:shape>
+                    <dgm:presOf axis="self"/>
+                    <dgm:constrLst>
+                      <dgm:constr type="tMarg" refType="primFontSz" fact="0.05"/>
+                      <dgm:constr type="bMarg" refType="primFontSz" fact="0.05"/>
+                      <dgm:constr type="lMarg" refType="primFontSz" fact="0.05"/>
+                      <dgm:constr type="rMarg" refType="primFontSz" fact="0.05"/>
+                    </dgm:constrLst>
+                    <dgm:ruleLst>
+                      <dgm:rule type="primFontSz" val="5" fact="NaN" max="NaN"/>
+                    </dgm:ruleLst>
+                  </dgm:layoutNode>
+                  <dgm:layoutNode name="level3hierChild">
+                    <dgm:choose name="Name19">
+                      <dgm:if name="Name20" func="var" arg="dir" op="equ" val="norm">
+                        <dgm:alg type="hierChild">
+                          <dgm:param type="linDir" val="fromT"/>
+                          <dgm:param type="chAlign" val="l"/>
+                        </dgm:alg>
+                      </dgm:if>
+                      <dgm:else name="Name21">
+                        <dgm:alg type="hierChild">
+                          <dgm:param type="linDir" val="fromT"/>
+                          <dgm:param type="chAlign" val="r"/>
+                        </dgm:alg>
+                      </dgm:else>
+                    </dgm:choose>
+                    <dgm:shape xmlns:r="http://schemas.openxmlformats.org/officeDocument/2006/relationships" r:blip="">
+                      <dgm:adjLst/>
+                    </dgm:shape>
+                    <dgm:presOf/>
+                    <dgm:constrLst/>
+                    <dgm:ruleLst/>
+                    <dgm:forEach name="Name22" ref="repeat"/>
+                  </dgm:layoutNode>
+                </dgm:layoutNode>
+              </dgm:forEach>
+            </dgm:forEach>
+          </dgm:layoutNode>
+        </dgm:layoutNode>
+      </dgm:forEach>
+    </dgm:forEach>
+  </dgm:layoutNode>
+</dgm:layoutDef>
+</file>
+
 <file path=ppt/diagrams/quickStyle1.xml><?xml version="1.0" encoding="utf-8"?>
 <dgm:styleDef xmlns:dgm="http://schemas.openxmlformats.org/drawingml/2006/diagram" xmlns:a="http://schemas.openxmlformats.org/drawingml/2006/main" uniqueId="urn:microsoft.com/office/officeart/2005/8/quickstyle/simple1">
   <dgm:title val=""/>
@@ -9891,6 +12370,1040 @@
         <a:scrgbClr r="0" g="0" b="0"/>
       </a:fillRef>
       <a:effectRef idx="0">
+        <a:scrgbClr r="0" g="0" b="0"/>
+      </a:effectRef>
+      <a:fontRef idx="minor"/>
+    </dgm:style>
+  </dgm:styleLbl>
+  <dgm:styleLbl name="revTx">
+    <dgm:scene3d>
+      <a:camera prst="orthographicFront"/>
+      <a:lightRig rig="threePt" dir="t"/>
+    </dgm:scene3d>
+    <dgm:sp3d/>
+    <dgm:txPr/>
+    <dgm:style>
+      <a:lnRef idx="0">
+        <a:scrgbClr r="0" g="0" b="0"/>
+      </a:lnRef>
+      <a:fillRef idx="0">
+        <a:scrgbClr r="0" g="0" b="0"/>
+      </a:fillRef>
+      <a:effectRef idx="0">
+        <a:scrgbClr r="0" g="0" b="0"/>
+      </a:effectRef>
+      <a:fontRef idx="minor"/>
+    </dgm:style>
+  </dgm:styleLbl>
+</dgm:styleDef>
+</file>
+
+<file path=ppt/diagrams/quickStyle3.xml><?xml version="1.0" encoding="utf-8"?>
+<dgm:styleDef xmlns:dgm="http://schemas.openxmlformats.org/drawingml/2006/diagram" xmlns:a="http://schemas.openxmlformats.org/drawingml/2006/main" uniqueId="urn:microsoft.com/office/officeart/2005/8/quickstyle/simple4">
+  <dgm:title val=""/>
+  <dgm:desc val=""/>
+  <dgm:catLst>
+    <dgm:cat type="simple" pri="10400"/>
+  </dgm:catLst>
+  <dgm:scene3d>
+    <a:camera prst="orthographicFront"/>
+    <a:lightRig rig="threePt" dir="t"/>
+  </dgm:scene3d>
+  <dgm:styleLbl name="node0">
+    <dgm:scene3d>
+      <a:camera prst="orthographicFront"/>
+      <a:lightRig rig="threePt" dir="t"/>
+    </dgm:scene3d>
+    <dgm:sp3d/>
+    <dgm:txPr/>
+    <dgm:style>
+      <a:lnRef idx="0">
+        <a:scrgbClr r="0" g="0" b="0"/>
+      </a:lnRef>
+      <a:fillRef idx="3">
+        <a:scrgbClr r="0" g="0" b="0"/>
+      </a:fillRef>
+      <a:effectRef idx="2">
+        <a:scrgbClr r="0" g="0" b="0"/>
+      </a:effectRef>
+      <a:fontRef idx="minor">
+        <a:schemeClr val="lt1"/>
+      </a:fontRef>
+    </dgm:style>
+  </dgm:styleLbl>
+  <dgm:styleLbl name="lnNode1">
+    <dgm:scene3d>
+      <a:camera prst="orthographicFront"/>
+      <a:lightRig rig="threePt" dir="t"/>
+    </dgm:scene3d>
+    <dgm:sp3d/>
+    <dgm:txPr/>
+    <dgm:style>
+      <a:lnRef idx="1">
+        <a:scrgbClr r="0" g="0" b="0"/>
+      </a:lnRef>
+      <a:fillRef idx="3">
+        <a:scrgbClr r="0" g="0" b="0"/>
+      </a:fillRef>
+      <a:effectRef idx="2">
+        <a:scrgbClr r="0" g="0" b="0"/>
+      </a:effectRef>
+      <a:fontRef idx="minor">
+        <a:schemeClr val="lt1"/>
+      </a:fontRef>
+    </dgm:style>
+  </dgm:styleLbl>
+  <dgm:styleLbl name="vennNode1">
+    <dgm:scene3d>
+      <a:camera prst="orthographicFront"/>
+      <a:lightRig rig="threePt" dir="t"/>
+    </dgm:scene3d>
+    <dgm:sp3d/>
+    <dgm:txPr/>
+    <dgm:style>
+      <a:lnRef idx="0">
+        <a:scrgbClr r="0" g="0" b="0"/>
+      </a:lnRef>
+      <a:fillRef idx="3">
+        <a:scrgbClr r="0" g="0" b="0"/>
+      </a:fillRef>
+      <a:effectRef idx="0">
+        <a:scrgbClr r="0" g="0" b="0"/>
+      </a:effectRef>
+      <a:fontRef idx="minor">
+        <a:schemeClr val="tx1"/>
+      </a:fontRef>
+    </dgm:style>
+  </dgm:styleLbl>
+  <dgm:styleLbl name="alignNode1">
+    <dgm:scene3d>
+      <a:camera prst="orthographicFront"/>
+      <a:lightRig rig="threePt" dir="t"/>
+    </dgm:scene3d>
+    <dgm:sp3d/>
+    <dgm:txPr/>
+    <dgm:style>
+      <a:lnRef idx="1">
+        <a:scrgbClr r="0" g="0" b="0"/>
+      </a:lnRef>
+      <a:fillRef idx="3">
+        <a:scrgbClr r="0" g="0" b="0"/>
+      </a:fillRef>
+      <a:effectRef idx="2">
+        <a:scrgbClr r="0" g="0" b="0"/>
+      </a:effectRef>
+      <a:fontRef idx="minor">
+        <a:schemeClr val="lt1"/>
+      </a:fontRef>
+    </dgm:style>
+  </dgm:styleLbl>
+  <dgm:styleLbl name="node1">
+    <dgm:scene3d>
+      <a:camera prst="orthographicFront"/>
+      <a:lightRig rig="threePt" dir="t"/>
+    </dgm:scene3d>
+    <dgm:sp3d/>
+    <dgm:txPr/>
+    <dgm:style>
+      <a:lnRef idx="0">
+        <a:scrgbClr r="0" g="0" b="0"/>
+      </a:lnRef>
+      <a:fillRef idx="3">
+        <a:scrgbClr r="0" g="0" b="0"/>
+      </a:fillRef>
+      <a:effectRef idx="2">
+        <a:scrgbClr r="0" g="0" b="0"/>
+      </a:effectRef>
+      <a:fontRef idx="minor">
+        <a:schemeClr val="lt1"/>
+      </a:fontRef>
+    </dgm:style>
+  </dgm:styleLbl>
+  <dgm:styleLbl name="node2">
+    <dgm:scene3d>
+      <a:camera prst="orthographicFront"/>
+      <a:lightRig rig="threePt" dir="t"/>
+    </dgm:scene3d>
+    <dgm:sp3d/>
+    <dgm:txPr/>
+    <dgm:style>
+      <a:lnRef idx="0">
+        <a:scrgbClr r="0" g="0" b="0"/>
+      </a:lnRef>
+      <a:fillRef idx="3">
+        <a:scrgbClr r="0" g="0" b="0"/>
+      </a:fillRef>
+      <a:effectRef idx="2">
+        <a:scrgbClr r="0" g="0" b="0"/>
+      </a:effectRef>
+      <a:fontRef idx="minor">
+        <a:schemeClr val="lt1"/>
+      </a:fontRef>
+    </dgm:style>
+  </dgm:styleLbl>
+  <dgm:styleLbl name="node3">
+    <dgm:scene3d>
+      <a:camera prst="orthographicFront"/>
+      <a:lightRig rig="threePt" dir="t"/>
+    </dgm:scene3d>
+    <dgm:sp3d/>
+    <dgm:txPr/>
+    <dgm:style>
+      <a:lnRef idx="0">
+        <a:scrgbClr r="0" g="0" b="0"/>
+      </a:lnRef>
+      <a:fillRef idx="3">
+        <a:scrgbClr r="0" g="0" b="0"/>
+      </a:fillRef>
+      <a:effectRef idx="2">
+        <a:scrgbClr r="0" g="0" b="0"/>
+      </a:effectRef>
+      <a:fontRef idx="minor">
+        <a:schemeClr val="lt1"/>
+      </a:fontRef>
+    </dgm:style>
+  </dgm:styleLbl>
+  <dgm:styleLbl name="node4">
+    <dgm:scene3d>
+      <a:camera prst="orthographicFront"/>
+      <a:lightRig rig="threePt" dir="t"/>
+    </dgm:scene3d>
+    <dgm:sp3d/>
+    <dgm:txPr/>
+    <dgm:style>
+      <a:lnRef idx="0">
+        <a:scrgbClr r="0" g="0" b="0"/>
+      </a:lnRef>
+      <a:fillRef idx="3">
+        <a:scrgbClr r="0" g="0" b="0"/>
+      </a:fillRef>
+      <a:effectRef idx="2">
+        <a:scrgbClr r="0" g="0" b="0"/>
+      </a:effectRef>
+      <a:fontRef idx="minor">
+        <a:schemeClr val="lt1"/>
+      </a:fontRef>
+    </dgm:style>
+  </dgm:styleLbl>
+  <dgm:styleLbl name="fgImgPlace1">
+    <dgm:scene3d>
+      <a:camera prst="orthographicFront"/>
+      <a:lightRig rig="threePt" dir="t"/>
+    </dgm:scene3d>
+    <dgm:sp3d/>
+    <dgm:txPr/>
+    <dgm:style>
+      <a:lnRef idx="0">
+        <a:scrgbClr r="0" g="0" b="0"/>
+      </a:lnRef>
+      <a:fillRef idx="1">
+        <a:scrgbClr r="0" g="0" b="0"/>
+      </a:fillRef>
+      <a:effectRef idx="2">
+        <a:scrgbClr r="0" g="0" b="0"/>
+      </a:effectRef>
+      <a:fontRef idx="minor"/>
+    </dgm:style>
+  </dgm:styleLbl>
+  <dgm:styleLbl name="alignImgPlace1">
+    <dgm:scene3d>
+      <a:camera prst="orthographicFront"/>
+      <a:lightRig rig="threePt" dir="t"/>
+    </dgm:scene3d>
+    <dgm:sp3d/>
+    <dgm:txPr/>
+    <dgm:style>
+      <a:lnRef idx="0">
+        <a:scrgbClr r="0" g="0" b="0"/>
+      </a:lnRef>
+      <a:fillRef idx="1">
+        <a:scrgbClr r="0" g="0" b="0"/>
+      </a:fillRef>
+      <a:effectRef idx="2">
+        <a:scrgbClr r="0" g="0" b="0"/>
+      </a:effectRef>
+      <a:fontRef idx="minor"/>
+    </dgm:style>
+  </dgm:styleLbl>
+  <dgm:styleLbl name="bgImgPlace1">
+    <dgm:scene3d>
+      <a:camera prst="orthographicFront"/>
+      <a:lightRig rig="threePt" dir="t"/>
+    </dgm:scene3d>
+    <dgm:sp3d/>
+    <dgm:txPr/>
+    <dgm:style>
+      <a:lnRef idx="0">
+        <a:scrgbClr r="0" g="0" b="0"/>
+      </a:lnRef>
+      <a:fillRef idx="1">
+        <a:scrgbClr r="0" g="0" b="0"/>
+      </a:fillRef>
+      <a:effectRef idx="2">
+        <a:scrgbClr r="0" g="0" b="0"/>
+      </a:effectRef>
+      <a:fontRef idx="minor"/>
+    </dgm:style>
+  </dgm:styleLbl>
+  <dgm:styleLbl name="sibTrans2D1">
+    <dgm:scene3d>
+      <a:camera prst="orthographicFront"/>
+      <a:lightRig rig="threePt" dir="t"/>
+    </dgm:scene3d>
+    <dgm:sp3d/>
+    <dgm:txPr/>
+    <dgm:style>
+      <a:lnRef idx="0">
+        <a:scrgbClr r="0" g="0" b="0"/>
+      </a:lnRef>
+      <a:fillRef idx="3">
+        <a:scrgbClr r="0" g="0" b="0"/>
+      </a:fillRef>
+      <a:effectRef idx="2">
+        <a:scrgbClr r="0" g="0" b="0"/>
+      </a:effectRef>
+      <a:fontRef idx="minor">
+        <a:schemeClr val="lt1"/>
+      </a:fontRef>
+    </dgm:style>
+  </dgm:styleLbl>
+  <dgm:styleLbl name="fgSibTrans2D1">
+    <dgm:scene3d>
+      <a:camera prst="orthographicFront"/>
+      <a:lightRig rig="threePt" dir="t"/>
+    </dgm:scene3d>
+    <dgm:sp3d/>
+    <dgm:txPr/>
+    <dgm:style>
+      <a:lnRef idx="0">
+        <a:scrgbClr r="0" g="0" b="0"/>
+      </a:lnRef>
+      <a:fillRef idx="3">
+        <a:scrgbClr r="0" g="0" b="0"/>
+      </a:fillRef>
+      <a:effectRef idx="2">
+        <a:scrgbClr r="0" g="0" b="0"/>
+      </a:effectRef>
+      <a:fontRef idx="minor">
+        <a:schemeClr val="lt1"/>
+      </a:fontRef>
+    </dgm:style>
+  </dgm:styleLbl>
+  <dgm:styleLbl name="bgSibTrans2D1">
+    <dgm:scene3d>
+      <a:camera prst="orthographicFront"/>
+      <a:lightRig rig="threePt" dir="t"/>
+    </dgm:scene3d>
+    <dgm:sp3d/>
+    <dgm:txPr/>
+    <dgm:style>
+      <a:lnRef idx="0">
+        <a:scrgbClr r="0" g="0" b="0"/>
+      </a:lnRef>
+      <a:fillRef idx="3">
+        <a:scrgbClr r="0" g="0" b="0"/>
+      </a:fillRef>
+      <a:effectRef idx="2">
+        <a:scrgbClr r="0" g="0" b="0"/>
+      </a:effectRef>
+      <a:fontRef idx="minor">
+        <a:schemeClr val="lt1"/>
+      </a:fontRef>
+    </dgm:style>
+  </dgm:styleLbl>
+  <dgm:styleLbl name="sibTrans1D1">
+    <dgm:scene3d>
+      <a:camera prst="orthographicFront"/>
+      <a:lightRig rig="threePt" dir="t"/>
+    </dgm:scene3d>
+    <dgm:sp3d/>
+    <dgm:txPr/>
+    <dgm:style>
+      <a:lnRef idx="1">
+        <a:scrgbClr r="0" g="0" b="0"/>
+      </a:lnRef>
+      <a:fillRef idx="0">
+        <a:scrgbClr r="0" g="0" b="0"/>
+      </a:fillRef>
+      <a:effectRef idx="0">
+        <a:scrgbClr r="0" g="0" b="0"/>
+      </a:effectRef>
+      <a:fontRef idx="minor"/>
+    </dgm:style>
+  </dgm:styleLbl>
+  <dgm:styleLbl name="callout">
+    <dgm:scene3d>
+      <a:camera prst="orthographicFront"/>
+      <a:lightRig rig="threePt" dir="t"/>
+    </dgm:scene3d>
+    <dgm:sp3d/>
+    <dgm:txPr/>
+    <dgm:style>
+      <a:lnRef idx="2">
+        <a:scrgbClr r="0" g="0" b="0"/>
+      </a:lnRef>
+      <a:fillRef idx="1">
+        <a:scrgbClr r="0" g="0" b="0"/>
+      </a:fillRef>
+      <a:effectRef idx="1">
+        <a:scrgbClr r="0" g="0" b="0"/>
+      </a:effectRef>
+      <a:fontRef idx="minor"/>
+    </dgm:style>
+  </dgm:styleLbl>
+  <dgm:styleLbl name="asst0">
+    <dgm:scene3d>
+      <a:camera prst="orthographicFront"/>
+      <a:lightRig rig="threePt" dir="t"/>
+    </dgm:scene3d>
+    <dgm:sp3d/>
+    <dgm:txPr/>
+    <dgm:style>
+      <a:lnRef idx="0">
+        <a:scrgbClr r="0" g="0" b="0"/>
+      </a:lnRef>
+      <a:fillRef idx="3">
+        <a:scrgbClr r="0" g="0" b="0"/>
+      </a:fillRef>
+      <a:effectRef idx="2">
+        <a:scrgbClr r="0" g="0" b="0"/>
+      </a:effectRef>
+      <a:fontRef idx="minor">
+        <a:schemeClr val="lt1"/>
+      </a:fontRef>
+    </dgm:style>
+  </dgm:styleLbl>
+  <dgm:styleLbl name="asst1">
+    <dgm:scene3d>
+      <a:camera prst="orthographicFront"/>
+      <a:lightRig rig="threePt" dir="t"/>
+    </dgm:scene3d>
+    <dgm:sp3d/>
+    <dgm:txPr/>
+    <dgm:style>
+      <a:lnRef idx="0">
+        <a:scrgbClr r="0" g="0" b="0"/>
+      </a:lnRef>
+      <a:fillRef idx="3">
+        <a:scrgbClr r="0" g="0" b="0"/>
+      </a:fillRef>
+      <a:effectRef idx="2">
+        <a:scrgbClr r="0" g="0" b="0"/>
+      </a:effectRef>
+      <a:fontRef idx="minor">
+        <a:schemeClr val="lt1"/>
+      </a:fontRef>
+    </dgm:style>
+  </dgm:styleLbl>
+  <dgm:styleLbl name="asst2">
+    <dgm:scene3d>
+      <a:camera prst="orthographicFront"/>
+      <a:lightRig rig="threePt" dir="t"/>
+    </dgm:scene3d>
+    <dgm:sp3d/>
+    <dgm:txPr/>
+    <dgm:style>
+      <a:lnRef idx="0">
+        <a:scrgbClr r="0" g="0" b="0"/>
+      </a:lnRef>
+      <a:fillRef idx="3">
+        <a:scrgbClr r="0" g="0" b="0"/>
+      </a:fillRef>
+      <a:effectRef idx="2">
+        <a:scrgbClr r="0" g="0" b="0"/>
+      </a:effectRef>
+      <a:fontRef idx="minor">
+        <a:schemeClr val="lt1"/>
+      </a:fontRef>
+    </dgm:style>
+  </dgm:styleLbl>
+  <dgm:styleLbl name="asst3">
+    <dgm:scene3d>
+      <a:camera prst="orthographicFront"/>
+      <a:lightRig rig="threePt" dir="t"/>
+    </dgm:scene3d>
+    <dgm:sp3d/>
+    <dgm:txPr/>
+    <dgm:style>
+      <a:lnRef idx="0">
+        <a:scrgbClr r="0" g="0" b="0"/>
+      </a:lnRef>
+      <a:fillRef idx="3">
+        <a:scrgbClr r="0" g="0" b="0"/>
+      </a:fillRef>
+      <a:effectRef idx="2">
+        <a:scrgbClr r="0" g="0" b="0"/>
+      </a:effectRef>
+      <a:fontRef idx="minor">
+        <a:schemeClr val="lt1"/>
+      </a:fontRef>
+    </dgm:style>
+  </dgm:styleLbl>
+  <dgm:styleLbl name="asst4">
+    <dgm:scene3d>
+      <a:camera prst="orthographicFront"/>
+      <a:lightRig rig="threePt" dir="t"/>
+    </dgm:scene3d>
+    <dgm:sp3d/>
+    <dgm:txPr/>
+    <dgm:style>
+      <a:lnRef idx="0">
+        <a:scrgbClr r="0" g="0" b="0"/>
+      </a:lnRef>
+      <a:fillRef idx="3">
+        <a:scrgbClr r="0" g="0" b="0"/>
+      </a:fillRef>
+      <a:effectRef idx="2">
+        <a:scrgbClr r="0" g="0" b="0"/>
+      </a:effectRef>
+      <a:fontRef idx="minor">
+        <a:schemeClr val="lt1"/>
+      </a:fontRef>
+    </dgm:style>
+  </dgm:styleLbl>
+  <dgm:styleLbl name="parChTrans2D1">
+    <dgm:scene3d>
+      <a:camera prst="orthographicFront"/>
+      <a:lightRig rig="threePt" dir="t"/>
+    </dgm:scene3d>
+    <dgm:sp3d/>
+    <dgm:txPr/>
+    <dgm:style>
+      <a:lnRef idx="0">
+        <a:scrgbClr r="0" g="0" b="0"/>
+      </a:lnRef>
+      <a:fillRef idx="3">
+        <a:scrgbClr r="0" g="0" b="0"/>
+      </a:fillRef>
+      <a:effectRef idx="2">
+        <a:scrgbClr r="0" g="0" b="0"/>
+      </a:effectRef>
+      <a:fontRef idx="minor">
+        <a:schemeClr val="lt1"/>
+      </a:fontRef>
+    </dgm:style>
+  </dgm:styleLbl>
+  <dgm:styleLbl name="parChTrans2D2">
+    <dgm:scene3d>
+      <a:camera prst="orthographicFront"/>
+      <a:lightRig rig="threePt" dir="t"/>
+    </dgm:scene3d>
+    <dgm:sp3d/>
+    <dgm:txPr/>
+    <dgm:style>
+      <a:lnRef idx="0">
+        <a:scrgbClr r="0" g="0" b="0"/>
+      </a:lnRef>
+      <a:fillRef idx="3">
+        <a:scrgbClr r="0" g="0" b="0"/>
+      </a:fillRef>
+      <a:effectRef idx="2">
+        <a:scrgbClr r="0" g="0" b="0"/>
+      </a:effectRef>
+      <a:fontRef idx="minor">
+        <a:schemeClr val="lt1"/>
+      </a:fontRef>
+    </dgm:style>
+  </dgm:styleLbl>
+  <dgm:styleLbl name="parChTrans2D3">
+    <dgm:scene3d>
+      <a:camera prst="orthographicFront"/>
+      <a:lightRig rig="threePt" dir="t"/>
+    </dgm:scene3d>
+    <dgm:sp3d/>
+    <dgm:txPr/>
+    <dgm:style>
+      <a:lnRef idx="1">
+        <a:scrgbClr r="0" g="0" b="0"/>
+      </a:lnRef>
+      <a:fillRef idx="3">
+        <a:scrgbClr r="0" g="0" b="0"/>
+      </a:fillRef>
+      <a:effectRef idx="2">
+        <a:scrgbClr r="0" g="0" b="0"/>
+      </a:effectRef>
+      <a:fontRef idx="minor">
+        <a:schemeClr val="lt1"/>
+      </a:fontRef>
+    </dgm:style>
+  </dgm:styleLbl>
+  <dgm:styleLbl name="parChTrans2D4">
+    <dgm:scene3d>
+      <a:camera prst="orthographicFront"/>
+      <a:lightRig rig="threePt" dir="t"/>
+    </dgm:scene3d>
+    <dgm:sp3d/>
+    <dgm:txPr/>
+    <dgm:style>
+      <a:lnRef idx="1">
+        <a:scrgbClr r="0" g="0" b="0"/>
+      </a:lnRef>
+      <a:fillRef idx="3">
+        <a:scrgbClr r="0" g="0" b="0"/>
+      </a:fillRef>
+      <a:effectRef idx="2">
+        <a:scrgbClr r="0" g="0" b="0"/>
+      </a:effectRef>
+      <a:fontRef idx="minor">
+        <a:schemeClr val="lt1"/>
+      </a:fontRef>
+    </dgm:style>
+  </dgm:styleLbl>
+  <dgm:styleLbl name="parChTrans1D1">
+    <dgm:scene3d>
+      <a:camera prst="orthographicFront"/>
+      <a:lightRig rig="threePt" dir="t"/>
+    </dgm:scene3d>
+    <dgm:sp3d/>
+    <dgm:txPr/>
+    <dgm:style>
+      <a:lnRef idx="1">
+        <a:scrgbClr r="0" g="0" b="0"/>
+      </a:lnRef>
+      <a:fillRef idx="0">
+        <a:scrgbClr r="0" g="0" b="0"/>
+      </a:fillRef>
+      <a:effectRef idx="0">
+        <a:scrgbClr r="0" g="0" b="0"/>
+      </a:effectRef>
+      <a:fontRef idx="minor"/>
+    </dgm:style>
+  </dgm:styleLbl>
+  <dgm:styleLbl name="parChTrans1D2">
+    <dgm:scene3d>
+      <a:camera prst="orthographicFront"/>
+      <a:lightRig rig="threePt" dir="t"/>
+    </dgm:scene3d>
+    <dgm:sp3d/>
+    <dgm:txPr/>
+    <dgm:style>
+      <a:lnRef idx="1">
+        <a:scrgbClr r="0" g="0" b="0"/>
+      </a:lnRef>
+      <a:fillRef idx="0">
+        <a:scrgbClr r="0" g="0" b="0"/>
+      </a:fillRef>
+      <a:effectRef idx="0">
+        <a:scrgbClr r="0" g="0" b="0"/>
+      </a:effectRef>
+      <a:fontRef idx="minor"/>
+    </dgm:style>
+  </dgm:styleLbl>
+  <dgm:styleLbl name="parChTrans1D3">
+    <dgm:scene3d>
+      <a:camera prst="orthographicFront"/>
+      <a:lightRig rig="threePt" dir="t"/>
+    </dgm:scene3d>
+    <dgm:sp3d/>
+    <dgm:txPr/>
+    <dgm:style>
+      <a:lnRef idx="1">
+        <a:scrgbClr r="0" g="0" b="0"/>
+      </a:lnRef>
+      <a:fillRef idx="0">
+        <a:scrgbClr r="0" g="0" b="0"/>
+      </a:fillRef>
+      <a:effectRef idx="0">
+        <a:scrgbClr r="0" g="0" b="0"/>
+      </a:effectRef>
+      <a:fontRef idx="minor"/>
+    </dgm:style>
+  </dgm:styleLbl>
+  <dgm:styleLbl name="parChTrans1D4">
+    <dgm:scene3d>
+      <a:camera prst="orthographicFront"/>
+      <a:lightRig rig="threePt" dir="t"/>
+    </dgm:scene3d>
+    <dgm:sp3d/>
+    <dgm:txPr/>
+    <dgm:style>
+      <a:lnRef idx="1">
+        <a:scrgbClr r="0" g="0" b="0"/>
+      </a:lnRef>
+      <a:fillRef idx="0">
+        <a:scrgbClr r="0" g="0" b="0"/>
+      </a:fillRef>
+      <a:effectRef idx="0">
+        <a:scrgbClr r="0" g="0" b="0"/>
+      </a:effectRef>
+      <a:fontRef idx="minor"/>
+    </dgm:style>
+  </dgm:styleLbl>
+  <dgm:styleLbl name="fgAcc1">
+    <dgm:scene3d>
+      <a:camera prst="orthographicFront"/>
+      <a:lightRig rig="threePt" dir="t"/>
+    </dgm:scene3d>
+    <dgm:sp3d/>
+    <dgm:txPr/>
+    <dgm:style>
+      <a:lnRef idx="1">
+        <a:scrgbClr r="0" g="0" b="0"/>
+      </a:lnRef>
+      <a:fillRef idx="1">
+        <a:scrgbClr r="0" g="0" b="0"/>
+      </a:fillRef>
+      <a:effectRef idx="0">
+        <a:scrgbClr r="0" g="0" b="0"/>
+      </a:effectRef>
+      <a:fontRef idx="minor"/>
+    </dgm:style>
+  </dgm:styleLbl>
+  <dgm:styleLbl name="conFgAcc1">
+    <dgm:scene3d>
+      <a:camera prst="orthographicFront"/>
+      <a:lightRig rig="threePt" dir="t"/>
+    </dgm:scene3d>
+    <dgm:sp3d/>
+    <dgm:txPr/>
+    <dgm:style>
+      <a:lnRef idx="1">
+        <a:scrgbClr r="0" g="0" b="0"/>
+      </a:lnRef>
+      <a:fillRef idx="1">
+        <a:scrgbClr r="0" g="0" b="0"/>
+      </a:fillRef>
+      <a:effectRef idx="0">
+        <a:scrgbClr r="0" g="0" b="0"/>
+      </a:effectRef>
+      <a:fontRef idx="minor"/>
+    </dgm:style>
+  </dgm:styleLbl>
+  <dgm:styleLbl name="alignAcc1">
+    <dgm:scene3d>
+      <a:camera prst="orthographicFront"/>
+      <a:lightRig rig="threePt" dir="t"/>
+    </dgm:scene3d>
+    <dgm:sp3d/>
+    <dgm:txPr/>
+    <dgm:style>
+      <a:lnRef idx="1">
+        <a:scrgbClr r="0" g="0" b="0"/>
+      </a:lnRef>
+      <a:fillRef idx="1">
+        <a:scrgbClr r="0" g="0" b="0"/>
+      </a:fillRef>
+      <a:effectRef idx="0">
+        <a:scrgbClr r="0" g="0" b="0"/>
+      </a:effectRef>
+      <a:fontRef idx="minor"/>
+    </dgm:style>
+  </dgm:styleLbl>
+  <dgm:styleLbl name="trAlignAcc1">
+    <dgm:scene3d>
+      <a:camera prst="orthographicFront"/>
+      <a:lightRig rig="threePt" dir="t"/>
+    </dgm:scene3d>
+    <dgm:sp3d/>
+    <dgm:txPr/>
+    <dgm:style>
+      <a:lnRef idx="1">
+        <a:scrgbClr r="0" g="0" b="0"/>
+      </a:lnRef>
+      <a:fillRef idx="1">
+        <a:scrgbClr r="0" g="0" b="0"/>
+      </a:fillRef>
+      <a:effectRef idx="0">
+        <a:scrgbClr r="0" g="0" b="0"/>
+      </a:effectRef>
+      <a:fontRef idx="minor"/>
+    </dgm:style>
+  </dgm:styleLbl>
+  <dgm:styleLbl name="bgAcc1">
+    <dgm:scene3d>
+      <a:camera prst="orthographicFront"/>
+      <a:lightRig rig="threePt" dir="t"/>
+    </dgm:scene3d>
+    <dgm:sp3d/>
+    <dgm:txPr/>
+    <dgm:style>
+      <a:lnRef idx="1">
+        <a:scrgbClr r="0" g="0" b="0"/>
+      </a:lnRef>
+      <a:fillRef idx="1">
+        <a:scrgbClr r="0" g="0" b="0"/>
+      </a:fillRef>
+      <a:effectRef idx="0">
+        <a:scrgbClr r="0" g="0" b="0"/>
+      </a:effectRef>
+      <a:fontRef idx="minor"/>
+    </dgm:style>
+  </dgm:styleLbl>
+  <dgm:styleLbl name="solidFgAcc1">
+    <dgm:scene3d>
+      <a:camera prst="orthographicFront"/>
+      <a:lightRig rig="threePt" dir="t"/>
+    </dgm:scene3d>
+    <dgm:sp3d/>
+    <dgm:txPr/>
+    <dgm:style>
+      <a:lnRef idx="1">
+        <a:scrgbClr r="0" g="0" b="0"/>
+      </a:lnRef>
+      <a:fillRef idx="1">
+        <a:scrgbClr r="0" g="0" b="0"/>
+      </a:fillRef>
+      <a:effectRef idx="0">
+        <a:scrgbClr r="0" g="0" b="0"/>
+      </a:effectRef>
+      <a:fontRef idx="minor"/>
+    </dgm:style>
+  </dgm:styleLbl>
+  <dgm:styleLbl name="solidAlignAcc1">
+    <dgm:scene3d>
+      <a:camera prst="orthographicFront"/>
+      <a:lightRig rig="threePt" dir="t"/>
+    </dgm:scene3d>
+    <dgm:sp3d/>
+    <dgm:txPr/>
+    <dgm:style>
+      <a:lnRef idx="1">
+        <a:scrgbClr r="0" g="0" b="0"/>
+      </a:lnRef>
+      <a:fillRef idx="1">
+        <a:scrgbClr r="0" g="0" b="0"/>
+      </a:fillRef>
+      <a:effectRef idx="0">
+        <a:scrgbClr r="0" g="0" b="0"/>
+      </a:effectRef>
+      <a:fontRef idx="minor"/>
+    </dgm:style>
+  </dgm:styleLbl>
+  <dgm:styleLbl name="solidBgAcc1">
+    <dgm:scene3d>
+      <a:camera prst="orthographicFront"/>
+      <a:lightRig rig="threePt" dir="t"/>
+    </dgm:scene3d>
+    <dgm:sp3d/>
+    <dgm:txPr/>
+    <dgm:style>
+      <a:lnRef idx="1">
+        <a:scrgbClr r="0" g="0" b="0"/>
+      </a:lnRef>
+      <a:fillRef idx="1">
+        <a:scrgbClr r="0" g="0" b="0"/>
+      </a:fillRef>
+      <a:effectRef idx="0">
+        <a:scrgbClr r="0" g="0" b="0"/>
+      </a:effectRef>
+      <a:fontRef idx="minor"/>
+    </dgm:style>
+  </dgm:styleLbl>
+  <dgm:styleLbl name="fgAccFollowNode1">
+    <dgm:scene3d>
+      <a:camera prst="orthographicFront"/>
+      <a:lightRig rig="threePt" dir="t"/>
+    </dgm:scene3d>
+    <dgm:sp3d/>
+    <dgm:txPr/>
+    <dgm:style>
+      <a:lnRef idx="1">
+        <a:scrgbClr r="0" g="0" b="0"/>
+      </a:lnRef>
+      <a:fillRef idx="1">
+        <a:scrgbClr r="0" g="0" b="0"/>
+      </a:fillRef>
+      <a:effectRef idx="0">
+        <a:scrgbClr r="0" g="0" b="0"/>
+      </a:effectRef>
+      <a:fontRef idx="minor"/>
+    </dgm:style>
+  </dgm:styleLbl>
+  <dgm:styleLbl name="alignAccFollowNode1">
+    <dgm:scene3d>
+      <a:camera prst="orthographicFront"/>
+      <a:lightRig rig="threePt" dir="t"/>
+    </dgm:scene3d>
+    <dgm:sp3d/>
+    <dgm:txPr/>
+    <dgm:style>
+      <a:lnRef idx="1">
+        <a:scrgbClr r="0" g="0" b="0"/>
+      </a:lnRef>
+      <a:fillRef idx="1">
+        <a:scrgbClr r="0" g="0" b="0"/>
+      </a:fillRef>
+      <a:effectRef idx="0">
+        <a:scrgbClr r="0" g="0" b="0"/>
+      </a:effectRef>
+      <a:fontRef idx="minor"/>
+    </dgm:style>
+  </dgm:styleLbl>
+  <dgm:styleLbl name="bgAccFollowNode1">
+    <dgm:scene3d>
+      <a:camera prst="orthographicFront"/>
+      <a:lightRig rig="threePt" dir="t"/>
+    </dgm:scene3d>
+    <dgm:sp3d/>
+    <dgm:txPr/>
+    <dgm:style>
+      <a:lnRef idx="1">
+        <a:scrgbClr r="0" g="0" b="0"/>
+      </a:lnRef>
+      <a:fillRef idx="1">
+        <a:scrgbClr r="0" g="0" b="0"/>
+      </a:fillRef>
+      <a:effectRef idx="0">
+        <a:scrgbClr r="0" g="0" b="0"/>
+      </a:effectRef>
+      <a:fontRef idx="minor"/>
+    </dgm:style>
+  </dgm:styleLbl>
+  <dgm:styleLbl name="fgAcc0">
+    <dgm:scene3d>
+      <a:camera prst="orthographicFront"/>
+      <a:lightRig rig="threePt" dir="t"/>
+    </dgm:scene3d>
+    <dgm:sp3d/>
+    <dgm:txPr/>
+    <dgm:style>
+      <a:lnRef idx="1">
+        <a:scrgbClr r="0" g="0" b="0"/>
+      </a:lnRef>
+      <a:fillRef idx="1">
+        <a:scrgbClr r="0" g="0" b="0"/>
+      </a:fillRef>
+      <a:effectRef idx="0">
+        <a:scrgbClr r="0" g="0" b="0"/>
+      </a:effectRef>
+      <a:fontRef idx="minor"/>
+    </dgm:style>
+  </dgm:styleLbl>
+  <dgm:styleLbl name="fgAcc2">
+    <dgm:scene3d>
+      <a:camera prst="orthographicFront"/>
+      <a:lightRig rig="threePt" dir="t"/>
+    </dgm:scene3d>
+    <dgm:sp3d/>
+    <dgm:txPr/>
+    <dgm:style>
+      <a:lnRef idx="1">
+        <a:scrgbClr r="0" g="0" b="0"/>
+      </a:lnRef>
+      <a:fillRef idx="1">
+        <a:scrgbClr r="0" g="0" b="0"/>
+      </a:fillRef>
+      <a:effectRef idx="0">
+        <a:scrgbClr r="0" g="0" b="0"/>
+      </a:effectRef>
+      <a:fontRef idx="minor"/>
+    </dgm:style>
+  </dgm:styleLbl>
+  <dgm:styleLbl name="fgAcc3">
+    <dgm:scene3d>
+      <a:camera prst="orthographicFront"/>
+      <a:lightRig rig="threePt" dir="t"/>
+    </dgm:scene3d>
+    <dgm:sp3d/>
+    <dgm:txPr/>
+    <dgm:style>
+      <a:lnRef idx="1">
+        <a:scrgbClr r="0" g="0" b="0"/>
+      </a:lnRef>
+      <a:fillRef idx="1">
+        <a:scrgbClr r="0" g="0" b="0"/>
+      </a:fillRef>
+      <a:effectRef idx="0">
+        <a:scrgbClr r="0" g="0" b="0"/>
+      </a:effectRef>
+      <a:fontRef idx="minor"/>
+    </dgm:style>
+  </dgm:styleLbl>
+  <dgm:styleLbl name="fgAcc4">
+    <dgm:scene3d>
+      <a:camera prst="orthographicFront"/>
+      <a:lightRig rig="threePt" dir="t"/>
+    </dgm:scene3d>
+    <dgm:sp3d/>
+    <dgm:txPr/>
+    <dgm:style>
+      <a:lnRef idx="1">
+        <a:scrgbClr r="0" g="0" b="0"/>
+      </a:lnRef>
+      <a:fillRef idx="1">
+        <a:scrgbClr r="0" g="0" b="0"/>
+      </a:fillRef>
+      <a:effectRef idx="0">
+        <a:scrgbClr r="0" g="0" b="0"/>
+      </a:effectRef>
+      <a:fontRef idx="minor"/>
+    </dgm:style>
+  </dgm:styleLbl>
+  <dgm:styleLbl name="bgShp">
+    <dgm:scene3d>
+      <a:camera prst="orthographicFront"/>
+      <a:lightRig rig="threePt" dir="t"/>
+    </dgm:scene3d>
+    <dgm:sp3d/>
+    <dgm:txPr/>
+    <dgm:style>
+      <a:lnRef idx="0">
+        <a:scrgbClr r="0" g="0" b="0"/>
+      </a:lnRef>
+      <a:fillRef idx="1">
+        <a:scrgbClr r="0" g="0" b="0"/>
+      </a:fillRef>
+      <a:effectRef idx="2">
+        <a:scrgbClr r="0" g="0" b="0"/>
+      </a:effectRef>
+      <a:fontRef idx="minor"/>
+    </dgm:style>
+  </dgm:styleLbl>
+  <dgm:styleLbl name="dkBgShp">
+    <dgm:scene3d>
+      <a:camera prst="orthographicFront"/>
+      <a:lightRig rig="threePt" dir="t"/>
+    </dgm:scene3d>
+    <dgm:sp3d/>
+    <dgm:txPr/>
+    <dgm:style>
+      <a:lnRef idx="0">
+        <a:scrgbClr r="0" g="0" b="0"/>
+      </a:lnRef>
+      <a:fillRef idx="1">
+        <a:scrgbClr r="0" g="0" b="0"/>
+      </a:fillRef>
+      <a:effectRef idx="2">
+        <a:scrgbClr r="0" g="0" b="0"/>
+      </a:effectRef>
+      <a:fontRef idx="minor"/>
+    </dgm:style>
+  </dgm:styleLbl>
+  <dgm:styleLbl name="trBgShp">
+    <dgm:scene3d>
+      <a:camera prst="orthographicFront"/>
+      <a:lightRig rig="threePt" dir="t"/>
+    </dgm:scene3d>
+    <dgm:sp3d/>
+    <dgm:txPr/>
+    <dgm:style>
+      <a:lnRef idx="0">
+        <a:scrgbClr r="0" g="0" b="0"/>
+      </a:lnRef>
+      <a:fillRef idx="1">
+        <a:scrgbClr r="0" g="0" b="0"/>
+      </a:fillRef>
+      <a:effectRef idx="0">
+        <a:scrgbClr r="0" g="0" b="0"/>
+      </a:effectRef>
+      <a:fontRef idx="minor"/>
+    </dgm:style>
+  </dgm:styleLbl>
+  <dgm:styleLbl name="fgShp">
+    <dgm:scene3d>
+      <a:camera prst="orthographicFront"/>
+      <a:lightRig rig="threePt" dir="t"/>
+    </dgm:scene3d>
+    <dgm:sp3d/>
+    <dgm:txPr/>
+    <dgm:style>
+      <a:lnRef idx="0">
+        <a:scrgbClr r="0" g="0" b="0"/>
+      </a:lnRef>
+      <a:fillRef idx="3">
+        <a:scrgbClr r="0" g="0" b="0"/>
+      </a:fillRef>
+      <a:effectRef idx="2">
         <a:scrgbClr r="0" g="0" b="0"/>
       </a:effectRef>
       <a:fontRef idx="minor"/>
@@ -28174,6 +31687,508 @@
     <p:extLst>
       <p:ext uri="{BB962C8B-B14F-4D97-AF65-F5344CB8AC3E}">
         <p14:creationId xmlns:p14="http://schemas.microsoft.com/office/powerpoint/2010/main" val="3625057145"/>
+      </p:ext>
+    </p:extLst>
+  </p:cSld>
+  <p:clrMapOvr>
+    <a:masterClrMapping/>
+  </p:clrMapOvr>
+</p:sld>
+</file>
+
+<file path=ppt/slides/slide26.xml><?xml version="1.0" encoding="utf-8"?>
+<p:sld xmlns:a="http://schemas.openxmlformats.org/drawingml/2006/main" xmlns:r="http://schemas.openxmlformats.org/officeDocument/2006/relationships" xmlns:p="http://schemas.openxmlformats.org/presentationml/2006/main">
+  <p:cSld>
+    <p:bg>
+      <p:bgPr>
+        <a:solidFill>
+          <a:schemeClr val="bg1"/>
+        </a:solidFill>
+        <a:effectLst/>
+      </p:bgPr>
+    </p:bg>
+    <p:spTree>
+      <p:nvGrpSpPr>
+        <p:cNvPr id="1" name=""/>
+        <p:cNvGrpSpPr/>
+        <p:nvPr/>
+      </p:nvGrpSpPr>
+      <p:grpSpPr>
+        <a:xfrm>
+          <a:off x="0" y="0"/>
+          <a:ext cx="0" cy="0"/>
+          <a:chOff x="0" y="0"/>
+          <a:chExt cx="0" cy="0"/>
+        </a:xfrm>
+      </p:grpSpPr>
+      <p:sp>
+        <p:nvSpPr>
+          <p:cNvPr id="33" name="Rectangle 32">
+            <a:extLst>
+              <a:ext uri="{FF2B5EF4-FFF2-40B4-BE49-F238E27FC236}">
+                <a16:creationId xmlns:a16="http://schemas.microsoft.com/office/drawing/2014/main" id="{B775CD93-9DF2-48CB-9F57-1BCA9A46C7FA}"/>
+              </a:ext>
+              <a:ext uri="{C183D7F6-B498-43B3-948B-1728B52AA6E4}">
+                <adec:decorative xmlns:adec="http://schemas.microsoft.com/office/drawing/2017/decorative" val="1"/>
+              </a:ext>
+            </a:extLst>
+          </p:cNvPr>
+          <p:cNvSpPr>
+            <a:spLocks noGrp="1" noRot="1" noChangeAspect="1" noMove="1" noResize="1" noEditPoints="1" noAdjustHandles="1" noChangeArrowheads="1" noChangeShapeType="1" noTextEdit="1"/>
+          </p:cNvSpPr>
+          <p:nvPr>
+            <p:extLst>
+              <p:ext uri="{386F3935-93C4-4BCD-93E2-E3B085C9AB24}">
+                <p16:designElem xmlns:p16="http://schemas.microsoft.com/office/powerpoint/2015/main" val="1"/>
+              </p:ext>
+            </p:extLst>
+          </p:nvPr>
+        </p:nvSpPr>
+        <p:spPr>
+          <a:xfrm>
+            <a:off x="466343" y="448055"/>
+            <a:ext cx="7201941" cy="1508760"/>
+          </a:xfrm>
+          <a:prstGeom prst="rect">
+            <a:avLst/>
+          </a:prstGeom>
+          <a:solidFill>
+            <a:srgbClr val="595959"/>
+          </a:solidFill>
+          <a:ln w="25400">
+            <a:noFill/>
+          </a:ln>
+        </p:spPr>
+        <p:style>
+          <a:lnRef idx="2">
+            <a:schemeClr val="accent1">
+              <a:shade val="50000"/>
+            </a:schemeClr>
+          </a:lnRef>
+          <a:fillRef idx="1">
+            <a:schemeClr val="accent1"/>
+          </a:fillRef>
+          <a:effectRef idx="0">
+            <a:schemeClr val="accent1"/>
+          </a:effectRef>
+          <a:fontRef idx="minor">
+            <a:schemeClr val="lt1"/>
+          </a:fontRef>
+        </p:style>
+        <p:txBody>
+          <a:bodyPr rtlCol="0" anchor="ctr"/>
+          <a:lstStyle/>
+          <a:p>
+            <a:pPr algn="ctr"/>
+            <a:endParaRPr lang="en-US">
+              <a:solidFill>
+                <a:srgbClr val="FFFFFF"/>
+              </a:solidFill>
+            </a:endParaRPr>
+          </a:p>
+        </p:txBody>
+      </p:sp>
+      <p:sp>
+        <p:nvSpPr>
+          <p:cNvPr id="2" name="Title 1">
+            <a:extLst>
+              <a:ext uri="{FF2B5EF4-FFF2-40B4-BE49-F238E27FC236}">
+                <a16:creationId xmlns:a16="http://schemas.microsoft.com/office/drawing/2014/main" id="{2424DBF7-954A-D943-BC72-44DB7F90306A}"/>
+              </a:ext>
+            </a:extLst>
+          </p:cNvPr>
+          <p:cNvSpPr>
+            <a:spLocks noGrp="1"/>
+          </p:cNvSpPr>
+          <p:nvPr>
+            <p:ph type="title"/>
+          </p:nvPr>
+        </p:nvSpPr>
+        <p:spPr>
+          <a:xfrm>
+            <a:off x="777240" y="694944"/>
+            <a:ext cx="6610388" cy="1042416"/>
+          </a:xfrm>
+        </p:spPr>
+        <p:txBody>
+          <a:bodyPr>
+            <a:normAutofit/>
+          </a:bodyPr>
+          <a:lstStyle/>
+          <a:p>
+            <a:r>
+              <a:rPr lang="sv-SE" sz="3300">
+                <a:solidFill>
+                  <a:srgbClr val="FFFFFF"/>
+                </a:solidFill>
+              </a:rPr>
+              <a:t>HTML DOM (Document Object Model)</a:t>
+            </a:r>
+          </a:p>
+        </p:txBody>
+      </p:sp>
+      <p:sp>
+        <p:nvSpPr>
+          <p:cNvPr id="35" name="Rectangle 34">
+            <a:extLst>
+              <a:ext uri="{FF2B5EF4-FFF2-40B4-BE49-F238E27FC236}">
+                <a16:creationId xmlns:a16="http://schemas.microsoft.com/office/drawing/2014/main" id="{E186B68C-84BC-4A6E-99D1-EE87483C1349}"/>
+              </a:ext>
+              <a:ext uri="{C183D7F6-B498-43B3-948B-1728B52AA6E4}">
+                <adec:decorative xmlns:adec="http://schemas.microsoft.com/office/drawing/2017/decorative" val="1"/>
+              </a:ext>
+            </a:extLst>
+          </p:cNvPr>
+          <p:cNvSpPr>
+            <a:spLocks noGrp="1" noRot="1" noChangeAspect="1" noMove="1" noResize="1" noEditPoints="1" noAdjustHandles="1" noChangeArrowheads="1" noChangeShapeType="1" noTextEdit="1"/>
+          </p:cNvSpPr>
+          <p:nvPr>
+            <p:extLst>
+              <p:ext uri="{386F3935-93C4-4BCD-93E2-E3B085C9AB24}">
+                <p16:designElem xmlns:p16="http://schemas.microsoft.com/office/powerpoint/2015/main" val="1"/>
+              </p:ext>
+            </p:extLst>
+          </p:nvPr>
+        </p:nvSpPr>
+        <p:spPr>
+          <a:xfrm>
+            <a:off x="7845755" y="450222"/>
+            <a:ext cx="1861718" cy="1506594"/>
+          </a:xfrm>
+          <a:prstGeom prst="rect">
+            <a:avLst/>
+          </a:prstGeom>
+          <a:solidFill>
+            <a:schemeClr val="accent1">
+              <a:alpha val="95000"/>
+            </a:schemeClr>
+          </a:solidFill>
+          <a:ln w="25400">
+            <a:noFill/>
+          </a:ln>
+        </p:spPr>
+        <p:style>
+          <a:lnRef idx="2">
+            <a:schemeClr val="accent1">
+              <a:shade val="50000"/>
+            </a:schemeClr>
+          </a:lnRef>
+          <a:fillRef idx="1">
+            <a:schemeClr val="accent1"/>
+          </a:fillRef>
+          <a:effectRef idx="0">
+            <a:schemeClr val="accent1"/>
+          </a:effectRef>
+          <a:fontRef idx="minor">
+            <a:schemeClr val="lt1"/>
+          </a:fontRef>
+        </p:style>
+        <p:txBody>
+          <a:bodyPr rtlCol="0" anchor="ctr"/>
+          <a:lstStyle/>
+          <a:p>
+            <a:pPr algn="ctr"/>
+            <a:endParaRPr lang="en-US">
+              <a:solidFill>
+                <a:srgbClr val="FFFFFF"/>
+              </a:solidFill>
+            </a:endParaRPr>
+          </a:p>
+        </p:txBody>
+      </p:sp>
+      <p:sp>
+        <p:nvSpPr>
+          <p:cNvPr id="37" name="Rectangle 36">
+            <a:extLst>
+              <a:ext uri="{FF2B5EF4-FFF2-40B4-BE49-F238E27FC236}">
+                <a16:creationId xmlns:a16="http://schemas.microsoft.com/office/drawing/2014/main" id="{6166C6D1-23AC-49C4-BA07-238E4E9F8CEB}"/>
+              </a:ext>
+              <a:ext uri="{C183D7F6-B498-43B3-948B-1728B52AA6E4}">
+                <adec:decorative xmlns:adec="http://schemas.microsoft.com/office/drawing/2017/decorative" val="1"/>
+              </a:ext>
+            </a:extLst>
+          </p:cNvPr>
+          <p:cNvSpPr>
+            <a:spLocks noGrp="1" noRot="1" noChangeAspect="1" noMove="1" noResize="1" noEditPoints="1" noAdjustHandles="1" noChangeArrowheads="1" noChangeShapeType="1" noTextEdit="1"/>
+          </p:cNvSpPr>
+          <p:nvPr>
+            <p:extLst>
+              <p:ext uri="{386F3935-93C4-4BCD-93E2-E3B085C9AB24}">
+                <p16:designElem xmlns:p16="http://schemas.microsoft.com/office/powerpoint/2015/main" val="1"/>
+              </p:ext>
+            </p:extLst>
+          </p:nvPr>
+        </p:nvSpPr>
+        <p:spPr>
+          <a:xfrm>
+            <a:off x="9870314" y="453269"/>
+            <a:ext cx="1862765" cy="1505231"/>
+          </a:xfrm>
+          <a:prstGeom prst="rect">
+            <a:avLst/>
+          </a:prstGeom>
+          <a:solidFill>
+            <a:srgbClr val="A5A5A5"/>
+          </a:solidFill>
+          <a:ln w="25400">
+            <a:noFill/>
+          </a:ln>
+        </p:spPr>
+        <p:style>
+          <a:lnRef idx="2">
+            <a:schemeClr val="accent1">
+              <a:shade val="50000"/>
+            </a:schemeClr>
+          </a:lnRef>
+          <a:fillRef idx="1">
+            <a:schemeClr val="accent1"/>
+          </a:fillRef>
+          <a:effectRef idx="0">
+            <a:schemeClr val="accent1"/>
+          </a:effectRef>
+          <a:fontRef idx="minor">
+            <a:schemeClr val="lt1"/>
+          </a:fontRef>
+        </p:style>
+        <p:txBody>
+          <a:bodyPr rtlCol="0" anchor="ctr"/>
+          <a:lstStyle/>
+          <a:p>
+            <a:pPr algn="ctr"/>
+            <a:endParaRPr lang="en-US">
+              <a:solidFill>
+                <a:srgbClr val="FFFFFF"/>
+              </a:solidFill>
+            </a:endParaRPr>
+          </a:p>
+        </p:txBody>
+      </p:sp>
+      <p:sp>
+        <p:nvSpPr>
+          <p:cNvPr id="39" name="Rectangle 38">
+            <a:extLst>
+              <a:ext uri="{FF2B5EF4-FFF2-40B4-BE49-F238E27FC236}">
+                <a16:creationId xmlns:a16="http://schemas.microsoft.com/office/drawing/2014/main" id="{33A87B69-D1B1-4DA7-B224-F220FC5235E6}"/>
+              </a:ext>
+              <a:ext uri="{C183D7F6-B498-43B3-948B-1728B52AA6E4}">
+                <adec:decorative xmlns:adec="http://schemas.microsoft.com/office/drawing/2017/decorative" val="1"/>
+              </a:ext>
+            </a:extLst>
+          </p:cNvPr>
+          <p:cNvSpPr>
+            <a:spLocks noGrp="1" noRot="1" noChangeAspect="1" noMove="1" noResize="1" noEditPoints="1" noAdjustHandles="1" noChangeArrowheads="1" noChangeShapeType="1" noTextEdit="1"/>
+          </p:cNvSpPr>
+          <p:nvPr>
+            <p:extLst>
+              <p:ext uri="{386F3935-93C4-4BCD-93E2-E3B085C9AB24}">
+                <p16:designElem xmlns:p16="http://schemas.microsoft.com/office/powerpoint/2015/main" val="1"/>
+              </p:ext>
+            </p:extLst>
+          </p:nvPr>
+        </p:nvSpPr>
+        <p:spPr>
+          <a:xfrm>
+            <a:off x="466344" y="2130552"/>
+            <a:ext cx="7205472" cy="4270248"/>
+          </a:xfrm>
+          <a:prstGeom prst="rect">
+            <a:avLst/>
+          </a:prstGeom>
+          <a:solidFill>
+            <a:srgbClr val="7F7F7F">
+              <a:alpha val="20000"/>
+            </a:srgbClr>
+          </a:solidFill>
+          <a:ln w="25400">
+            <a:noFill/>
+          </a:ln>
+        </p:spPr>
+        <p:style>
+          <a:lnRef idx="2">
+            <a:schemeClr val="accent1">
+              <a:shade val="50000"/>
+            </a:schemeClr>
+          </a:lnRef>
+          <a:fillRef idx="1">
+            <a:schemeClr val="accent1"/>
+          </a:fillRef>
+          <a:effectRef idx="0">
+            <a:schemeClr val="accent1"/>
+          </a:effectRef>
+          <a:fontRef idx="minor">
+            <a:schemeClr val="lt1"/>
+          </a:fontRef>
+        </p:style>
+        <p:txBody>
+          <a:bodyPr rtlCol="0" anchor="ctr"/>
+          <a:lstStyle/>
+          <a:p>
+            <a:pPr marL="0" marR="0" lvl="0" indent="0" algn="ctr" defTabSz="914400" rtl="0" eaLnBrk="1" fontAlgn="auto" latinLnBrk="0" hangingPunct="1">
+              <a:lnSpc>
+                <a:spcPct val="100000"/>
+              </a:lnSpc>
+              <a:spcBef>
+                <a:spcPts val="0"/>
+              </a:spcBef>
+              <a:spcAft>
+                <a:spcPts val="0"/>
+              </a:spcAft>
+              <a:buClrTx/>
+              <a:buSzTx/>
+              <a:buFontTx/>
+              <a:buNone/>
+              <a:tabLst/>
+              <a:defRPr/>
+            </a:pPr>
+            <a:endParaRPr kumimoji="0" lang="en-US" sz="1800" b="0" i="0" u="none" strike="noStrike" kern="1200" cap="none" spc="0" normalizeH="0" baseline="0" noProof="0">
+              <a:ln>
+                <a:noFill/>
+              </a:ln>
+              <a:solidFill>
+                <a:srgbClr val="FFFFFF"/>
+              </a:solidFill>
+              <a:effectLst/>
+              <a:uLnTx/>
+              <a:uFillTx/>
+              <a:latin typeface="Calibri" panose="020F0502020204030204"/>
+              <a:ea typeface="+mn-ea"/>
+              <a:cs typeface="+mn-cs"/>
+            </a:endParaRPr>
+          </a:p>
+        </p:txBody>
+      </p:sp>
+      <p:pic>
+        <p:nvPicPr>
+          <p:cNvPr id="6" name="Picture 5" descr="Diagram&#10;&#10;Description automatically generated">
+            <a:extLst>
+              <a:ext uri="{FF2B5EF4-FFF2-40B4-BE49-F238E27FC236}">
+                <a16:creationId xmlns:a16="http://schemas.microsoft.com/office/drawing/2014/main" id="{BE64EB91-D3A3-3040-8A09-9A137C862B3A}"/>
+              </a:ext>
+            </a:extLst>
+          </p:cNvPr>
+          <p:cNvPicPr>
+            <a:picLocks noChangeAspect="1"/>
+          </p:cNvPicPr>
+          <p:nvPr/>
+        </p:nvPicPr>
+        <p:blipFill>
+          <a:blip r:embed="rId2"/>
+          <a:stretch>
+            <a:fillRect/>
+          </a:stretch>
+        </p:blipFill>
+        <p:spPr>
+          <a:xfrm>
+            <a:off x="670142" y="2414692"/>
+            <a:ext cx="6795370" cy="3699092"/>
+          </a:xfrm>
+          <a:prstGeom prst="rect">
+            <a:avLst/>
+          </a:prstGeom>
+        </p:spPr>
+      </p:pic>
+      <p:sp>
+        <p:nvSpPr>
+          <p:cNvPr id="41" name="Rectangle 40">
+            <a:extLst>
+              <a:ext uri="{FF2B5EF4-FFF2-40B4-BE49-F238E27FC236}">
+                <a16:creationId xmlns:a16="http://schemas.microsoft.com/office/drawing/2014/main" id="{1C091803-41C2-48E0-9228-5148460C7479}"/>
+              </a:ext>
+              <a:ext uri="{C183D7F6-B498-43B3-948B-1728B52AA6E4}">
+                <adec:decorative xmlns:adec="http://schemas.microsoft.com/office/drawing/2017/decorative" val="1"/>
+              </a:ext>
+            </a:extLst>
+          </p:cNvPr>
+          <p:cNvSpPr>
+            <a:spLocks noGrp="1" noRot="1" noChangeAspect="1" noMove="1" noResize="1" noEditPoints="1" noAdjustHandles="1" noChangeArrowheads="1" noChangeShapeType="1" noTextEdit="1"/>
+          </p:cNvSpPr>
+          <p:nvPr>
+            <p:extLst>
+              <p:ext uri="{386F3935-93C4-4BCD-93E2-E3B085C9AB24}">
+                <p16:designElem xmlns:p16="http://schemas.microsoft.com/office/powerpoint/2015/main" val="1"/>
+              </p:ext>
+            </p:extLst>
+          </p:nvPr>
+        </p:nvSpPr>
+        <p:spPr>
+          <a:xfrm>
+            <a:off x="7845755" y="2127680"/>
+            <a:ext cx="3887324" cy="4273119"/>
+          </a:xfrm>
+          <a:prstGeom prst="rect">
+            <a:avLst/>
+          </a:prstGeom>
+          <a:solidFill>
+            <a:schemeClr val="tx1">
+              <a:lumMod val="50000"/>
+              <a:lumOff val="50000"/>
+              <a:alpha val="20000"/>
+            </a:schemeClr>
+          </a:solidFill>
+          <a:ln>
+            <a:noFill/>
+          </a:ln>
+        </p:spPr>
+        <p:style>
+          <a:lnRef idx="2">
+            <a:schemeClr val="accent1">
+              <a:shade val="50000"/>
+            </a:schemeClr>
+          </a:lnRef>
+          <a:fillRef idx="1">
+            <a:schemeClr val="accent1"/>
+          </a:fillRef>
+          <a:effectRef idx="0">
+            <a:schemeClr val="accent1"/>
+          </a:effectRef>
+          <a:fontRef idx="minor">
+            <a:schemeClr val="lt1"/>
+          </a:fontRef>
+        </p:style>
+        <p:txBody>
+          <a:bodyPr rtlCol="0" anchor="ctr"/>
+          <a:lstStyle/>
+          <a:p>
+            <a:pPr algn="ctr"/>
+            <a:endParaRPr lang="en-US"/>
+          </a:p>
+        </p:txBody>
+      </p:sp>
+      <p:graphicFrame>
+        <p:nvGraphicFramePr>
+          <p:cNvPr id="5" name="Content Placeholder 2">
+            <a:extLst>
+              <a:ext uri="{FF2B5EF4-FFF2-40B4-BE49-F238E27FC236}">
+                <a16:creationId xmlns:a16="http://schemas.microsoft.com/office/drawing/2014/main" id="{754DDCAF-7A75-4BF9-9B0D-413B13033827}"/>
+              </a:ext>
+            </a:extLst>
+          </p:cNvPr>
+          <p:cNvGraphicFramePr>
+            <a:graphicFrameLocks noGrp="1"/>
+          </p:cNvGraphicFramePr>
+          <p:nvPr>
+            <p:ph idx="1"/>
+            <p:extLst>
+              <p:ext uri="{D42A27DB-BD31-4B8C-83A1-F6EECF244321}">
+                <p14:modId xmlns:p14="http://schemas.microsoft.com/office/powerpoint/2010/main" val="2154125498"/>
+              </p:ext>
+            </p:extLst>
+          </p:nvPr>
+        </p:nvGraphicFramePr>
+        <p:xfrm>
+          <a:off x="8109311" y="2393792"/>
+          <a:ext cx="3360212" cy="3740893"/>
+        </p:xfrm>
+        <a:graphic>
+          <a:graphicData uri="http://schemas.openxmlformats.org/drawingml/2006/diagram">
+            <dgm:relIds xmlns:dgm="http://schemas.openxmlformats.org/drawingml/2006/diagram" xmlns:r="http://schemas.openxmlformats.org/officeDocument/2006/relationships" r:dm="rId3" r:lo="rId4" r:qs="rId5" r:cs="rId6"/>
+          </a:graphicData>
+        </a:graphic>
+      </p:graphicFrame>
+    </p:spTree>
+    <p:extLst>
+      <p:ext uri="{BB962C8B-B14F-4D97-AF65-F5344CB8AC3E}">
+        <p14:creationId xmlns:p14="http://schemas.microsoft.com/office/powerpoint/2010/main" val="3843171675"/>
       </p:ext>
     </p:extLst>
   </p:cSld>
